--- a/presentacion3.pptx
+++ b/presentacion3.pptx
@@ -44,6 +44,20 @@
     <p:sldId id="291" r:id="rId38"/>
     <p:sldId id="301" r:id="rId39"/>
     <p:sldId id="274" r:id="rId40"/>
+    <p:sldId id="302" r:id="rId41"/>
+    <p:sldId id="303" r:id="rId42"/>
+    <p:sldId id="305" r:id="rId43"/>
+    <p:sldId id="304" r:id="rId44"/>
+    <p:sldId id="306" r:id="rId45"/>
+    <p:sldId id="307" r:id="rId46"/>
+    <p:sldId id="308" r:id="rId47"/>
+    <p:sldId id="309" r:id="rId48"/>
+    <p:sldId id="310" r:id="rId49"/>
+    <p:sldId id="311" r:id="rId50"/>
+    <p:sldId id="312" r:id="rId51"/>
+    <p:sldId id="313" r:id="rId52"/>
+    <p:sldId id="314" r:id="rId53"/>
+    <p:sldId id="315" r:id="rId54"/>
   </p:sldIdLst>
   <p:sldSz cx="9144000" cy="6858000" type="screen4x3"/>
   <p:notesSz cx="6858000" cy="9144000"/>
@@ -144,7 +158,7 @@
   </p:defaultTextStyle>
   <p:extLst>
     <p:ext uri="{EFAFB233-063F-42B5-8137-9DF3F51BA10A}">
-      <p15:sldGuideLst xmlns:p15="http://schemas.microsoft.com/office/powerpoint/2012/main" xmlns="">
+      <p15:sldGuideLst xmlns:p15="http://schemas.microsoft.com/office/powerpoint/2012/main">
         <p15:guide id="1" orient="horz" pos="2160">
           <p15:clr>
             <a:srgbClr val="A4A3A4"/>
@@ -159,6 +173,10 @@
     </p:ext>
   </p:extLst>
 </p:presentation>
+</file>
+
+<file path=ppt/revisionInfo.xml><?xml version="1.0" encoding="utf-8"?>
+<p1510:revInfo xmlns:a="http://schemas.openxmlformats.org/drawingml/2006/main" xmlns:r="http://schemas.openxmlformats.org/officeDocument/2006/relationships" xmlns:p1510="http://schemas.microsoft.com/office/powerpoint/2015/10/main"/>
 </file>
 
 <file path=ppt/changesInfos/changesInfo1.xml><?xml version="1.0" encoding="utf-8"?>
@@ -829,7 +847,7 @@
           <a:p>
             <a:fld id="{7A847CFC-816F-41D0-AAC0-9BF4FEBC753E}" type="datetimeFigureOut">
               <a:rPr lang="es-ES" smtClean="0"/>
-              <a:t>12/03/2018</a:t>
+              <a:t>13/03/2018</a:t>
             </a:fld>
             <a:endParaRPr lang="es-ES"/>
           </a:p>
@@ -1019,7 +1037,7 @@
           <a:p>
             <a:fld id="{7A847CFC-816F-41D0-AAC0-9BF4FEBC753E}" type="datetimeFigureOut">
               <a:rPr lang="es-ES" smtClean="0"/>
-              <a:t>12/03/2018</a:t>
+              <a:t>13/03/2018</a:t>
             </a:fld>
             <a:endParaRPr lang="es-ES"/>
           </a:p>
@@ -1194,7 +1212,7 @@
           <a:p>
             <a:fld id="{7A847CFC-816F-41D0-AAC0-9BF4FEBC753E}" type="datetimeFigureOut">
               <a:rPr lang="es-ES" smtClean="0"/>
-              <a:t>12/03/2018</a:t>
+              <a:t>13/03/2018</a:t>
             </a:fld>
             <a:endParaRPr lang="es-ES"/>
           </a:p>
@@ -1336,7 +1354,7 @@
           <a:p>
             <a:fld id="{7A847CFC-816F-41D0-AAC0-9BF4FEBC753E}" type="datetimeFigureOut">
               <a:rPr lang="es-ES" smtClean="0"/>
-              <a:t>12/03/2018</a:t>
+              <a:t>13/03/2018</a:t>
             </a:fld>
             <a:endParaRPr lang="es-ES"/>
           </a:p>
@@ -1583,7 +1601,7 @@
           <a:p>
             <a:fld id="{7A847CFC-816F-41D0-AAC0-9BF4FEBC753E}" type="datetimeFigureOut">
               <a:rPr lang="es-ES" smtClean="0"/>
-              <a:t>12/03/2018</a:t>
+              <a:t>13/03/2018</a:t>
             </a:fld>
             <a:endParaRPr lang="es-ES"/>
           </a:p>
@@ -1982,7 +2000,7 @@
           <a:p>
             <a:fld id="{7A847CFC-816F-41D0-AAC0-9BF4FEBC753E}" type="datetimeFigureOut">
               <a:rPr lang="es-ES" smtClean="0"/>
-              <a:t>12/03/2018</a:t>
+              <a:t>13/03/2018</a:t>
             </a:fld>
             <a:endParaRPr lang="es-ES"/>
           </a:p>
@@ -2420,7 +2438,7 @@
           <a:p>
             <a:fld id="{7A847CFC-816F-41D0-AAC0-9BF4FEBC753E}" type="datetimeFigureOut">
               <a:rPr lang="es-ES" smtClean="0"/>
-              <a:t>12/03/2018</a:t>
+              <a:t>13/03/2018</a:t>
             </a:fld>
             <a:endParaRPr lang="es-ES"/>
           </a:p>
@@ -2515,7 +2533,7 @@
           <a:p>
             <a:fld id="{7A847CFC-816F-41D0-AAC0-9BF4FEBC753E}" type="datetimeFigureOut">
               <a:rPr lang="es-ES" smtClean="0"/>
-              <a:t>12/03/2018</a:t>
+              <a:t>13/03/2018</a:t>
             </a:fld>
             <a:endParaRPr lang="es-ES"/>
           </a:p>
@@ -2628,7 +2646,7 @@
           <a:p>
             <a:fld id="{7A847CFC-816F-41D0-AAC0-9BF4FEBC753E}" type="datetimeFigureOut">
               <a:rPr lang="es-ES" smtClean="0"/>
-              <a:t>12/03/2018</a:t>
+              <a:t>13/03/2018</a:t>
             </a:fld>
             <a:endParaRPr lang="es-ES"/>
           </a:p>
@@ -2896,7 +2914,7 @@
           <a:p>
             <a:fld id="{7A847CFC-816F-41D0-AAC0-9BF4FEBC753E}" type="datetimeFigureOut">
               <a:rPr lang="es-ES" smtClean="0"/>
-              <a:t>12/03/2018</a:t>
+              <a:t>13/03/2018</a:t>
             </a:fld>
             <a:endParaRPr lang="es-ES"/>
           </a:p>
@@ -3097,7 +3115,7 @@
           <a:p>
             <a:fld id="{7A847CFC-816F-41D0-AAC0-9BF4FEBC753E}" type="datetimeFigureOut">
               <a:rPr lang="es-ES" smtClean="0"/>
-              <a:t>12/03/2018</a:t>
+              <a:t>13/03/2018</a:t>
             </a:fld>
             <a:endParaRPr lang="es-ES"/>
           </a:p>
@@ -4186,7 +4204,7 @@
           <a:p>
             <a:fld id="{7A847CFC-816F-41D0-AAC0-9BF4FEBC753E}" type="datetimeFigureOut">
               <a:rPr lang="es-ES" smtClean="0"/>
-              <a:t>12/03/2018</a:t>
+              <a:t>13/03/2018</a:t>
             </a:fld>
             <a:endParaRPr lang="es-ES"/>
           </a:p>
@@ -5485,10 +5503,9 @@
           <a:lstStyle/>
           <a:p>
             <a:r>
-              <a:rPr lang="es-ES" dirty="0" smtClean="0"/>
+              <a:rPr lang="es-ES" dirty="0"/>
               <a:t>Todos los clasificadores siguen el mismo esquema</a:t>
             </a:r>
-            <a:endParaRPr lang="es-ES" dirty="0"/>
           </a:p>
         </p:txBody>
       </p:sp>
@@ -5614,10 +5631,9 @@
           <a:lstStyle/>
           <a:p>
             <a:r>
-              <a:rPr lang="es-ES" dirty="0" smtClean="0"/>
+              <a:rPr lang="es-ES" dirty="0"/>
               <a:t>Todas las funciones de entrenamiento están implementadas igual</a:t>
             </a:r>
-            <a:endParaRPr lang="es-ES" dirty="0"/>
           </a:p>
         </p:txBody>
       </p:sp>
@@ -5747,7 +5763,7 @@
               <a:buAutoNum type="arabicPeriod"/>
             </a:pPr>
             <a:r>
-              <a:rPr lang="es-ES" dirty="0" smtClean="0"/>
+              <a:rPr lang="es-ES" dirty="0"/>
               <a:t>Primero se crean los pesos aleatorios</a:t>
             </a:r>
           </a:p>
@@ -5757,7 +5773,7 @@
               <a:buAutoNum type="arabicPeriod"/>
             </a:pPr>
             <a:r>
-              <a:rPr lang="es-ES" dirty="0" smtClean="0"/>
+              <a:rPr lang="es-ES" dirty="0"/>
               <a:t>Luego se comprueba la predicción de cada ejemplo para esos pesos y sumamos los errores para las graficas</a:t>
             </a:r>
           </a:p>
@@ -5767,7 +5783,7 @@
               <a:buAutoNum type="arabicPeriod"/>
             </a:pPr>
             <a:r>
-              <a:rPr lang="es-ES" dirty="0" smtClean="0"/>
+              <a:rPr lang="es-ES" dirty="0"/>
               <a:t>Si es estocástico actualizamos los pesos</a:t>
             </a:r>
           </a:p>
@@ -5777,15 +5793,15 @@
               <a:buAutoNum type="arabicPeriod"/>
             </a:pPr>
             <a:r>
-              <a:rPr lang="es-ES" dirty="0" smtClean="0"/>
+              <a:rPr lang="es-ES" dirty="0"/>
               <a:t>Al terminar si es </a:t>
             </a:r>
             <a:r>
-              <a:rPr lang="es-ES" dirty="0" err="1" smtClean="0"/>
+              <a:rPr lang="es-ES" dirty="0" err="1"/>
               <a:t>batch</a:t>
             </a:r>
             <a:r>
-              <a:rPr lang="es-ES" dirty="0" smtClean="0"/>
+              <a:rPr lang="es-ES" dirty="0"/>
               <a:t> actualizamos los pesos</a:t>
             </a:r>
           </a:p>
@@ -5795,11 +5811,11 @@
               <a:buAutoNum type="arabicPeriod"/>
             </a:pPr>
             <a:r>
-              <a:rPr lang="es-ES" dirty="0" smtClean="0"/>
+              <a:rPr lang="es-ES" dirty="0"/>
               <a:t>Finalmente actualizamos la clase que guarda los datos de la grafica y repetimos hasta alcanzar el numero de </a:t>
             </a:r>
             <a:r>
-              <a:rPr lang="es-ES" dirty="0" err="1" smtClean="0"/>
+              <a:rPr lang="es-ES" dirty="0" err="1"/>
               <a:t>epochs</a:t>
             </a:r>
             <a:endParaRPr lang="es-ES" dirty="0"/>
@@ -5969,10 +5985,9 @@
           <a:lstStyle/>
           <a:p>
             <a:r>
-              <a:rPr lang="es-ES" dirty="0" smtClean="0"/>
+              <a:rPr lang="es-ES" dirty="0"/>
               <a:t>Para cada clase entrenamos un clasificador que sepa diferenciar esa clase del resto:</a:t>
             </a:r>
-            <a:endParaRPr lang="es-ES" dirty="0"/>
           </a:p>
         </p:txBody>
       </p:sp>
@@ -5994,29 +6009,24 @@
           <a:lstStyle/>
           <a:p>
             <a:r>
-              <a:rPr lang="es-ES" dirty="0" err="1" smtClean="0"/>
+              <a:rPr lang="es-ES" dirty="0" err="1"/>
               <a:t>One</a:t>
             </a:r>
             <a:r>
-              <a:rPr lang="es-ES" dirty="0" smtClean="0"/>
+              <a:rPr lang="es-ES" dirty="0"/>
               <a:t> VS </a:t>
             </a:r>
             <a:r>
-              <a:rPr lang="es-ES" dirty="0" err="1" smtClean="0"/>
+              <a:rPr lang="es-ES" dirty="0" err="1"/>
               <a:t>rest</a:t>
             </a:r>
-            <a:r>
-              <a:rPr lang="es-ES" dirty="0" smtClean="0"/>
-              <a:t/>
-            </a:r>
             <a:br>
-              <a:rPr lang="es-ES" dirty="0" smtClean="0"/>
+              <a:rPr lang="es-ES" dirty="0"/>
             </a:br>
             <a:r>
-              <a:rPr lang="es-ES" dirty="0" smtClean="0"/>
+              <a:rPr lang="es-ES" dirty="0"/>
               <a:t>Implementación</a:t>
             </a:r>
-            <a:endParaRPr lang="es-ES" dirty="0"/>
           </a:p>
         </p:txBody>
       </p:sp>
@@ -6274,10 +6284,9 @@
           <a:lstStyle/>
           <a:p>
             <a:r>
-              <a:rPr lang="es-ES" dirty="0" smtClean="0"/>
+              <a:rPr lang="es-ES" dirty="0"/>
               <a:t>Remplazamos las otras clases por una clase auxiliar y seleccionamos el algoritmo deseado para entrenar</a:t>
             </a:r>
-            <a:endParaRPr lang="es-ES" dirty="0"/>
           </a:p>
         </p:txBody>
       </p:sp>
@@ -6299,29 +6308,24 @@
           <a:lstStyle/>
           <a:p>
             <a:r>
-              <a:rPr lang="es-ES" dirty="0" err="1" smtClean="0"/>
+              <a:rPr lang="es-ES" dirty="0" err="1"/>
               <a:t>One</a:t>
             </a:r>
             <a:r>
-              <a:rPr lang="es-ES" dirty="0" smtClean="0"/>
+              <a:rPr lang="es-ES" dirty="0"/>
               <a:t> VS </a:t>
             </a:r>
             <a:r>
-              <a:rPr lang="es-ES" dirty="0" err="1" smtClean="0"/>
+              <a:rPr lang="es-ES" dirty="0" err="1"/>
               <a:t>rest</a:t>
             </a:r>
-            <a:r>
-              <a:rPr lang="es-ES" dirty="0" smtClean="0"/>
-              <a:t/>
-            </a:r>
             <a:br>
-              <a:rPr lang="es-ES" dirty="0" smtClean="0"/>
+              <a:rPr lang="es-ES" dirty="0"/>
             </a:br>
             <a:r>
-              <a:rPr lang="es-ES" dirty="0" smtClean="0"/>
+              <a:rPr lang="es-ES" dirty="0"/>
               <a:t>Implementación</a:t>
             </a:r>
-            <a:endParaRPr lang="es-ES" dirty="0"/>
           </a:p>
         </p:txBody>
       </p:sp>
@@ -6479,10 +6483,9 @@
           <a:lstStyle/>
           <a:p>
             <a:r>
-              <a:rPr lang="es-ES" dirty="0" smtClean="0"/>
+              <a:rPr lang="es-ES" dirty="0"/>
               <a:t>Para clasificar, usamos todos los clasificadores con el ejemplo y elegimos el que proporcione mejor resultado</a:t>
             </a:r>
-            <a:endParaRPr lang="es-ES" dirty="0"/>
           </a:p>
         </p:txBody>
       </p:sp>
@@ -6504,29 +6507,24 @@
           <a:lstStyle/>
           <a:p>
             <a:r>
-              <a:rPr lang="es-ES" dirty="0" err="1" smtClean="0"/>
+              <a:rPr lang="es-ES" dirty="0" err="1"/>
               <a:t>One</a:t>
             </a:r>
             <a:r>
-              <a:rPr lang="es-ES" dirty="0" smtClean="0"/>
+              <a:rPr lang="es-ES" dirty="0"/>
               <a:t> VS </a:t>
             </a:r>
             <a:r>
-              <a:rPr lang="es-ES" dirty="0" err="1" smtClean="0"/>
+              <a:rPr lang="es-ES" dirty="0" err="1"/>
               <a:t>rest</a:t>
             </a:r>
-            <a:r>
-              <a:rPr lang="es-ES" dirty="0" smtClean="0"/>
-              <a:t/>
-            </a:r>
             <a:br>
-              <a:rPr lang="es-ES" dirty="0" smtClean="0"/>
+              <a:rPr lang="es-ES" dirty="0"/>
             </a:br>
             <a:r>
-              <a:rPr lang="es-ES" dirty="0" smtClean="0"/>
+              <a:rPr lang="es-ES" dirty="0"/>
               <a:t>Implementación</a:t>
             </a:r>
-            <a:endParaRPr lang="es-ES" dirty="0"/>
           </a:p>
         </p:txBody>
       </p:sp>
@@ -6630,10 +6628,9 @@
           <a:lstStyle/>
           <a:p>
             <a:r>
-              <a:rPr lang="es-ES" dirty="0" smtClean="0"/>
+              <a:rPr lang="es-ES" dirty="0"/>
               <a:t>Para generar conjuntos elegimos de forma aleatoria una serie de pesos que formaran nuestra frontera</a:t>
             </a:r>
-            <a:endParaRPr lang="es-ES" dirty="0"/>
           </a:p>
         </p:txBody>
       </p:sp>
@@ -6759,18 +6756,17 @@
           <a:lstStyle/>
           <a:p>
             <a:r>
-              <a:rPr lang="es-ES" dirty="0" smtClean="0"/>
+              <a:rPr lang="es-ES" dirty="0"/>
               <a:t>Luego es suficiente con generar puntos aleatorios y decidir por medio de alguna función de las estudiadas en qué parte estarían. Nosotros hemos elegido la función de predicción del </a:t>
             </a:r>
             <a:r>
-              <a:rPr lang="es-ES" dirty="0" err="1" smtClean="0"/>
+              <a:rPr lang="es-ES" dirty="0" err="1"/>
               <a:t>perceptron</a:t>
             </a:r>
             <a:r>
-              <a:rPr lang="es-ES" dirty="0" smtClean="0"/>
+              <a:rPr lang="es-ES" dirty="0"/>
               <a:t>.</a:t>
             </a:r>
-            <a:endParaRPr lang="es-ES" dirty="0"/>
           </a:p>
         </p:txBody>
       </p:sp>
@@ -6896,18 +6892,17 @@
           <a:lstStyle/>
           <a:p>
             <a:r>
-              <a:rPr lang="es-ES" dirty="0" smtClean="0"/>
+              <a:rPr lang="es-ES" dirty="0"/>
               <a:t>Luego es suficiente con generar puntos aleatorios y decidir por medio de alguna función de las estudiadas en qué parte estarían. Nosotros hemos elegido la función de predicción del </a:t>
             </a:r>
             <a:r>
-              <a:rPr lang="es-ES" dirty="0" err="1" smtClean="0"/>
+              <a:rPr lang="es-ES" dirty="0" err="1"/>
               <a:t>perceptron</a:t>
             </a:r>
             <a:r>
-              <a:rPr lang="es-ES" dirty="0" smtClean="0"/>
+              <a:rPr lang="es-ES" dirty="0"/>
               <a:t>.</a:t>
             </a:r>
-            <a:endParaRPr lang="es-ES" dirty="0"/>
           </a:p>
         </p:txBody>
       </p:sp>
@@ -7033,10 +7028,9 @@
           <a:lstStyle/>
           <a:p>
             <a:r>
-              <a:rPr lang="es-ES" dirty="0" smtClean="0"/>
+              <a:rPr lang="es-ES" dirty="0"/>
               <a:t>Para conseguir conjuntos linealmente no separables basta con alterar la clasificación de alguno de los puntos obtenidos anteriormente.</a:t>
             </a:r>
-            <a:endParaRPr lang="es-ES" dirty="0"/>
           </a:p>
         </p:txBody>
       </p:sp>
@@ -7162,21 +7156,21 @@
           <a:lstStyle/>
           <a:p>
             <a:r>
-              <a:rPr lang="es-ES" dirty="0" smtClean="0"/>
+              <a:rPr lang="es-ES" dirty="0"/>
               <a:t>Paras las pruebas neutrales tenemos dos conjuntos de datos</a:t>
             </a:r>
           </a:p>
           <a:p>
             <a:pPr lvl="1"/>
             <a:r>
-              <a:rPr lang="es-ES" dirty="0" smtClean="0"/>
+              <a:rPr lang="es-ES" dirty="0"/>
               <a:t>Votos.py</a:t>
             </a:r>
           </a:p>
           <a:p>
             <a:pPr lvl="1"/>
             <a:r>
-              <a:rPr lang="es-ES" dirty="0" err="1" smtClean="0"/>
+              <a:rPr lang="es-ES" dirty="0" err="1"/>
               <a:t>Digidata</a:t>
             </a:r>
             <a:endParaRPr lang="es-ES" dirty="0"/>
@@ -7400,30 +7394,29 @@
           <a:lstStyle/>
           <a:p>
             <a:r>
-              <a:rPr lang="es-ES" dirty="0" smtClean="0"/>
+              <a:rPr lang="es-ES" dirty="0"/>
               <a:t>Los atributos son varias votaciones del congreso de los estados unidos.</a:t>
             </a:r>
           </a:p>
           <a:p>
             <a:r>
-              <a:rPr lang="es-ES" dirty="0" smtClean="0"/>
+              <a:rPr lang="es-ES" dirty="0"/>
               <a:t>Los valores pueden ser 1 para si, 0 para presente y -1 para no.</a:t>
             </a:r>
           </a:p>
           <a:p>
             <a:r>
-              <a:rPr lang="es-ES" dirty="0" smtClean="0"/>
+              <a:rPr lang="es-ES" dirty="0"/>
               <a:t>Las posibles clases son republicanos o </a:t>
             </a:r>
             <a:r>
-              <a:rPr lang="es-ES" dirty="0" err="1" smtClean="0"/>
+              <a:rPr lang="es-ES" dirty="0" err="1"/>
               <a:t>democratas</a:t>
             </a:r>
             <a:r>
-              <a:rPr lang="es-ES" dirty="0" smtClean="0"/>
+              <a:rPr lang="es-ES" dirty="0"/>
               <a:t>.</a:t>
             </a:r>
-            <a:endParaRPr lang="es-ES" dirty="0"/>
           </a:p>
         </p:txBody>
       </p:sp>
@@ -7446,20 +7439,15 @@
           <a:p>
             <a:r>
               <a:rPr lang="es-ES" dirty="0"/>
-              <a:t>Pruebas </a:t>
-            </a:r>
-            <a:r>
-              <a:rPr lang="es-ES" dirty="0" smtClean="0"/>
-              <a:t>neutrales</a:t>
+              <a:t>Pruebas neutrales</a:t>
             </a:r>
             <a:br>
-              <a:rPr lang="es-ES" dirty="0" smtClean="0"/>
+              <a:rPr lang="es-ES" dirty="0"/>
             </a:br>
             <a:r>
-              <a:rPr lang="es-ES" dirty="0" smtClean="0"/>
+              <a:rPr lang="es-ES" dirty="0"/>
               <a:t>Votos</a:t>
             </a:r>
-            <a:endParaRPr lang="es-ES" dirty="0"/>
           </a:p>
         </p:txBody>
       </p:sp>
@@ -7509,10 +7497,9 @@
           <a:lstStyle/>
           <a:p>
             <a:r>
-              <a:rPr lang="es-ES" dirty="0" smtClean="0"/>
+              <a:rPr lang="es-ES" dirty="0"/>
               <a:t>Las pruebas con los votos nos dan estos resultados:</a:t>
             </a:r>
-            <a:endParaRPr lang="es-ES" dirty="0"/>
           </a:p>
         </p:txBody>
       </p:sp>
@@ -7535,20 +7522,15 @@
           <a:p>
             <a:r>
               <a:rPr lang="es-ES" dirty="0"/>
-              <a:t>Pruebas </a:t>
-            </a:r>
-            <a:r>
-              <a:rPr lang="es-ES" dirty="0" smtClean="0"/>
-              <a:t>neutrales</a:t>
+              <a:t>Pruebas neutrales</a:t>
             </a:r>
             <a:br>
-              <a:rPr lang="es-ES" dirty="0" smtClean="0"/>
+              <a:rPr lang="es-ES" dirty="0"/>
             </a:br>
             <a:r>
-              <a:rPr lang="es-ES" dirty="0" smtClean="0"/>
+              <a:rPr lang="es-ES" dirty="0"/>
               <a:t>Votos</a:t>
             </a:r>
-            <a:endParaRPr lang="es-ES" dirty="0"/>
           </a:p>
         </p:txBody>
       </p:sp>
@@ -7577,10 +7559,34 @@
                 <a:tableStyleId>{5C22544A-7EE6-4342-B048-85BDC9FD1C3A}</a:tableStyleId>
               </a:tblPr>
               <a:tblGrid>
-                <a:gridCol w="1524000"/>
-                <a:gridCol w="1524000"/>
-                <a:gridCol w="1524000"/>
-                <a:gridCol w="1524000"/>
+                <a:gridCol w="1524000">
+                  <a:extLst>
+                    <a:ext uri="{9D8B030D-6E8A-4147-A177-3AD203B41FA5}">
+                      <a16:colId xmlns:a16="http://schemas.microsoft.com/office/drawing/2014/main" val="20000"/>
+                    </a:ext>
+                  </a:extLst>
+                </a:gridCol>
+                <a:gridCol w="1524000">
+                  <a:extLst>
+                    <a:ext uri="{9D8B030D-6E8A-4147-A177-3AD203B41FA5}">
+                      <a16:colId xmlns:a16="http://schemas.microsoft.com/office/drawing/2014/main" val="20001"/>
+                    </a:ext>
+                  </a:extLst>
+                </a:gridCol>
+                <a:gridCol w="1524000">
+                  <a:extLst>
+                    <a:ext uri="{9D8B030D-6E8A-4147-A177-3AD203B41FA5}">
+                      <a16:colId xmlns:a16="http://schemas.microsoft.com/office/drawing/2014/main" val="20002"/>
+                    </a:ext>
+                  </a:extLst>
+                </a:gridCol>
+                <a:gridCol w="1524000">
+                  <a:extLst>
+                    <a:ext uri="{9D8B030D-6E8A-4147-A177-3AD203B41FA5}">
+                      <a16:colId xmlns:a16="http://schemas.microsoft.com/office/drawing/2014/main" val="20003"/>
+                    </a:ext>
+                  </a:extLst>
+                </a:gridCol>
               </a:tblGrid>
               <a:tr h="370840">
                 <a:tc>
@@ -7670,6 +7676,11 @@
                   </a:txBody>
                   <a:tcPr marL="9525" marR="9525" marT="9525" marB="0" anchor="b"/>
                 </a:tc>
+                <a:extLst>
+                  <a:ext uri="{0D108BD9-81ED-4DB2-BD59-A6C34878D82A}">
+                    <a16:rowId xmlns:a16="http://schemas.microsoft.com/office/drawing/2014/main" val="10000"/>
+                  </a:ext>
+                </a:extLst>
               </a:tr>
               <a:tr h="370840">
                 <a:tc>
@@ -7752,6 +7763,11 @@
                   </a:txBody>
                   <a:tcPr marL="9525" marR="9525" marT="9525" marB="0" anchor="b"/>
                 </a:tc>
+                <a:extLst>
+                  <a:ext uri="{0D108BD9-81ED-4DB2-BD59-A6C34878D82A}">
+                    <a16:rowId xmlns:a16="http://schemas.microsoft.com/office/drawing/2014/main" val="10001"/>
+                  </a:ext>
+                </a:extLst>
               </a:tr>
               <a:tr h="370840">
                 <a:tc>
@@ -7834,6 +7850,11 @@
                   </a:txBody>
                   <a:tcPr marL="9525" marR="9525" marT="9525" marB="0" anchor="b"/>
                 </a:tc>
+                <a:extLst>
+                  <a:ext uri="{0D108BD9-81ED-4DB2-BD59-A6C34878D82A}">
+                    <a16:rowId xmlns:a16="http://schemas.microsoft.com/office/drawing/2014/main" val="10002"/>
+                  </a:ext>
+                </a:extLst>
               </a:tr>
               <a:tr h="370840">
                 <a:tc>
@@ -7916,6 +7937,11 @@
                   </a:txBody>
                   <a:tcPr marL="9525" marR="9525" marT="9525" marB="0" anchor="b"/>
                 </a:tc>
+                <a:extLst>
+                  <a:ext uri="{0D108BD9-81ED-4DB2-BD59-A6C34878D82A}">
+                    <a16:rowId xmlns:a16="http://schemas.microsoft.com/office/drawing/2014/main" val="10003"/>
+                  </a:ext>
+                </a:extLst>
               </a:tr>
               <a:tr h="370840">
                 <a:tc>
@@ -7998,6 +8024,11 @@
                   </a:txBody>
                   <a:tcPr marL="9525" marR="9525" marT="9525" marB="0" anchor="b"/>
                 </a:tc>
+                <a:extLst>
+                  <a:ext uri="{0D108BD9-81ED-4DB2-BD59-A6C34878D82A}">
+                    <a16:rowId xmlns:a16="http://schemas.microsoft.com/office/drawing/2014/main" val="10004"/>
+                  </a:ext>
+                </a:extLst>
               </a:tr>
               <a:tr h="370840">
                 <a:tc>
@@ -8080,6 +8111,11 @@
                   </a:txBody>
                   <a:tcPr marL="9525" marR="9525" marT="9525" marB="0" anchor="b"/>
                 </a:tc>
+                <a:extLst>
+                  <a:ext uri="{0D108BD9-81ED-4DB2-BD59-A6C34878D82A}">
+                    <a16:rowId xmlns:a16="http://schemas.microsoft.com/office/drawing/2014/main" val="10005"/>
+                  </a:ext>
+                </a:extLst>
               </a:tr>
               <a:tr h="370840">
                 <a:tc>
@@ -8162,6 +8198,11 @@
                   </a:txBody>
                   <a:tcPr marL="9525" marR="9525" marT="9525" marB="0" anchor="b"/>
                 </a:tc>
+                <a:extLst>
+                  <a:ext uri="{0D108BD9-81ED-4DB2-BD59-A6C34878D82A}">
+                    <a16:rowId xmlns:a16="http://schemas.microsoft.com/office/drawing/2014/main" val="10006"/>
+                  </a:ext>
+                </a:extLst>
               </a:tr>
               <a:tr h="370840">
                 <a:tc>
@@ -8244,6 +8285,11 @@
                   </a:txBody>
                   <a:tcPr marL="9525" marR="9525" marT="9525" marB="0" anchor="b"/>
                 </a:tc>
+                <a:extLst>
+                  <a:ext uri="{0D108BD9-81ED-4DB2-BD59-A6C34878D82A}">
+                    <a16:rowId xmlns:a16="http://schemas.microsoft.com/office/drawing/2014/main" val="10007"/>
+                  </a:ext>
+                </a:extLst>
               </a:tr>
               <a:tr h="370840">
                 <a:tc>
@@ -8326,6 +8372,11 @@
                   </a:txBody>
                   <a:tcPr marL="9525" marR="9525" marT="9525" marB="0" anchor="b"/>
                 </a:tc>
+                <a:extLst>
+                  <a:ext uri="{0D108BD9-81ED-4DB2-BD59-A6C34878D82A}">
+                    <a16:rowId xmlns:a16="http://schemas.microsoft.com/office/drawing/2014/main" val="10008"/>
+                  </a:ext>
+                </a:extLst>
               </a:tr>
               <a:tr h="370840">
                 <a:tc>
@@ -8408,6 +8459,11 @@
                   </a:txBody>
                   <a:tcPr marL="9525" marR="9525" marT="9525" marB="0" anchor="b"/>
                 </a:tc>
+                <a:extLst>
+                  <a:ext uri="{0D108BD9-81ED-4DB2-BD59-A6C34878D82A}">
+                    <a16:rowId xmlns:a16="http://schemas.microsoft.com/office/drawing/2014/main" val="10009"/>
+                  </a:ext>
+                </a:extLst>
               </a:tr>
             </a:tbl>
           </a:graphicData>
@@ -8459,10 +8515,9 @@
           <a:lstStyle/>
           <a:p>
             <a:r>
-              <a:rPr lang="es-ES" dirty="0" smtClean="0"/>
+              <a:rPr lang="es-ES" dirty="0"/>
               <a:t>Las pruebas con los votos nos dan estos resultados:</a:t>
             </a:r>
-            <a:endParaRPr lang="es-ES" dirty="0"/>
           </a:p>
         </p:txBody>
       </p:sp>
@@ -8485,20 +8540,15 @@
           <a:p>
             <a:r>
               <a:rPr lang="es-ES" dirty="0"/>
-              <a:t>Pruebas </a:t>
-            </a:r>
-            <a:r>
-              <a:rPr lang="es-ES" dirty="0" smtClean="0"/>
-              <a:t>neutrales</a:t>
+              <a:t>Pruebas neutrales</a:t>
             </a:r>
             <a:br>
-              <a:rPr lang="es-ES" dirty="0" smtClean="0"/>
+              <a:rPr lang="es-ES" dirty="0"/>
             </a:br>
             <a:r>
-              <a:rPr lang="es-ES" dirty="0" smtClean="0"/>
+              <a:rPr lang="es-ES" dirty="0"/>
               <a:t>Votos</a:t>
             </a:r>
-            <a:endParaRPr lang="es-ES" dirty="0"/>
           </a:p>
         </p:txBody>
       </p:sp>
@@ -8527,10 +8577,34 @@
                 <a:tableStyleId>{5C22544A-7EE6-4342-B048-85BDC9FD1C3A}</a:tableStyleId>
               </a:tblPr>
               <a:tblGrid>
-                <a:gridCol w="1524000"/>
-                <a:gridCol w="1524000"/>
-                <a:gridCol w="1524000"/>
-                <a:gridCol w="1524000"/>
+                <a:gridCol w="1524000">
+                  <a:extLst>
+                    <a:ext uri="{9D8B030D-6E8A-4147-A177-3AD203B41FA5}">
+                      <a16:colId xmlns:a16="http://schemas.microsoft.com/office/drawing/2014/main" val="20000"/>
+                    </a:ext>
+                  </a:extLst>
+                </a:gridCol>
+                <a:gridCol w="1524000">
+                  <a:extLst>
+                    <a:ext uri="{9D8B030D-6E8A-4147-A177-3AD203B41FA5}">
+                      <a16:colId xmlns:a16="http://schemas.microsoft.com/office/drawing/2014/main" val="20001"/>
+                    </a:ext>
+                  </a:extLst>
+                </a:gridCol>
+                <a:gridCol w="1524000">
+                  <a:extLst>
+                    <a:ext uri="{9D8B030D-6E8A-4147-A177-3AD203B41FA5}">
+                      <a16:colId xmlns:a16="http://schemas.microsoft.com/office/drawing/2014/main" val="20002"/>
+                    </a:ext>
+                  </a:extLst>
+                </a:gridCol>
+                <a:gridCol w="1524000">
+                  <a:extLst>
+                    <a:ext uri="{9D8B030D-6E8A-4147-A177-3AD203B41FA5}">
+                      <a16:colId xmlns:a16="http://schemas.microsoft.com/office/drawing/2014/main" val="20003"/>
+                    </a:ext>
+                  </a:extLst>
+                </a:gridCol>
               </a:tblGrid>
               <a:tr h="370840">
                 <a:tc>
@@ -8627,6 +8701,11 @@
                   </a:txBody>
                   <a:tcPr marL="9525" marR="9525" marT="9525" marB="0" anchor="b"/>
                 </a:tc>
+                <a:extLst>
+                  <a:ext uri="{0D108BD9-81ED-4DB2-BD59-A6C34878D82A}">
+                    <a16:rowId xmlns:a16="http://schemas.microsoft.com/office/drawing/2014/main" val="10000"/>
+                  </a:ext>
+                </a:extLst>
               </a:tr>
               <a:tr h="370840">
                 <a:tc>
@@ -8726,6 +8805,11 @@
                   </a:txBody>
                   <a:tcPr marL="9525" marR="9525" marT="9525" marB="0" anchor="b"/>
                 </a:tc>
+                <a:extLst>
+                  <a:ext uri="{0D108BD9-81ED-4DB2-BD59-A6C34878D82A}">
+                    <a16:rowId xmlns:a16="http://schemas.microsoft.com/office/drawing/2014/main" val="10001"/>
+                  </a:ext>
+                </a:extLst>
               </a:tr>
               <a:tr h="370840">
                 <a:tc>
@@ -8808,6 +8892,11 @@
                   </a:txBody>
                   <a:tcPr marL="9525" marR="9525" marT="9525" marB="0" anchor="b"/>
                 </a:tc>
+                <a:extLst>
+                  <a:ext uri="{0D108BD9-81ED-4DB2-BD59-A6C34878D82A}">
+                    <a16:rowId xmlns:a16="http://schemas.microsoft.com/office/drawing/2014/main" val="10002"/>
+                  </a:ext>
+                </a:extLst>
               </a:tr>
               <a:tr h="370840">
                 <a:tc>
@@ -8890,6 +8979,11 @@
                   </a:txBody>
                   <a:tcPr marL="9525" marR="9525" marT="9525" marB="0" anchor="b"/>
                 </a:tc>
+                <a:extLst>
+                  <a:ext uri="{0D108BD9-81ED-4DB2-BD59-A6C34878D82A}">
+                    <a16:rowId xmlns:a16="http://schemas.microsoft.com/office/drawing/2014/main" val="10003"/>
+                  </a:ext>
+                </a:extLst>
               </a:tr>
               <a:tr h="370840">
                 <a:tc>
@@ -8972,6 +9066,11 @@
                   </a:txBody>
                   <a:tcPr marL="9525" marR="9525" marT="9525" marB="0" anchor="b"/>
                 </a:tc>
+                <a:extLst>
+                  <a:ext uri="{0D108BD9-81ED-4DB2-BD59-A6C34878D82A}">
+                    <a16:rowId xmlns:a16="http://schemas.microsoft.com/office/drawing/2014/main" val="10004"/>
+                  </a:ext>
+                </a:extLst>
               </a:tr>
               <a:tr h="370840">
                 <a:tc>
@@ -9054,6 +9153,11 @@
                   </a:txBody>
                   <a:tcPr marL="9525" marR="9525" marT="9525" marB="0" anchor="b"/>
                 </a:tc>
+                <a:extLst>
+                  <a:ext uri="{0D108BD9-81ED-4DB2-BD59-A6C34878D82A}">
+                    <a16:rowId xmlns:a16="http://schemas.microsoft.com/office/drawing/2014/main" val="10005"/>
+                  </a:ext>
+                </a:extLst>
               </a:tr>
               <a:tr h="370840">
                 <a:tc>
@@ -9136,6 +9240,11 @@
                   </a:txBody>
                   <a:tcPr marL="9525" marR="9525" marT="9525" marB="0" anchor="b"/>
                 </a:tc>
+                <a:extLst>
+                  <a:ext uri="{0D108BD9-81ED-4DB2-BD59-A6C34878D82A}">
+                    <a16:rowId xmlns:a16="http://schemas.microsoft.com/office/drawing/2014/main" val="10006"/>
+                  </a:ext>
+                </a:extLst>
               </a:tr>
               <a:tr h="370840">
                 <a:tc>
@@ -9218,6 +9327,11 @@
                   </a:txBody>
                   <a:tcPr marL="9525" marR="9525" marT="9525" marB="0" anchor="b"/>
                 </a:tc>
+                <a:extLst>
+                  <a:ext uri="{0D108BD9-81ED-4DB2-BD59-A6C34878D82A}">
+                    <a16:rowId xmlns:a16="http://schemas.microsoft.com/office/drawing/2014/main" val="10007"/>
+                  </a:ext>
+                </a:extLst>
               </a:tr>
               <a:tr h="370840">
                 <a:tc>
@@ -9300,6 +9414,11 @@
                   </a:txBody>
                   <a:tcPr marL="9525" marR="9525" marT="9525" marB="0" anchor="b"/>
                 </a:tc>
+                <a:extLst>
+                  <a:ext uri="{0D108BD9-81ED-4DB2-BD59-A6C34878D82A}">
+                    <a16:rowId xmlns:a16="http://schemas.microsoft.com/office/drawing/2014/main" val="10008"/>
+                  </a:ext>
+                </a:extLst>
               </a:tr>
             </a:tbl>
           </a:graphicData>
@@ -9538,93 +9657,83 @@
           <a:lstStyle/>
           <a:p>
             <a:r>
-              <a:rPr lang="es-ES" dirty="0" smtClean="0"/>
+              <a:rPr lang="es-ES" dirty="0"/>
               <a:t>El resultado es que estos métodos producen siempre los mejores resultados y convergen en el mismo porcentaje de acierto en el conjunto de los votos</a:t>
             </a:r>
           </a:p>
           <a:p>
             <a:r>
-              <a:rPr lang="es-ES" dirty="0" smtClean="0"/>
+              <a:rPr lang="es-ES" dirty="0"/>
               <a:t>Minimizar error cuadrático</a:t>
             </a:r>
           </a:p>
           <a:p>
             <a:pPr lvl="1"/>
             <a:r>
-              <a:rPr lang="es-ES" dirty="0" smtClean="0"/>
+              <a:rPr lang="es-ES" dirty="0"/>
               <a:t>Estocástico y </a:t>
             </a:r>
             <a:r>
-              <a:rPr lang="es-ES" dirty="0" err="1" smtClean="0"/>
+              <a:rPr lang="es-ES" dirty="0" err="1"/>
               <a:t>batch</a:t>
             </a:r>
-            <a:endParaRPr lang="es-ES" dirty="0" smtClean="0"/>
+            <a:endParaRPr lang="es-ES" dirty="0"/>
           </a:p>
           <a:p>
             <a:pPr lvl="1"/>
             <a:r>
-              <a:rPr lang="es-ES" dirty="0" smtClean="0"/>
+              <a:rPr lang="es-ES" dirty="0"/>
               <a:t>Con o sin normalización</a:t>
             </a:r>
           </a:p>
           <a:p>
             <a:pPr lvl="1"/>
             <a:r>
-              <a:rPr lang="es-ES" dirty="0" smtClean="0"/>
+              <a:rPr lang="es-ES" dirty="0"/>
               <a:t>Con o sin decaimiento</a:t>
             </a:r>
           </a:p>
           <a:p>
             <a:r>
-              <a:rPr lang="es-ES" dirty="0" smtClean="0"/>
+              <a:rPr lang="es-ES" dirty="0"/>
               <a:t>Maximizar log-verosimilitud</a:t>
             </a:r>
           </a:p>
           <a:p>
             <a:pPr lvl="1"/>
             <a:r>
-              <a:rPr lang="es-ES" dirty="0" smtClean="0"/>
+              <a:rPr lang="es-ES" dirty="0"/>
               <a:t>Estocástico</a:t>
             </a:r>
+          </a:p>
+          <a:p>
+            <a:pPr lvl="2"/>
+            <a:r>
+              <a:rPr lang="es-ES" dirty="0"/>
+              <a:t>Con decaimiento y sin o con normalización</a:t>
+            </a:r>
+          </a:p>
+          <a:p>
+            <a:pPr lvl="2"/>
+            <a:r>
+              <a:rPr lang="es-ES" dirty="0"/>
+              <a:t>Sin decaimiento y con normalización</a:t>
+            </a:r>
+          </a:p>
+          <a:p>
+            <a:pPr lvl="1"/>
+            <a:r>
+              <a:rPr lang="es-ES" dirty="0" err="1"/>
+              <a:t>Batch</a:t>
+            </a:r>
             <a:endParaRPr lang="es-ES" dirty="0"/>
           </a:p>
           <a:p>
             <a:pPr lvl="2"/>
             <a:r>
-              <a:rPr lang="es-ES" dirty="0" smtClean="0"/>
-              <a:t>Con decaimiento y </a:t>
-            </a:r>
-            <a:r>
-              <a:rPr lang="es-ES" dirty="0"/>
-              <a:t>sin </a:t>
-            </a:r>
-            <a:r>
-              <a:rPr lang="es-ES" dirty="0" smtClean="0"/>
-              <a:t>o con normalización</a:t>
-            </a:r>
-          </a:p>
-          <a:p>
-            <a:pPr lvl="2"/>
-            <a:r>
-              <a:rPr lang="es-ES" dirty="0" smtClean="0"/>
+              <a:rPr lang="es-ES" dirty="0"/>
               <a:t>Sin decaimiento y con normalización</a:t>
             </a:r>
-          </a:p>
-          <a:p>
-            <a:pPr lvl="1"/>
-            <a:r>
-              <a:rPr lang="es-ES" dirty="0" err="1" smtClean="0"/>
-              <a:t>Batch</a:t>
-            </a:r>
-            <a:endParaRPr lang="es-ES" dirty="0" smtClean="0"/>
-          </a:p>
-          <a:p>
-            <a:pPr lvl="2"/>
-            <a:r>
-              <a:rPr lang="es-ES" dirty="0" smtClean="0"/>
-              <a:t>Sin decaimiento y con normalización</a:t>
-            </a:r>
-            <a:endParaRPr lang="es-ES" dirty="0"/>
           </a:p>
           <a:p>
             <a:pPr lvl="1"/>
@@ -9651,20 +9760,15 @@
           <a:p>
             <a:r>
               <a:rPr lang="es-ES" dirty="0"/>
-              <a:t>Pruebas </a:t>
-            </a:r>
-            <a:r>
-              <a:rPr lang="es-ES" dirty="0" smtClean="0"/>
-              <a:t>neutrales</a:t>
+              <a:t>Pruebas neutrales</a:t>
             </a:r>
             <a:br>
-              <a:rPr lang="es-ES" dirty="0" smtClean="0"/>
+              <a:rPr lang="es-ES" dirty="0"/>
             </a:br>
             <a:r>
-              <a:rPr lang="es-ES" dirty="0" smtClean="0"/>
+              <a:rPr lang="es-ES" dirty="0"/>
               <a:t>Votos</a:t>
             </a:r>
-            <a:endParaRPr lang="es-ES" dirty="0"/>
           </a:p>
         </p:txBody>
       </p:sp>
@@ -9721,7 +9825,7 @@
           <a:lstStyle/>
           <a:p>
             <a:r>
-              <a:rPr lang="es-ES" dirty="0" smtClean="0"/>
+              <a:rPr lang="es-ES" dirty="0"/>
               <a:t>Cualquiera de las opciones anteriores da los mismos resultados al final del entrenamiento.</a:t>
             </a:r>
           </a:p>
@@ -9746,20 +9850,15 @@
           <a:p>
             <a:r>
               <a:rPr lang="es-ES" dirty="0"/>
-              <a:t>Pruebas </a:t>
-            </a:r>
-            <a:r>
-              <a:rPr lang="es-ES" dirty="0" smtClean="0"/>
-              <a:t>neutrales</a:t>
+              <a:t>Pruebas neutrales</a:t>
             </a:r>
             <a:br>
-              <a:rPr lang="es-ES" dirty="0" smtClean="0"/>
+              <a:rPr lang="es-ES" dirty="0"/>
             </a:br>
             <a:r>
-              <a:rPr lang="es-ES" dirty="0" smtClean="0"/>
+              <a:rPr lang="es-ES" dirty="0"/>
               <a:t>Votos</a:t>
             </a:r>
-            <a:endParaRPr lang="es-ES" dirty="0"/>
           </a:p>
         </p:txBody>
       </p:sp>
@@ -9898,33 +9997,33 @@
           <a:lstStyle/>
           <a:p>
             <a:r>
-              <a:rPr lang="es-ES" dirty="0" smtClean="0"/>
+              <a:rPr lang="es-ES" dirty="0"/>
               <a:t>Aunque convergen, hay elecciones mejores que otras.</a:t>
             </a:r>
           </a:p>
           <a:p>
             <a:r>
-              <a:rPr lang="es-ES" dirty="0" smtClean="0"/>
+              <a:rPr lang="es-ES" dirty="0"/>
               <a:t>La mejor elección es siempre deprecar el ratio de aprendizaje independientemente del resto de variables.</a:t>
             </a:r>
           </a:p>
           <a:p>
             <a:r>
-              <a:rPr lang="es-ES" dirty="0" smtClean="0"/>
+              <a:rPr lang="es-ES" dirty="0"/>
               <a:t>Normalizar no añade mejoras aparentes para este caso.</a:t>
             </a:r>
           </a:p>
           <a:p>
             <a:r>
-              <a:rPr lang="es-ES" dirty="0" smtClean="0"/>
+              <a:rPr lang="es-ES" dirty="0"/>
               <a:t>Las versiones estocásticas parecen comportarse mejor que las </a:t>
             </a:r>
             <a:r>
-              <a:rPr lang="es-ES" dirty="0" err="1" smtClean="0"/>
+              <a:rPr lang="es-ES" dirty="0" err="1"/>
               <a:t>batchs</a:t>
             </a:r>
             <a:r>
-              <a:rPr lang="es-ES" dirty="0" smtClean="0"/>
+              <a:rPr lang="es-ES" dirty="0"/>
               <a:t> aunque al final acaban convergiendo.</a:t>
             </a:r>
           </a:p>
@@ -9949,20 +10048,15 @@
           <a:p>
             <a:r>
               <a:rPr lang="es-ES" dirty="0"/>
-              <a:t>Pruebas </a:t>
-            </a:r>
-            <a:r>
-              <a:rPr lang="es-ES" dirty="0" smtClean="0"/>
-              <a:t>neutrales</a:t>
+              <a:t>Pruebas neutrales</a:t>
             </a:r>
             <a:br>
-              <a:rPr lang="es-ES" dirty="0" smtClean="0"/>
+              <a:rPr lang="es-ES" dirty="0"/>
             </a:br>
             <a:r>
-              <a:rPr lang="es-ES" dirty="0" smtClean="0"/>
+              <a:rPr lang="es-ES" dirty="0"/>
               <a:t>Votos</a:t>
             </a:r>
-            <a:endParaRPr lang="es-ES" dirty="0"/>
           </a:p>
         </p:txBody>
       </p:sp>
@@ -10015,7 +10109,6 @@
               <a:rPr lang="es-ES" dirty="0"/>
               <a:t>Podemos comparar la minimización del error cuadrático.</a:t>
             </a:r>
-            <a:endParaRPr lang="es-ES" dirty="0"/>
           </a:p>
         </p:txBody>
       </p:sp>
@@ -10077,7 +10170,7 @@
               <a:buChar char="•"/>
             </a:pPr>
             <a:r>
-              <a:rPr lang="es-ES" dirty="0" smtClean="0"/>
+              <a:rPr lang="es-ES" dirty="0"/>
               <a:t>Estocástico</a:t>
             </a:r>
           </a:p>
@@ -10087,7 +10180,7 @@
               <a:buChar char="•"/>
             </a:pPr>
             <a:r>
-              <a:rPr lang="es-ES" dirty="0" smtClean="0"/>
+              <a:rPr lang="es-ES" dirty="0"/>
               <a:t>Normalizado</a:t>
             </a:r>
           </a:p>
@@ -10097,10 +10190,9 @@
               <a:buChar char="•"/>
             </a:pPr>
             <a:r>
-              <a:rPr lang="es-ES" dirty="0" smtClean="0"/>
+              <a:rPr lang="es-ES" dirty="0"/>
               <a:t>Sin deprecar</a:t>
             </a:r>
-            <a:endParaRPr lang="es-ES" dirty="0"/>
           </a:p>
         </p:txBody>
       </p:sp>
@@ -10131,7 +10223,7 @@
               <a:buChar char="•"/>
             </a:pPr>
             <a:r>
-              <a:rPr lang="es-ES" dirty="0" smtClean="0"/>
+              <a:rPr lang="es-ES" dirty="0"/>
               <a:t>Estocástico</a:t>
             </a:r>
           </a:p>
@@ -10144,7 +10236,6 @@
               <a:rPr lang="es-ES" dirty="0"/>
               <a:t>Normalizado </a:t>
             </a:r>
-            <a:endParaRPr lang="es-ES" dirty="0" smtClean="0"/>
           </a:p>
           <a:p>
             <a:pPr marL="285750" indent="-285750">
@@ -10152,10 +10243,9 @@
               <a:buChar char="•"/>
             </a:pPr>
             <a:r>
-              <a:rPr lang="es-ES" dirty="0" smtClean="0"/>
+              <a:rPr lang="es-ES" dirty="0"/>
               <a:t>Deprecando</a:t>
             </a:r>
-            <a:endParaRPr lang="es-ES" dirty="0"/>
           </a:p>
         </p:txBody>
       </p:sp>
@@ -10288,13 +10378,8 @@
           <a:p>
             <a:r>
               <a:rPr lang="es-ES" dirty="0"/>
-              <a:t>Podemos comparar </a:t>
-            </a:r>
-            <a:r>
-              <a:rPr lang="es-ES" dirty="0" smtClean="0"/>
-              <a:t>la minimización del error cuadrático.</a:t>
-            </a:r>
-            <a:endParaRPr lang="es-ES" dirty="0"/>
+              <a:t>Podemos comparar la minimización del error cuadrático.</a:t>
+            </a:r>
           </a:p>
         </p:txBody>
       </p:sp>
@@ -10356,10 +10441,10 @@
               <a:buChar char="•"/>
             </a:pPr>
             <a:r>
-              <a:rPr lang="es-ES" dirty="0" err="1" smtClean="0"/>
+              <a:rPr lang="es-ES" dirty="0" err="1"/>
               <a:t>Batch</a:t>
             </a:r>
-            <a:endParaRPr lang="es-ES" dirty="0" smtClean="0"/>
+            <a:endParaRPr lang="es-ES" dirty="0"/>
           </a:p>
           <a:p>
             <a:pPr marL="285750" indent="-285750">
@@ -10367,7 +10452,7 @@
               <a:buChar char="•"/>
             </a:pPr>
             <a:r>
-              <a:rPr lang="es-ES" dirty="0" smtClean="0"/>
+              <a:rPr lang="es-ES" dirty="0"/>
               <a:t>Normalizado</a:t>
             </a:r>
           </a:p>
@@ -10377,10 +10462,9 @@
               <a:buChar char="•"/>
             </a:pPr>
             <a:r>
-              <a:rPr lang="es-ES" dirty="0" smtClean="0"/>
+              <a:rPr lang="es-ES" dirty="0"/>
               <a:t>Sin deprecar</a:t>
             </a:r>
-            <a:endParaRPr lang="es-ES" dirty="0"/>
           </a:p>
         </p:txBody>
       </p:sp>
@@ -10411,10 +10495,10 @@
               <a:buChar char="•"/>
             </a:pPr>
             <a:r>
-              <a:rPr lang="es-ES" dirty="0" err="1" smtClean="0"/>
+              <a:rPr lang="es-ES" dirty="0" err="1"/>
               <a:t>Batch</a:t>
             </a:r>
-            <a:endParaRPr lang="es-ES" dirty="0" smtClean="0"/>
+            <a:endParaRPr lang="es-ES" dirty="0"/>
           </a:p>
           <a:p>
             <a:pPr marL="285750" indent="-285750">
@@ -10425,7 +10509,6 @@
               <a:rPr lang="es-ES" dirty="0"/>
               <a:t>Normalizado </a:t>
             </a:r>
-            <a:endParaRPr lang="es-ES" dirty="0" smtClean="0"/>
           </a:p>
           <a:p>
             <a:pPr marL="285750" indent="-285750">
@@ -10433,10 +10516,9 @@
               <a:buChar char="•"/>
             </a:pPr>
             <a:r>
-              <a:rPr lang="es-ES" dirty="0" smtClean="0"/>
+              <a:rPr lang="es-ES" dirty="0"/>
               <a:t>Deprecando</a:t>
             </a:r>
-            <a:endParaRPr lang="es-ES" dirty="0"/>
           </a:p>
         </p:txBody>
       </p:sp>
@@ -10568,10 +10650,9 @@
           <a:lstStyle/>
           <a:p>
             <a:r>
-              <a:rPr lang="es-ES" dirty="0" smtClean="0"/>
+              <a:rPr lang="es-ES" dirty="0"/>
               <a:t>Lo mismo ocurre para la maximización de la log-verosimilitud.</a:t>
             </a:r>
-            <a:endParaRPr lang="es-ES" dirty="0"/>
           </a:p>
           <a:p>
             <a:endParaRPr lang="es-ES" dirty="0"/>
@@ -10677,7 +10758,7 @@
               <a:buChar char="•"/>
             </a:pPr>
             <a:r>
-              <a:rPr lang="es-ES" dirty="0" smtClean="0"/>
+              <a:rPr lang="es-ES" dirty="0"/>
               <a:t>Estocástico</a:t>
             </a:r>
           </a:p>
@@ -10687,7 +10768,7 @@
               <a:buChar char="•"/>
             </a:pPr>
             <a:r>
-              <a:rPr lang="es-ES" dirty="0" smtClean="0"/>
+              <a:rPr lang="es-ES" dirty="0"/>
               <a:t>Normalizado</a:t>
             </a:r>
           </a:p>
@@ -10697,10 +10778,9 @@
               <a:buChar char="•"/>
             </a:pPr>
             <a:r>
-              <a:rPr lang="es-ES" dirty="0" smtClean="0"/>
+              <a:rPr lang="es-ES" dirty="0"/>
               <a:t>Sin deprecar</a:t>
             </a:r>
-            <a:endParaRPr lang="es-ES" dirty="0"/>
           </a:p>
         </p:txBody>
       </p:sp>
@@ -10731,7 +10811,7 @@
               <a:buChar char="•"/>
             </a:pPr>
             <a:r>
-              <a:rPr lang="es-ES" dirty="0" smtClean="0"/>
+              <a:rPr lang="es-ES" dirty="0"/>
               <a:t>Estocástico</a:t>
             </a:r>
           </a:p>
@@ -10744,7 +10824,6 @@
               <a:rPr lang="es-ES" dirty="0"/>
               <a:t>Normalizado </a:t>
             </a:r>
-            <a:endParaRPr lang="es-ES" dirty="0" smtClean="0"/>
           </a:p>
           <a:p>
             <a:pPr marL="285750" indent="-285750">
@@ -10752,10 +10831,9 @@
               <a:buChar char="•"/>
             </a:pPr>
             <a:r>
-              <a:rPr lang="es-ES" dirty="0" smtClean="0"/>
+              <a:rPr lang="es-ES" dirty="0"/>
               <a:t>Deprecando</a:t>
             </a:r>
-            <a:endParaRPr lang="es-ES" dirty="0"/>
           </a:p>
         </p:txBody>
       </p:sp>
@@ -10847,13 +10925,8 @@
           <a:p>
             <a:r>
               <a:rPr lang="es-ES" dirty="0"/>
-              <a:t>Lo mismo ocurre para </a:t>
-            </a:r>
-            <a:r>
-              <a:rPr lang="es-ES" dirty="0" smtClean="0"/>
-              <a:t>la maximización de la log-verosimilitud.</a:t>
-            </a:r>
-            <a:endParaRPr lang="es-ES" dirty="0"/>
+              <a:t>Lo mismo ocurre para la maximización de la log-verosimilitud.</a:t>
+            </a:r>
           </a:p>
           <a:p>
             <a:endParaRPr lang="es-ES" dirty="0"/>
@@ -10918,7 +10991,7 @@
               <a:buChar char="•"/>
             </a:pPr>
             <a:r>
-              <a:rPr lang="es-ES" dirty="0" smtClean="0"/>
+              <a:rPr lang="es-ES" dirty="0"/>
               <a:t>Estocástico</a:t>
             </a:r>
           </a:p>
@@ -10928,7 +11001,7 @@
               <a:buChar char="•"/>
             </a:pPr>
             <a:r>
-              <a:rPr lang="es-ES" dirty="0" smtClean="0"/>
+              <a:rPr lang="es-ES" dirty="0"/>
               <a:t>Sin normalizar</a:t>
             </a:r>
           </a:p>
@@ -10938,10 +11011,9 @@
               <a:buChar char="•"/>
             </a:pPr>
             <a:r>
-              <a:rPr lang="es-ES" dirty="0" smtClean="0"/>
+              <a:rPr lang="es-ES" dirty="0"/>
               <a:t>Sin deprecar</a:t>
             </a:r>
-            <a:endParaRPr lang="es-ES" dirty="0"/>
           </a:p>
         </p:txBody>
       </p:sp>
@@ -10972,7 +11044,7 @@
               <a:buChar char="•"/>
             </a:pPr>
             <a:r>
-              <a:rPr lang="es-ES" dirty="0" smtClean="0"/>
+              <a:rPr lang="es-ES" dirty="0"/>
               <a:t>Estocástico</a:t>
             </a:r>
           </a:p>
@@ -10982,7 +11054,7 @@
               <a:buChar char="•"/>
             </a:pPr>
             <a:r>
-              <a:rPr lang="es-ES" dirty="0" smtClean="0"/>
+              <a:rPr lang="es-ES" dirty="0"/>
               <a:t>Sin normalizar</a:t>
             </a:r>
           </a:p>
@@ -10992,10 +11064,9 @@
               <a:buChar char="•"/>
             </a:pPr>
             <a:r>
-              <a:rPr lang="es-ES" dirty="0" smtClean="0"/>
+              <a:rPr lang="es-ES" dirty="0"/>
               <a:t>Deprecando</a:t>
             </a:r>
-            <a:endParaRPr lang="es-ES" dirty="0"/>
           </a:p>
         </p:txBody>
       </p:sp>
@@ -11134,37 +11205,33 @@
           <a:lstStyle/>
           <a:p>
             <a:r>
-              <a:rPr lang="es-ES" dirty="0" smtClean="0"/>
+              <a:rPr lang="es-ES" dirty="0"/>
               <a:t>Una excepción a todo lo dicho es la maximización </a:t>
             </a:r>
             <a:r>
-              <a:rPr lang="es-ES" dirty="0" err="1" smtClean="0"/>
+              <a:rPr lang="es-ES" dirty="0" err="1"/>
               <a:t>batch</a:t>
             </a:r>
             <a:r>
               <a:rPr lang="es-ES" dirty="0"/>
-              <a:t> </a:t>
-            </a:r>
-            <a:r>
-              <a:rPr lang="es-ES" dirty="0" smtClean="0"/>
-              <a:t>con decaimiento.</a:t>
-            </a:r>
-          </a:p>
-          <a:p>
-            <a:endParaRPr lang="es-ES" dirty="0" smtClean="0"/>
-          </a:p>
-          <a:p>
-            <a:r>
-              <a:rPr lang="es-ES" dirty="0" smtClean="0"/>
+              <a:t> con decaimiento.</a:t>
+            </a:r>
+          </a:p>
+          <a:p>
+            <a:endParaRPr lang="es-ES" dirty="0"/>
+          </a:p>
+          <a:p>
+            <a:r>
+              <a:rPr lang="es-ES" dirty="0"/>
               <a:t>Por alguna razón empeora mucho y no converge dando pesos muy elevados y malos.</a:t>
             </a:r>
           </a:p>
           <a:p>
-            <a:endParaRPr lang="es-ES" dirty="0" smtClean="0"/>
-          </a:p>
-          <a:p>
-            <a:r>
-              <a:rPr lang="es-ES" dirty="0" smtClean="0"/>
+            <a:endParaRPr lang="es-ES" dirty="0"/>
+          </a:p>
+          <a:p>
+            <a:r>
+              <a:rPr lang="es-ES" dirty="0"/>
               <a:t>Es probable que se deba a algún error de la implementación que no hemos sido capaces de detectar.</a:t>
             </a:r>
           </a:p>
@@ -11189,20 +11256,15 @@
           <a:p>
             <a:r>
               <a:rPr lang="es-ES" dirty="0"/>
-              <a:t>Pruebas </a:t>
-            </a:r>
-            <a:r>
-              <a:rPr lang="es-ES" dirty="0" smtClean="0"/>
-              <a:t>neutrales</a:t>
+              <a:t>Pruebas neutrales</a:t>
             </a:r>
             <a:br>
-              <a:rPr lang="es-ES" dirty="0" smtClean="0"/>
+              <a:rPr lang="es-ES" dirty="0"/>
             </a:br>
             <a:r>
-              <a:rPr lang="es-ES" dirty="0" smtClean="0"/>
+              <a:rPr lang="es-ES" dirty="0"/>
               <a:t>Votos</a:t>
             </a:r>
-            <a:endParaRPr lang="es-ES" dirty="0"/>
           </a:p>
         </p:txBody>
       </p:sp>
@@ -11319,10 +11381,93 @@
         </p:nvSpPr>
         <p:spPr/>
         <p:txBody>
-          <a:bodyPr/>
-          <a:lstStyle/>
-          <a:p>
-            <a:endParaRPr lang="es-ES"/>
+          <a:bodyPr>
+            <a:normAutofit lnSpcReduction="10000"/>
+          </a:bodyPr>
+          <a:lstStyle/>
+          <a:p>
+            <a:r>
+              <a:rPr lang="es-ES" dirty="0"/>
+              <a:t>Para esta parte se han implementado los siguientes clasificadores:</a:t>
+            </a:r>
+          </a:p>
+          <a:p>
+            <a:pPr lvl="1"/>
+            <a:r>
+              <a:rPr lang="es-ES" dirty="0" err="1"/>
+              <a:t>Knn</a:t>
+            </a:r>
+            <a:endParaRPr lang="es-ES" dirty="0"/>
+          </a:p>
+          <a:p>
+            <a:pPr lvl="1"/>
+            <a:r>
+              <a:rPr lang="es-ES" dirty="0"/>
+              <a:t>Perceptrón (SGDC)</a:t>
+            </a:r>
+          </a:p>
+          <a:p>
+            <a:pPr lvl="1"/>
+            <a:r>
+              <a:rPr lang="es-ES" dirty="0"/>
+              <a:t>Regresión logística (SGDC y </a:t>
+            </a:r>
+            <a:r>
+              <a:rPr lang="es-ES" dirty="0" err="1"/>
+              <a:t>LogisticRegression</a:t>
+            </a:r>
+            <a:r>
+              <a:rPr lang="es-ES" dirty="0"/>
+              <a:t>)</a:t>
+            </a:r>
+          </a:p>
+          <a:p>
+            <a:pPr lvl="1"/>
+            <a:r>
+              <a:rPr lang="es-ES" dirty="0"/>
+              <a:t>Vectores soporte (SGDC y </a:t>
+            </a:r>
+            <a:r>
+              <a:rPr lang="es-ES" dirty="0" err="1"/>
+              <a:t>LinearSVC</a:t>
+            </a:r>
+            <a:r>
+              <a:rPr lang="es-ES" dirty="0"/>
+              <a:t>)</a:t>
+            </a:r>
+          </a:p>
+          <a:p>
+            <a:pPr lvl="1"/>
+            <a:r>
+              <a:rPr lang="es-ES" dirty="0"/>
+              <a:t>Árboles de decisión</a:t>
+            </a:r>
+          </a:p>
+          <a:p>
+            <a:pPr lvl="1"/>
+            <a:r>
+              <a:rPr lang="es-ES" dirty="0" err="1"/>
+              <a:t>Random</a:t>
+            </a:r>
+            <a:r>
+              <a:rPr lang="es-ES" dirty="0"/>
+              <a:t> Forest</a:t>
+            </a:r>
+          </a:p>
+          <a:p>
+            <a:pPr marL="393192" lvl="1" indent="0">
+              <a:buNone/>
+            </a:pPr>
+            <a:endParaRPr lang="es-ES" dirty="0"/>
+          </a:p>
+          <a:p>
+            <a:pPr marL="393192" lvl="1" indent="0">
+              <a:buNone/>
+            </a:pPr>
+            <a:r>
+              <a:rPr lang="es-ES" dirty="0"/>
+              <a:t>Se ha probado el rendimiento de ellos de distintas formas a partir del conjunto de datos de cáncer de mama.</a:t>
+            </a:r>
           </a:p>
         </p:txBody>
       </p:sp>
@@ -11512,6 +11657,1769 @@
 </p:sld>
 </file>
 
+<file path=ppt/slides/slide40.xml><?xml version="1.0" encoding="utf-8"?>
+<p:sld xmlns:a="http://schemas.openxmlformats.org/drawingml/2006/main" xmlns:r="http://schemas.openxmlformats.org/officeDocument/2006/relationships" xmlns:p="http://schemas.openxmlformats.org/presentationml/2006/main">
+  <p:cSld>
+    <p:spTree>
+      <p:nvGrpSpPr>
+        <p:cNvPr id="1" name=""/>
+        <p:cNvGrpSpPr/>
+        <p:nvPr/>
+      </p:nvGrpSpPr>
+      <p:grpSpPr>
+        <a:xfrm>
+          <a:off x="0" y="0"/>
+          <a:ext cx="0" cy="0"/>
+          <a:chOff x="0" y="0"/>
+          <a:chExt cx="0" cy="0"/>
+        </a:xfrm>
+      </p:grpSpPr>
+      <p:sp>
+        <p:nvSpPr>
+          <p:cNvPr id="2" name="1 Marcador de contenido"/>
+          <p:cNvSpPr>
+            <a:spLocks noGrp="1"/>
+          </p:cNvSpPr>
+          <p:nvPr>
+            <p:ph idx="1"/>
+          </p:nvPr>
+        </p:nvSpPr>
+        <p:spPr>
+          <a:xfrm>
+            <a:off x="457200" y="1481328"/>
+            <a:ext cx="8229600" cy="4525963"/>
+          </a:xfrm>
+        </p:spPr>
+        <p:txBody>
+          <a:bodyPr>
+            <a:normAutofit lnSpcReduction="10000"/>
+          </a:bodyPr>
+          <a:lstStyle/>
+          <a:p>
+            <a:r>
+              <a:rPr lang="es-ES" dirty="0"/>
+              <a:t>Se han probado distintas combinaciones de parámetros para este clasificador:</a:t>
+            </a:r>
+          </a:p>
+          <a:p>
+            <a:pPr lvl="1"/>
+            <a:r>
+              <a:rPr lang="es-ES" dirty="0"/>
+              <a:t>Dependiendo de si los datos se normalizan o no, en los que normalmente se suele observar una mejora en el rendimiento.</a:t>
+            </a:r>
+          </a:p>
+          <a:p>
+            <a:pPr lvl="1"/>
+            <a:r>
+              <a:rPr lang="es-ES" dirty="0"/>
+              <a:t>Dependiendo del número de vecinos (se ha usado desde n=3 hasta n=9).</a:t>
+            </a:r>
+          </a:p>
+          <a:p>
+            <a:pPr lvl="1"/>
+            <a:r>
+              <a:rPr lang="es-ES" dirty="0"/>
+              <a:t>Dependiendo de si el peso que se le da a los vecinos es uniforme o en base a la distancia (se hace dentro de la función </a:t>
+            </a:r>
+            <a:r>
+              <a:rPr lang="es-ES" dirty="0" err="1"/>
+              <a:t>Knn</a:t>
+            </a:r>
+            <a:r>
+              <a:rPr lang="es-ES" dirty="0"/>
+              <a:t>).</a:t>
+            </a:r>
+          </a:p>
+          <a:p>
+            <a:pPr marL="393192" lvl="1" indent="0">
+              <a:buNone/>
+            </a:pPr>
+            <a:endParaRPr lang="es-ES" dirty="0"/>
+          </a:p>
+          <a:p>
+            <a:pPr marL="393192" lvl="1" indent="0">
+              <a:buNone/>
+            </a:pPr>
+            <a:r>
+              <a:rPr lang="es-ES" dirty="0"/>
+              <a:t>Realizando un total de 28 pruebas.</a:t>
+            </a:r>
+          </a:p>
+        </p:txBody>
+      </p:sp>
+      <p:sp>
+        <p:nvSpPr>
+          <p:cNvPr id="3" name="2 Título"/>
+          <p:cNvSpPr>
+            <a:spLocks noGrp="1"/>
+          </p:cNvSpPr>
+          <p:nvPr>
+            <p:ph type="title"/>
+          </p:nvPr>
+        </p:nvSpPr>
+        <p:spPr/>
+        <p:txBody>
+          <a:bodyPr/>
+          <a:lstStyle/>
+          <a:p>
+            <a:r>
+              <a:rPr lang="es-ES" dirty="0"/>
+              <a:t>2ª Parte - </a:t>
+            </a:r>
+            <a:r>
+              <a:rPr lang="es-ES" dirty="0" err="1"/>
+              <a:t>Knn</a:t>
+            </a:r>
+            <a:endParaRPr lang="es-ES" dirty="0"/>
+          </a:p>
+        </p:txBody>
+      </p:sp>
+      <p:pic>
+        <p:nvPicPr>
+          <p:cNvPr id="3074" name="Picture 2" descr="https://i.gyazo.com/bcc8718d1bd24a7013bd254d72fedf1f.png">
+            <a:extLst>
+              <a:ext uri="{FF2B5EF4-FFF2-40B4-BE49-F238E27FC236}">
+                <a16:creationId xmlns:a16="http://schemas.microsoft.com/office/drawing/2014/main" id="{A7FED7E2-C741-4C82-B0E6-6AE88B0A9F8D}"/>
+              </a:ext>
+            </a:extLst>
+          </p:cNvPr>
+          <p:cNvPicPr>
+            <a:picLocks noChangeAspect="1" noChangeArrowheads="1"/>
+          </p:cNvPicPr>
+          <p:nvPr/>
+        </p:nvPicPr>
+        <p:blipFill>
+          <a:blip r:embed="rId2">
+            <a:extLst>
+              <a:ext uri="{28A0092B-C50C-407E-A947-70E740481C1C}">
+                <a14:useLocalDpi xmlns:a14="http://schemas.microsoft.com/office/drawing/2010/main" val="0"/>
+              </a:ext>
+            </a:extLst>
+          </a:blip>
+          <a:srcRect/>
+          <a:stretch>
+            <a:fillRect/>
+          </a:stretch>
+        </p:blipFill>
+        <p:spPr bwMode="auto">
+          <a:xfrm>
+            <a:off x="2440563" y="5791267"/>
+            <a:ext cx="4262874" cy="432048"/>
+          </a:xfrm>
+          <a:prstGeom prst="rect">
+            <a:avLst/>
+          </a:prstGeom>
+          <a:noFill/>
+          <a:extLst>
+            <a:ext uri="{909E8E84-426E-40DD-AFC4-6F175D3DCCD1}">
+              <a14:hiddenFill xmlns:a14="http://schemas.microsoft.com/office/drawing/2010/main">
+                <a:solidFill>
+                  <a:srgbClr val="FFFFFF"/>
+                </a:solidFill>
+              </a14:hiddenFill>
+            </a:ext>
+          </a:extLst>
+        </p:spPr>
+      </p:pic>
+    </p:spTree>
+    <p:extLst>
+      <p:ext uri="{BB962C8B-B14F-4D97-AF65-F5344CB8AC3E}">
+        <p14:creationId xmlns:p14="http://schemas.microsoft.com/office/powerpoint/2010/main" val="3372777679"/>
+      </p:ext>
+    </p:extLst>
+  </p:cSld>
+  <p:clrMapOvr>
+    <a:masterClrMapping/>
+  </p:clrMapOvr>
+</p:sld>
+</file>
+
+<file path=ppt/slides/slide41.xml><?xml version="1.0" encoding="utf-8"?>
+<p:sld xmlns:a="http://schemas.openxmlformats.org/drawingml/2006/main" xmlns:r="http://schemas.openxmlformats.org/officeDocument/2006/relationships" xmlns:p="http://schemas.openxmlformats.org/presentationml/2006/main">
+  <p:cSld>
+    <p:spTree>
+      <p:nvGrpSpPr>
+        <p:cNvPr id="1" name=""/>
+        <p:cNvGrpSpPr/>
+        <p:nvPr/>
+      </p:nvGrpSpPr>
+      <p:grpSpPr>
+        <a:xfrm>
+          <a:off x="0" y="0"/>
+          <a:ext cx="0" cy="0"/>
+          <a:chOff x="0" y="0"/>
+          <a:chExt cx="0" cy="0"/>
+        </a:xfrm>
+      </p:grpSpPr>
+      <p:sp>
+        <p:nvSpPr>
+          <p:cNvPr id="2" name="1 Marcador de contenido"/>
+          <p:cNvSpPr>
+            <a:spLocks noGrp="1"/>
+          </p:cNvSpPr>
+          <p:nvPr>
+            <p:ph idx="1"/>
+          </p:nvPr>
+        </p:nvSpPr>
+        <p:spPr>
+          <a:xfrm>
+            <a:off x="457200" y="1481328"/>
+            <a:ext cx="8229600" cy="4525963"/>
+          </a:xfrm>
+        </p:spPr>
+        <p:txBody>
+          <a:bodyPr>
+            <a:normAutofit/>
+          </a:bodyPr>
+          <a:lstStyle/>
+          <a:p>
+            <a:pPr marL="109728" indent="0">
+              <a:buNone/>
+            </a:pPr>
+            <a:endParaRPr lang="es-ES" dirty="0"/>
+          </a:p>
+          <a:p>
+            <a:r>
+              <a:rPr lang="es-ES" dirty="0"/>
+              <a:t>El mejor rendimiento se ha obtenido con normalización y n=9, con un rendimiento de 0.99300699300699302 para ambos pesos.</a:t>
+            </a:r>
+          </a:p>
+          <a:p>
+            <a:endParaRPr lang="es-ES" dirty="0"/>
+          </a:p>
+          <a:p>
+            <a:endParaRPr lang="es-ES" dirty="0"/>
+          </a:p>
+        </p:txBody>
+      </p:sp>
+      <p:sp>
+        <p:nvSpPr>
+          <p:cNvPr id="3" name="2 Título"/>
+          <p:cNvSpPr>
+            <a:spLocks noGrp="1"/>
+          </p:cNvSpPr>
+          <p:nvPr>
+            <p:ph type="title"/>
+          </p:nvPr>
+        </p:nvSpPr>
+        <p:spPr/>
+        <p:txBody>
+          <a:bodyPr/>
+          <a:lstStyle/>
+          <a:p>
+            <a:r>
+              <a:rPr lang="es-ES" dirty="0"/>
+              <a:t>2ª Parte - </a:t>
+            </a:r>
+            <a:r>
+              <a:rPr lang="es-ES" dirty="0" err="1"/>
+              <a:t>Knn</a:t>
+            </a:r>
+            <a:endParaRPr lang="es-ES" dirty="0"/>
+          </a:p>
+        </p:txBody>
+      </p:sp>
+      <p:pic>
+        <p:nvPicPr>
+          <p:cNvPr id="1026" name="Picture 2" descr="https://i.gyazo.com/d492fe7744bd3eb67e9aa957f9238f5f.png">
+            <a:extLst>
+              <a:ext uri="{FF2B5EF4-FFF2-40B4-BE49-F238E27FC236}">
+                <a16:creationId xmlns:a16="http://schemas.microsoft.com/office/drawing/2014/main" id="{6F3F350B-046E-44D6-80CC-63267868FB5B}"/>
+              </a:ext>
+            </a:extLst>
+          </p:cNvPr>
+          <p:cNvPicPr>
+            <a:picLocks noChangeAspect="1" noChangeArrowheads="1"/>
+          </p:cNvPicPr>
+          <p:nvPr/>
+        </p:nvPicPr>
+        <p:blipFill>
+          <a:blip r:embed="rId2">
+            <a:extLst>
+              <a:ext uri="{28A0092B-C50C-407E-A947-70E740481C1C}">
+                <a14:useLocalDpi xmlns:a14="http://schemas.microsoft.com/office/drawing/2010/main" val="0"/>
+              </a:ext>
+            </a:extLst>
+          </a:blip>
+          <a:srcRect/>
+          <a:stretch>
+            <a:fillRect/>
+          </a:stretch>
+        </p:blipFill>
+        <p:spPr bwMode="auto">
+          <a:xfrm>
+            <a:off x="1163102" y="3573016"/>
+            <a:ext cx="6817795" cy="2088232"/>
+          </a:xfrm>
+          <a:prstGeom prst="rect">
+            <a:avLst/>
+          </a:prstGeom>
+          <a:noFill/>
+          <a:extLst>
+            <a:ext uri="{909E8E84-426E-40DD-AFC4-6F175D3DCCD1}">
+              <a14:hiddenFill xmlns:a14="http://schemas.microsoft.com/office/drawing/2010/main">
+                <a:solidFill>
+                  <a:srgbClr val="FFFFFF"/>
+                </a:solidFill>
+              </a14:hiddenFill>
+            </a:ext>
+          </a:extLst>
+        </p:spPr>
+      </p:pic>
+    </p:spTree>
+    <p:extLst>
+      <p:ext uri="{BB962C8B-B14F-4D97-AF65-F5344CB8AC3E}">
+        <p14:creationId xmlns:p14="http://schemas.microsoft.com/office/powerpoint/2010/main" val="2748560854"/>
+      </p:ext>
+    </p:extLst>
+  </p:cSld>
+  <p:clrMapOvr>
+    <a:masterClrMapping/>
+  </p:clrMapOvr>
+</p:sld>
+</file>
+
+<file path=ppt/slides/slide42.xml><?xml version="1.0" encoding="utf-8"?>
+<p:sld xmlns:a="http://schemas.openxmlformats.org/drawingml/2006/main" xmlns:r="http://schemas.openxmlformats.org/officeDocument/2006/relationships" xmlns:p="http://schemas.openxmlformats.org/presentationml/2006/main">
+  <p:cSld>
+    <p:spTree>
+      <p:nvGrpSpPr>
+        <p:cNvPr id="1" name=""/>
+        <p:cNvGrpSpPr/>
+        <p:nvPr/>
+      </p:nvGrpSpPr>
+      <p:grpSpPr>
+        <a:xfrm>
+          <a:off x="0" y="0"/>
+          <a:ext cx="0" cy="0"/>
+          <a:chOff x="0" y="0"/>
+          <a:chExt cx="0" cy="0"/>
+        </a:xfrm>
+      </p:grpSpPr>
+      <p:sp>
+        <p:nvSpPr>
+          <p:cNvPr id="2" name="1 Marcador de contenido"/>
+          <p:cNvSpPr>
+            <a:spLocks noGrp="1"/>
+          </p:cNvSpPr>
+          <p:nvPr>
+            <p:ph idx="1"/>
+          </p:nvPr>
+        </p:nvSpPr>
+        <p:spPr>
+          <a:xfrm>
+            <a:off x="457200" y="1481328"/>
+            <a:ext cx="8229600" cy="4525963"/>
+          </a:xfrm>
+        </p:spPr>
+        <p:txBody>
+          <a:bodyPr>
+            <a:normAutofit fontScale="92500"/>
+          </a:bodyPr>
+          <a:lstStyle/>
+          <a:p>
+            <a:r>
+              <a:rPr lang="es-ES" dirty="0"/>
+              <a:t>Se han probado distintas combinaciones de parámetros para este clasificador:</a:t>
+            </a:r>
+          </a:p>
+          <a:p>
+            <a:pPr lvl="1"/>
+            <a:r>
+              <a:rPr lang="es-ES" dirty="0"/>
+              <a:t>Dependiendo del número de </a:t>
+            </a:r>
+            <a:r>
+              <a:rPr lang="es-ES" dirty="0" err="1"/>
+              <a:t>epochs</a:t>
+            </a:r>
+            <a:r>
+              <a:rPr lang="es-ES" dirty="0"/>
+              <a:t>.</a:t>
+            </a:r>
+          </a:p>
+          <a:p>
+            <a:pPr lvl="1"/>
+            <a:r>
+              <a:rPr lang="es-ES" dirty="0"/>
+              <a:t>Dependiendo de la regularización que se aplica: L1, L2 o ninguna.</a:t>
+            </a:r>
+          </a:p>
+          <a:p>
+            <a:pPr lvl="1"/>
+            <a:r>
+              <a:rPr lang="es-ES" dirty="0"/>
+              <a:t>Dependiendo del valor del parámetro </a:t>
+            </a:r>
+            <a:r>
+              <a:rPr lang="es-ES" dirty="0" err="1"/>
+              <a:t>alpha</a:t>
+            </a:r>
+            <a:r>
+              <a:rPr lang="es-ES" dirty="0"/>
+              <a:t> que multiplica la regularización.</a:t>
+            </a:r>
+          </a:p>
+          <a:p>
+            <a:pPr lvl="1"/>
+            <a:r>
+              <a:rPr lang="es-ES" dirty="0"/>
+              <a:t>Dependiendo de si se aplica o no la tasa de aprendizaje.</a:t>
+            </a:r>
+          </a:p>
+          <a:p>
+            <a:pPr lvl="1"/>
+            <a:r>
+              <a:rPr lang="es-ES" dirty="0"/>
+              <a:t>Dependiendo del valor de la tasa de aprendizaje en caso de aplicarse.</a:t>
+            </a:r>
+          </a:p>
+          <a:p>
+            <a:pPr marL="393192" lvl="1" indent="0">
+              <a:buNone/>
+            </a:pPr>
+            <a:endParaRPr lang="es-ES" dirty="0"/>
+          </a:p>
+          <a:p>
+            <a:pPr marL="393192" lvl="1" indent="0">
+              <a:buNone/>
+            </a:pPr>
+            <a:r>
+              <a:rPr lang="es-ES" dirty="0"/>
+              <a:t>Se han realizado 720 pruebas en este caso.</a:t>
+            </a:r>
+          </a:p>
+        </p:txBody>
+      </p:sp>
+      <p:sp>
+        <p:nvSpPr>
+          <p:cNvPr id="3" name="2 Título"/>
+          <p:cNvSpPr>
+            <a:spLocks noGrp="1"/>
+          </p:cNvSpPr>
+          <p:nvPr>
+            <p:ph type="title"/>
+          </p:nvPr>
+        </p:nvSpPr>
+        <p:spPr/>
+        <p:txBody>
+          <a:bodyPr/>
+          <a:lstStyle/>
+          <a:p>
+            <a:r>
+              <a:rPr lang="es-ES" dirty="0"/>
+              <a:t>2ª Parte - Perceptrón</a:t>
+            </a:r>
+          </a:p>
+        </p:txBody>
+      </p:sp>
+      <p:pic>
+        <p:nvPicPr>
+          <p:cNvPr id="4098" name="Picture 2" descr="https://i.gyazo.com/146b010f6d1094d3cada9ff33a2d2ff9.png">
+            <a:extLst>
+              <a:ext uri="{FF2B5EF4-FFF2-40B4-BE49-F238E27FC236}">
+                <a16:creationId xmlns:a16="http://schemas.microsoft.com/office/drawing/2014/main" id="{F6C47485-EFBA-46D3-B56C-91FBF34D88F4}"/>
+              </a:ext>
+            </a:extLst>
+          </p:cNvPr>
+          <p:cNvPicPr>
+            <a:picLocks noChangeAspect="1" noChangeArrowheads="1"/>
+          </p:cNvPicPr>
+          <p:nvPr/>
+        </p:nvPicPr>
+        <p:blipFill>
+          <a:blip r:embed="rId2">
+            <a:extLst>
+              <a:ext uri="{28A0092B-C50C-407E-A947-70E740481C1C}">
+                <a14:useLocalDpi xmlns:a14="http://schemas.microsoft.com/office/drawing/2010/main" val="0"/>
+              </a:ext>
+            </a:extLst>
+          </a:blip>
+          <a:srcRect/>
+          <a:stretch>
+            <a:fillRect/>
+          </a:stretch>
+        </p:blipFill>
+        <p:spPr bwMode="auto">
+          <a:xfrm>
+            <a:off x="5191125" y="5877272"/>
+            <a:ext cx="3495675" cy="733425"/>
+          </a:xfrm>
+          <a:prstGeom prst="rect">
+            <a:avLst/>
+          </a:prstGeom>
+          <a:noFill/>
+          <a:extLst>
+            <a:ext uri="{909E8E84-426E-40DD-AFC4-6F175D3DCCD1}">
+              <a14:hiddenFill xmlns:a14="http://schemas.microsoft.com/office/drawing/2010/main">
+                <a:solidFill>
+                  <a:srgbClr val="FFFFFF"/>
+                </a:solidFill>
+              </a14:hiddenFill>
+            </a:ext>
+          </a:extLst>
+        </p:spPr>
+      </p:pic>
+    </p:spTree>
+    <p:extLst>
+      <p:ext uri="{BB962C8B-B14F-4D97-AF65-F5344CB8AC3E}">
+        <p14:creationId xmlns:p14="http://schemas.microsoft.com/office/powerpoint/2010/main" val="2233568603"/>
+      </p:ext>
+    </p:extLst>
+  </p:cSld>
+  <p:clrMapOvr>
+    <a:masterClrMapping/>
+  </p:clrMapOvr>
+</p:sld>
+</file>
+
+<file path=ppt/slides/slide43.xml><?xml version="1.0" encoding="utf-8"?>
+<p:sld xmlns:a="http://schemas.openxmlformats.org/drawingml/2006/main" xmlns:r="http://schemas.openxmlformats.org/officeDocument/2006/relationships" xmlns:p="http://schemas.openxmlformats.org/presentationml/2006/main">
+  <p:cSld>
+    <p:spTree>
+      <p:nvGrpSpPr>
+        <p:cNvPr id="1" name=""/>
+        <p:cNvGrpSpPr/>
+        <p:nvPr/>
+      </p:nvGrpSpPr>
+      <p:grpSpPr>
+        <a:xfrm>
+          <a:off x="0" y="0"/>
+          <a:ext cx="0" cy="0"/>
+          <a:chOff x="0" y="0"/>
+          <a:chExt cx="0" cy="0"/>
+        </a:xfrm>
+      </p:grpSpPr>
+      <p:sp>
+        <p:nvSpPr>
+          <p:cNvPr id="2" name="1 Marcador de contenido"/>
+          <p:cNvSpPr>
+            <a:spLocks noGrp="1"/>
+          </p:cNvSpPr>
+          <p:nvPr>
+            <p:ph idx="1"/>
+          </p:nvPr>
+        </p:nvSpPr>
+        <p:spPr>
+          <a:xfrm>
+            <a:off x="457200" y="1481328"/>
+            <a:ext cx="8229600" cy="4525963"/>
+          </a:xfrm>
+        </p:spPr>
+        <p:txBody>
+          <a:bodyPr>
+            <a:normAutofit/>
+          </a:bodyPr>
+          <a:lstStyle/>
+          <a:p>
+            <a:pPr marL="109728" indent="0">
+              <a:buNone/>
+            </a:pPr>
+            <a:endParaRPr lang="es-ES" dirty="0"/>
+          </a:p>
+          <a:p>
+            <a:r>
+              <a:rPr lang="es-ES" dirty="0"/>
+              <a:t>El mejor rendimiento se ha obtenido con </a:t>
+            </a:r>
+            <a:r>
+              <a:rPr lang="es-ES" dirty="0" err="1"/>
+              <a:t>epoch</a:t>
+            </a:r>
+            <a:r>
+              <a:rPr lang="es-ES" dirty="0"/>
+              <a:t>=10000, regularización </a:t>
+            </a:r>
+            <a:r>
+              <a:rPr lang="es-ES" dirty="0" err="1"/>
+              <a:t>ridge</a:t>
+            </a:r>
+            <a:r>
+              <a:rPr lang="es-ES" dirty="0"/>
+              <a:t> (L2), </a:t>
+            </a:r>
+            <a:r>
+              <a:rPr lang="es-ES" dirty="0" err="1"/>
+              <a:t>alpha</a:t>
+            </a:r>
+            <a:r>
+              <a:rPr lang="es-ES" dirty="0"/>
+              <a:t> = 0.001 y sin aplicar tasa de aprendizaje, con un rendimiento del 0.97202797202797198.</a:t>
+            </a:r>
+          </a:p>
+          <a:p>
+            <a:endParaRPr lang="es-ES" dirty="0"/>
+          </a:p>
+          <a:p>
+            <a:endParaRPr lang="es-ES" dirty="0"/>
+          </a:p>
+        </p:txBody>
+      </p:sp>
+      <p:sp>
+        <p:nvSpPr>
+          <p:cNvPr id="3" name="2 Título"/>
+          <p:cNvSpPr>
+            <a:spLocks noGrp="1"/>
+          </p:cNvSpPr>
+          <p:nvPr>
+            <p:ph type="title"/>
+          </p:nvPr>
+        </p:nvSpPr>
+        <p:spPr/>
+        <p:txBody>
+          <a:bodyPr/>
+          <a:lstStyle/>
+          <a:p>
+            <a:r>
+              <a:rPr lang="es-ES" dirty="0"/>
+              <a:t>2ª Parte - Perceptrón</a:t>
+            </a:r>
+          </a:p>
+        </p:txBody>
+      </p:sp>
+      <p:pic>
+        <p:nvPicPr>
+          <p:cNvPr id="2050" name="Picture 2" descr="https://i.gyazo.com/a9fe3dc0331c454fb6470bc11cd3563d.png">
+            <a:extLst>
+              <a:ext uri="{FF2B5EF4-FFF2-40B4-BE49-F238E27FC236}">
+                <a16:creationId xmlns:a16="http://schemas.microsoft.com/office/drawing/2014/main" id="{BD76CCB6-419E-4D02-AA7B-E0CAFFCA99C5}"/>
+              </a:ext>
+            </a:extLst>
+          </p:cNvPr>
+          <p:cNvPicPr>
+            <a:picLocks noChangeAspect="1" noChangeArrowheads="1"/>
+          </p:cNvPicPr>
+          <p:nvPr/>
+        </p:nvPicPr>
+        <p:blipFill>
+          <a:blip r:embed="rId2">
+            <a:extLst>
+              <a:ext uri="{28A0092B-C50C-407E-A947-70E740481C1C}">
+                <a14:useLocalDpi xmlns:a14="http://schemas.microsoft.com/office/drawing/2010/main" val="0"/>
+              </a:ext>
+            </a:extLst>
+          </a:blip>
+          <a:srcRect/>
+          <a:stretch>
+            <a:fillRect/>
+          </a:stretch>
+        </p:blipFill>
+        <p:spPr bwMode="auto">
+          <a:xfrm>
+            <a:off x="825869" y="4941168"/>
+            <a:ext cx="7492261" cy="360040"/>
+          </a:xfrm>
+          <a:prstGeom prst="rect">
+            <a:avLst/>
+          </a:prstGeom>
+          <a:noFill/>
+          <a:extLst>
+            <a:ext uri="{909E8E84-426E-40DD-AFC4-6F175D3DCCD1}">
+              <a14:hiddenFill xmlns:a14="http://schemas.microsoft.com/office/drawing/2010/main">
+                <a:solidFill>
+                  <a:srgbClr val="FFFFFF"/>
+                </a:solidFill>
+              </a14:hiddenFill>
+            </a:ext>
+          </a:extLst>
+        </p:spPr>
+      </p:pic>
+    </p:spTree>
+    <p:extLst>
+      <p:ext uri="{BB962C8B-B14F-4D97-AF65-F5344CB8AC3E}">
+        <p14:creationId xmlns:p14="http://schemas.microsoft.com/office/powerpoint/2010/main" val="2270683640"/>
+      </p:ext>
+    </p:extLst>
+  </p:cSld>
+  <p:clrMapOvr>
+    <a:masterClrMapping/>
+  </p:clrMapOvr>
+</p:sld>
+</file>
+
+<file path=ppt/slides/slide44.xml><?xml version="1.0" encoding="utf-8"?>
+<p:sld xmlns:a="http://schemas.openxmlformats.org/drawingml/2006/main" xmlns:r="http://schemas.openxmlformats.org/officeDocument/2006/relationships" xmlns:p="http://schemas.openxmlformats.org/presentationml/2006/main">
+  <p:cSld>
+    <p:spTree>
+      <p:nvGrpSpPr>
+        <p:cNvPr id="1" name=""/>
+        <p:cNvGrpSpPr/>
+        <p:nvPr/>
+      </p:nvGrpSpPr>
+      <p:grpSpPr>
+        <a:xfrm>
+          <a:off x="0" y="0"/>
+          <a:ext cx="0" cy="0"/>
+          <a:chOff x="0" y="0"/>
+          <a:chExt cx="0" cy="0"/>
+        </a:xfrm>
+      </p:grpSpPr>
+      <p:sp>
+        <p:nvSpPr>
+          <p:cNvPr id="2" name="1 Marcador de contenido"/>
+          <p:cNvSpPr>
+            <a:spLocks noGrp="1"/>
+          </p:cNvSpPr>
+          <p:nvPr>
+            <p:ph idx="1"/>
+          </p:nvPr>
+        </p:nvSpPr>
+        <p:spPr/>
+        <p:txBody>
+          <a:bodyPr>
+            <a:normAutofit/>
+          </a:bodyPr>
+          <a:lstStyle/>
+          <a:p>
+            <a:r>
+              <a:rPr lang="es-ES" dirty="0"/>
+              <a:t>En este caso, compararemos el rendimiento del clasificador en SGDC y </a:t>
+            </a:r>
+            <a:r>
+              <a:rPr lang="es-ES" dirty="0" err="1"/>
+              <a:t>LogisticRegression</a:t>
+            </a:r>
+            <a:r>
+              <a:rPr lang="es-ES" dirty="0"/>
+              <a:t>.</a:t>
+            </a:r>
+          </a:p>
+          <a:p>
+            <a:r>
+              <a:rPr lang="es-ES" dirty="0"/>
+              <a:t>En el caso de SGDC se han usado los mismos valores para los parámetros que en el caso anterior.</a:t>
+            </a:r>
+          </a:p>
+          <a:p>
+            <a:r>
+              <a:rPr lang="es-ES" dirty="0"/>
+              <a:t>Para </a:t>
+            </a:r>
+            <a:r>
+              <a:rPr lang="es-ES" dirty="0" err="1"/>
+              <a:t>LogisticRegression</a:t>
+            </a:r>
+            <a:r>
+              <a:rPr lang="es-ES" dirty="0"/>
+              <a:t> se han considerado los parámetros </a:t>
+            </a:r>
+            <a:r>
+              <a:rPr lang="es-ES" dirty="0" err="1"/>
+              <a:t>epoch</a:t>
+            </a:r>
+            <a:r>
+              <a:rPr lang="es-ES" dirty="0"/>
+              <a:t>, regularización y valor de C.</a:t>
+            </a:r>
+          </a:p>
+          <a:p>
+            <a:pPr marL="109728" indent="0">
+              <a:buNone/>
+            </a:pPr>
+            <a:r>
+              <a:rPr lang="es-ES" dirty="0"/>
+              <a:t>Para </a:t>
+            </a:r>
+            <a:r>
+              <a:rPr lang="es-ES" dirty="0" err="1"/>
+              <a:t>LogisticRegression</a:t>
+            </a:r>
+            <a:r>
+              <a:rPr lang="es-ES" dirty="0"/>
+              <a:t> se han realizado 60 pruebas, más las 720 de SGDC.</a:t>
+            </a:r>
+          </a:p>
+        </p:txBody>
+      </p:sp>
+      <p:sp>
+        <p:nvSpPr>
+          <p:cNvPr id="3" name="2 Título"/>
+          <p:cNvSpPr>
+            <a:spLocks noGrp="1"/>
+          </p:cNvSpPr>
+          <p:nvPr>
+            <p:ph type="title"/>
+          </p:nvPr>
+        </p:nvSpPr>
+        <p:spPr/>
+        <p:txBody>
+          <a:bodyPr/>
+          <a:lstStyle/>
+          <a:p>
+            <a:r>
+              <a:rPr lang="es-ES" dirty="0"/>
+              <a:t>2ª Parte – Regresión logística</a:t>
+            </a:r>
+          </a:p>
+        </p:txBody>
+      </p:sp>
+      <p:pic>
+        <p:nvPicPr>
+          <p:cNvPr id="5122" name="Picture 2" descr="https://i.gyazo.com/43bae99723d9ac5df4703c7b2e540648.png">
+            <a:extLst>
+              <a:ext uri="{FF2B5EF4-FFF2-40B4-BE49-F238E27FC236}">
+                <a16:creationId xmlns:a16="http://schemas.microsoft.com/office/drawing/2014/main" id="{B302BA17-24A9-4765-BA36-F82AB0EFC232}"/>
+              </a:ext>
+            </a:extLst>
+          </p:cNvPr>
+          <p:cNvPicPr>
+            <a:picLocks noChangeAspect="1" noChangeArrowheads="1"/>
+          </p:cNvPicPr>
+          <p:nvPr/>
+        </p:nvPicPr>
+        <p:blipFill>
+          <a:blip r:embed="rId2">
+            <a:extLst>
+              <a:ext uri="{28A0092B-C50C-407E-A947-70E740481C1C}">
+                <a14:useLocalDpi xmlns:a14="http://schemas.microsoft.com/office/drawing/2010/main" val="0"/>
+              </a:ext>
+            </a:extLst>
+          </a:blip>
+          <a:srcRect/>
+          <a:stretch>
+            <a:fillRect/>
+          </a:stretch>
+        </p:blipFill>
+        <p:spPr bwMode="auto">
+          <a:xfrm>
+            <a:off x="3995936" y="6007291"/>
+            <a:ext cx="4229620" cy="521460"/>
+          </a:xfrm>
+          <a:prstGeom prst="rect">
+            <a:avLst/>
+          </a:prstGeom>
+          <a:noFill/>
+          <a:extLst>
+            <a:ext uri="{909E8E84-426E-40DD-AFC4-6F175D3DCCD1}">
+              <a14:hiddenFill xmlns:a14="http://schemas.microsoft.com/office/drawing/2010/main">
+                <a:solidFill>
+                  <a:srgbClr val="FFFFFF"/>
+                </a:solidFill>
+              </a14:hiddenFill>
+            </a:ext>
+          </a:extLst>
+        </p:spPr>
+      </p:pic>
+    </p:spTree>
+    <p:extLst>
+      <p:ext uri="{BB962C8B-B14F-4D97-AF65-F5344CB8AC3E}">
+        <p14:creationId xmlns:p14="http://schemas.microsoft.com/office/powerpoint/2010/main" val="2456079265"/>
+      </p:ext>
+    </p:extLst>
+  </p:cSld>
+  <p:clrMapOvr>
+    <a:masterClrMapping/>
+  </p:clrMapOvr>
+</p:sld>
+</file>
+
+<file path=ppt/slides/slide45.xml><?xml version="1.0" encoding="utf-8"?>
+<p:sld xmlns:a="http://schemas.openxmlformats.org/drawingml/2006/main" xmlns:r="http://schemas.openxmlformats.org/officeDocument/2006/relationships" xmlns:p="http://schemas.openxmlformats.org/presentationml/2006/main">
+  <p:cSld>
+    <p:spTree>
+      <p:nvGrpSpPr>
+        <p:cNvPr id="1" name=""/>
+        <p:cNvGrpSpPr/>
+        <p:nvPr/>
+      </p:nvGrpSpPr>
+      <p:grpSpPr>
+        <a:xfrm>
+          <a:off x="0" y="0"/>
+          <a:ext cx="0" cy="0"/>
+          <a:chOff x="0" y="0"/>
+          <a:chExt cx="0" cy="0"/>
+        </a:xfrm>
+      </p:grpSpPr>
+      <p:sp>
+        <p:nvSpPr>
+          <p:cNvPr id="2" name="1 Marcador de contenido"/>
+          <p:cNvSpPr>
+            <a:spLocks noGrp="1"/>
+          </p:cNvSpPr>
+          <p:nvPr>
+            <p:ph idx="1"/>
+          </p:nvPr>
+        </p:nvSpPr>
+        <p:spPr>
+          <a:xfrm>
+            <a:off x="457200" y="1481328"/>
+            <a:ext cx="8229600" cy="4525963"/>
+          </a:xfrm>
+        </p:spPr>
+        <p:txBody>
+          <a:bodyPr>
+            <a:normAutofit/>
+          </a:bodyPr>
+          <a:lstStyle/>
+          <a:p>
+            <a:pPr marL="109728" indent="0">
+              <a:buNone/>
+            </a:pPr>
+            <a:endParaRPr lang="es-ES" dirty="0"/>
+          </a:p>
+          <a:p>
+            <a:r>
+              <a:rPr lang="es-ES" dirty="0"/>
+              <a:t>Para SGDC se ha obtenido el siguiente rendimiento con </a:t>
+            </a:r>
+            <a:r>
+              <a:rPr lang="es-ES" dirty="0" err="1"/>
+              <a:t>epoch</a:t>
+            </a:r>
+            <a:r>
+              <a:rPr lang="es-ES" dirty="0"/>
+              <a:t> = 10000, sin regularización, con </a:t>
+            </a:r>
+            <a:r>
+              <a:rPr lang="es-ES" dirty="0" err="1"/>
+              <a:t>alpha</a:t>
+            </a:r>
+            <a:r>
+              <a:rPr lang="es-ES" dirty="0"/>
+              <a:t> = 0.5 y sin aplicar tasa.</a:t>
+            </a:r>
+          </a:p>
+          <a:p>
+            <a:endParaRPr lang="es-ES" dirty="0"/>
+          </a:p>
+          <a:p>
+            <a:endParaRPr lang="es-ES" dirty="0"/>
+          </a:p>
+          <a:p>
+            <a:endParaRPr lang="es-ES" dirty="0"/>
+          </a:p>
+        </p:txBody>
+      </p:sp>
+      <p:sp>
+        <p:nvSpPr>
+          <p:cNvPr id="3" name="2 Título"/>
+          <p:cNvSpPr>
+            <a:spLocks noGrp="1"/>
+          </p:cNvSpPr>
+          <p:nvPr>
+            <p:ph type="title"/>
+          </p:nvPr>
+        </p:nvSpPr>
+        <p:spPr/>
+        <p:txBody>
+          <a:bodyPr/>
+          <a:lstStyle/>
+          <a:p>
+            <a:r>
+              <a:rPr lang="es-ES" dirty="0"/>
+              <a:t>2ª Parte – Regresión logística</a:t>
+            </a:r>
+          </a:p>
+        </p:txBody>
+      </p:sp>
+      <p:pic>
+        <p:nvPicPr>
+          <p:cNvPr id="6146" name="Picture 2" descr="https://i.gyazo.com/d105d620608d32c1964e04e45276f703.png">
+            <a:extLst>
+              <a:ext uri="{FF2B5EF4-FFF2-40B4-BE49-F238E27FC236}">
+                <a16:creationId xmlns:a16="http://schemas.microsoft.com/office/drawing/2014/main" id="{03934BCE-8B9A-474C-8FF9-D2E75277815E}"/>
+              </a:ext>
+            </a:extLst>
+          </p:cNvPr>
+          <p:cNvPicPr>
+            <a:picLocks noChangeAspect="1" noChangeArrowheads="1"/>
+          </p:cNvPicPr>
+          <p:nvPr/>
+        </p:nvPicPr>
+        <p:blipFill>
+          <a:blip r:embed="rId2">
+            <a:extLst>
+              <a:ext uri="{28A0092B-C50C-407E-A947-70E740481C1C}">
+                <a14:useLocalDpi xmlns:a14="http://schemas.microsoft.com/office/drawing/2010/main" val="0"/>
+              </a:ext>
+            </a:extLst>
+          </a:blip>
+          <a:srcRect/>
+          <a:stretch>
+            <a:fillRect/>
+          </a:stretch>
+        </p:blipFill>
+        <p:spPr bwMode="auto">
+          <a:xfrm>
+            <a:off x="719572" y="4365104"/>
+            <a:ext cx="7704856" cy="288032"/>
+          </a:xfrm>
+          <a:prstGeom prst="rect">
+            <a:avLst/>
+          </a:prstGeom>
+          <a:noFill/>
+          <a:extLst>
+            <a:ext uri="{909E8E84-426E-40DD-AFC4-6F175D3DCCD1}">
+              <a14:hiddenFill xmlns:a14="http://schemas.microsoft.com/office/drawing/2010/main">
+                <a:solidFill>
+                  <a:srgbClr val="FFFFFF"/>
+                </a:solidFill>
+              </a14:hiddenFill>
+            </a:ext>
+          </a:extLst>
+        </p:spPr>
+      </p:pic>
+    </p:spTree>
+    <p:extLst>
+      <p:ext uri="{BB962C8B-B14F-4D97-AF65-F5344CB8AC3E}">
+        <p14:creationId xmlns:p14="http://schemas.microsoft.com/office/powerpoint/2010/main" val="354206171"/>
+      </p:ext>
+    </p:extLst>
+  </p:cSld>
+  <p:clrMapOvr>
+    <a:masterClrMapping/>
+  </p:clrMapOvr>
+</p:sld>
+</file>
+
+<file path=ppt/slides/slide46.xml><?xml version="1.0" encoding="utf-8"?>
+<p:sld xmlns:a="http://schemas.openxmlformats.org/drawingml/2006/main" xmlns:r="http://schemas.openxmlformats.org/officeDocument/2006/relationships" xmlns:p="http://schemas.openxmlformats.org/presentationml/2006/main">
+  <p:cSld>
+    <p:spTree>
+      <p:nvGrpSpPr>
+        <p:cNvPr id="1" name=""/>
+        <p:cNvGrpSpPr/>
+        <p:nvPr/>
+      </p:nvGrpSpPr>
+      <p:grpSpPr>
+        <a:xfrm>
+          <a:off x="0" y="0"/>
+          <a:ext cx="0" cy="0"/>
+          <a:chOff x="0" y="0"/>
+          <a:chExt cx="0" cy="0"/>
+        </a:xfrm>
+      </p:grpSpPr>
+      <p:sp>
+        <p:nvSpPr>
+          <p:cNvPr id="2" name="1 Marcador de contenido"/>
+          <p:cNvSpPr>
+            <a:spLocks noGrp="1"/>
+          </p:cNvSpPr>
+          <p:nvPr>
+            <p:ph idx="1"/>
+          </p:nvPr>
+        </p:nvSpPr>
+        <p:spPr>
+          <a:xfrm>
+            <a:off x="457200" y="1481328"/>
+            <a:ext cx="8229600" cy="4525963"/>
+          </a:xfrm>
+        </p:spPr>
+        <p:txBody>
+          <a:bodyPr>
+            <a:normAutofit/>
+          </a:bodyPr>
+          <a:lstStyle/>
+          <a:p>
+            <a:pPr marL="109728" indent="0">
+              <a:buNone/>
+            </a:pPr>
+            <a:endParaRPr lang="es-ES" dirty="0"/>
+          </a:p>
+          <a:p>
+            <a:r>
+              <a:rPr lang="es-ES" dirty="0"/>
+              <a:t>Para </a:t>
+            </a:r>
+            <a:r>
+              <a:rPr lang="es-ES" dirty="0" err="1"/>
+              <a:t>LogisticRegression</a:t>
+            </a:r>
+            <a:r>
+              <a:rPr lang="es-ES" dirty="0"/>
+              <a:t> se ha obtenido el siguiente rendimiento con </a:t>
+            </a:r>
+            <a:r>
+              <a:rPr lang="es-ES" dirty="0" err="1"/>
+              <a:t>epoch</a:t>
+            </a:r>
+            <a:r>
+              <a:rPr lang="es-ES" dirty="0"/>
+              <a:t> = 1000, con regularización L2, con C = 0.1.</a:t>
+            </a:r>
+          </a:p>
+          <a:p>
+            <a:endParaRPr lang="es-ES" dirty="0"/>
+          </a:p>
+          <a:p>
+            <a:endParaRPr lang="es-ES" dirty="0"/>
+          </a:p>
+          <a:p>
+            <a:r>
+              <a:rPr lang="es-ES" dirty="0"/>
+              <a:t>Se aprecia un mejor rendimiento con SGDC, sin embargo en </a:t>
+            </a:r>
+            <a:r>
+              <a:rPr lang="es-ES" dirty="0" err="1"/>
+              <a:t>LogisticRegression</a:t>
+            </a:r>
+            <a:r>
+              <a:rPr lang="es-ES" dirty="0"/>
+              <a:t> se han necesitado un menor número de </a:t>
+            </a:r>
+            <a:r>
+              <a:rPr lang="es-ES" dirty="0" err="1"/>
+              <a:t>epoch</a:t>
+            </a:r>
+            <a:r>
+              <a:rPr lang="es-ES" dirty="0"/>
+              <a:t> y pruebas con un rendimiento bastante bueno.</a:t>
+            </a:r>
+          </a:p>
+        </p:txBody>
+      </p:sp>
+      <p:sp>
+        <p:nvSpPr>
+          <p:cNvPr id="3" name="2 Título"/>
+          <p:cNvSpPr>
+            <a:spLocks noGrp="1"/>
+          </p:cNvSpPr>
+          <p:nvPr>
+            <p:ph type="title"/>
+          </p:nvPr>
+        </p:nvSpPr>
+        <p:spPr/>
+        <p:txBody>
+          <a:bodyPr/>
+          <a:lstStyle/>
+          <a:p>
+            <a:r>
+              <a:rPr lang="es-ES" dirty="0"/>
+              <a:t>2ª Parte – Regresión logística</a:t>
+            </a:r>
+          </a:p>
+        </p:txBody>
+      </p:sp>
+      <p:pic>
+        <p:nvPicPr>
+          <p:cNvPr id="7170" name="Picture 2" descr="https://i.gyazo.com/b481a39aeaf84a15574e2f26c925e2cb.png">
+            <a:extLst>
+              <a:ext uri="{FF2B5EF4-FFF2-40B4-BE49-F238E27FC236}">
+                <a16:creationId xmlns:a16="http://schemas.microsoft.com/office/drawing/2014/main" id="{9A210230-7756-43AA-B96B-5EF46D3C4730}"/>
+              </a:ext>
+            </a:extLst>
+          </p:cNvPr>
+          <p:cNvPicPr>
+            <a:picLocks noChangeAspect="1" noChangeArrowheads="1"/>
+          </p:cNvPicPr>
+          <p:nvPr/>
+        </p:nvPicPr>
+        <p:blipFill>
+          <a:blip r:embed="rId2">
+            <a:extLst>
+              <a:ext uri="{28A0092B-C50C-407E-A947-70E740481C1C}">
+                <a14:useLocalDpi xmlns:a14="http://schemas.microsoft.com/office/drawing/2010/main" val="0"/>
+              </a:ext>
+            </a:extLst>
+          </a:blip>
+          <a:srcRect/>
+          <a:stretch>
+            <a:fillRect/>
+          </a:stretch>
+        </p:blipFill>
+        <p:spPr bwMode="auto">
+          <a:xfrm>
+            <a:off x="1428851" y="3528285"/>
+            <a:ext cx="6286298" cy="432048"/>
+          </a:xfrm>
+          <a:prstGeom prst="rect">
+            <a:avLst/>
+          </a:prstGeom>
+          <a:noFill/>
+          <a:extLst>
+            <a:ext uri="{909E8E84-426E-40DD-AFC4-6F175D3DCCD1}">
+              <a14:hiddenFill xmlns:a14="http://schemas.microsoft.com/office/drawing/2010/main">
+                <a:solidFill>
+                  <a:srgbClr val="FFFFFF"/>
+                </a:solidFill>
+              </a14:hiddenFill>
+            </a:ext>
+          </a:extLst>
+        </p:spPr>
+      </p:pic>
+    </p:spTree>
+    <p:extLst>
+      <p:ext uri="{BB962C8B-B14F-4D97-AF65-F5344CB8AC3E}">
+        <p14:creationId xmlns:p14="http://schemas.microsoft.com/office/powerpoint/2010/main" val="2846558535"/>
+      </p:ext>
+    </p:extLst>
+  </p:cSld>
+  <p:clrMapOvr>
+    <a:masterClrMapping/>
+  </p:clrMapOvr>
+</p:sld>
+</file>
+
+<file path=ppt/slides/slide47.xml><?xml version="1.0" encoding="utf-8"?>
+<p:sld xmlns:a="http://schemas.openxmlformats.org/drawingml/2006/main" xmlns:r="http://schemas.openxmlformats.org/officeDocument/2006/relationships" xmlns:p="http://schemas.openxmlformats.org/presentationml/2006/main">
+  <p:cSld>
+    <p:spTree>
+      <p:nvGrpSpPr>
+        <p:cNvPr id="1" name=""/>
+        <p:cNvGrpSpPr/>
+        <p:nvPr/>
+      </p:nvGrpSpPr>
+      <p:grpSpPr>
+        <a:xfrm>
+          <a:off x="0" y="0"/>
+          <a:ext cx="0" cy="0"/>
+          <a:chOff x="0" y="0"/>
+          <a:chExt cx="0" cy="0"/>
+        </a:xfrm>
+      </p:grpSpPr>
+      <p:sp>
+        <p:nvSpPr>
+          <p:cNvPr id="2" name="1 Marcador de contenido"/>
+          <p:cNvSpPr>
+            <a:spLocks noGrp="1"/>
+          </p:cNvSpPr>
+          <p:nvPr>
+            <p:ph idx="1"/>
+          </p:nvPr>
+        </p:nvSpPr>
+        <p:spPr/>
+        <p:txBody>
+          <a:bodyPr>
+            <a:normAutofit/>
+          </a:bodyPr>
+          <a:lstStyle/>
+          <a:p>
+            <a:r>
+              <a:rPr lang="es-ES" dirty="0"/>
+              <a:t>En este caso, compararemos el rendimiento del clasificador en SGDC y </a:t>
+            </a:r>
+            <a:r>
+              <a:rPr lang="es-ES" dirty="0" err="1"/>
+              <a:t>LinearSVC</a:t>
+            </a:r>
+            <a:r>
+              <a:rPr lang="es-ES" dirty="0"/>
+              <a:t>.</a:t>
+            </a:r>
+          </a:p>
+          <a:p>
+            <a:r>
+              <a:rPr lang="es-ES" dirty="0"/>
+              <a:t>En el caso de SGDC se han usado los mismos valores para los parámetros que los casos anteriores.</a:t>
+            </a:r>
+          </a:p>
+          <a:p>
+            <a:r>
+              <a:rPr lang="es-ES" dirty="0"/>
+              <a:t>Para </a:t>
+            </a:r>
+            <a:r>
+              <a:rPr lang="es-ES" dirty="0" err="1"/>
+              <a:t>LinearSVC</a:t>
+            </a:r>
+            <a:r>
+              <a:rPr lang="es-ES" dirty="0"/>
+              <a:t> se han considerado los parámetros </a:t>
+            </a:r>
+            <a:r>
+              <a:rPr lang="es-ES" dirty="0" err="1"/>
+              <a:t>epoch</a:t>
+            </a:r>
+            <a:r>
+              <a:rPr lang="es-ES" dirty="0"/>
+              <a:t>, </a:t>
+            </a:r>
+            <a:r>
+              <a:rPr lang="es-ES" dirty="0" err="1"/>
+              <a:t>loss</a:t>
+            </a:r>
+            <a:r>
+              <a:rPr lang="es-ES" dirty="0"/>
+              <a:t> (si se usa “</a:t>
+            </a:r>
+            <a:r>
+              <a:rPr lang="es-ES" dirty="0" err="1"/>
+              <a:t>hinge</a:t>
+            </a:r>
+            <a:r>
+              <a:rPr lang="es-ES" dirty="0"/>
+              <a:t>” o “</a:t>
+            </a:r>
+            <a:r>
+              <a:rPr lang="es-ES" dirty="0" err="1"/>
+              <a:t>squared</a:t>
+            </a:r>
+            <a:r>
+              <a:rPr lang="es-ES" dirty="0"/>
+              <a:t> </a:t>
+            </a:r>
+            <a:r>
+              <a:rPr lang="es-ES" dirty="0" err="1"/>
+              <a:t>hinge</a:t>
+            </a:r>
+            <a:r>
+              <a:rPr lang="es-ES" dirty="0"/>
+              <a:t>”) y valor de C.</a:t>
+            </a:r>
+          </a:p>
+          <a:p>
+            <a:pPr marL="109728" indent="0">
+              <a:buNone/>
+            </a:pPr>
+            <a:r>
+              <a:rPr lang="es-ES" dirty="0"/>
+              <a:t>Para </a:t>
+            </a:r>
+            <a:r>
+              <a:rPr lang="es-ES" dirty="0" err="1"/>
+              <a:t>LinearSVC</a:t>
+            </a:r>
+            <a:r>
+              <a:rPr lang="es-ES" dirty="0"/>
+              <a:t> se han realizado 60 pruebas, más las 720 de SGDC.</a:t>
+            </a:r>
+          </a:p>
+        </p:txBody>
+      </p:sp>
+      <p:sp>
+        <p:nvSpPr>
+          <p:cNvPr id="3" name="2 Título"/>
+          <p:cNvSpPr>
+            <a:spLocks noGrp="1"/>
+          </p:cNvSpPr>
+          <p:nvPr>
+            <p:ph type="title"/>
+          </p:nvPr>
+        </p:nvSpPr>
+        <p:spPr/>
+        <p:txBody>
+          <a:bodyPr/>
+          <a:lstStyle/>
+          <a:p>
+            <a:r>
+              <a:rPr lang="es-ES" dirty="0"/>
+              <a:t>2ª Parte – Vectores soporte</a:t>
+            </a:r>
+          </a:p>
+        </p:txBody>
+      </p:sp>
+      <p:pic>
+        <p:nvPicPr>
+          <p:cNvPr id="8194" name="Picture 2" descr="https://i.gyazo.com/3224969d1f3cd620a3aadbee6ef9bdef.png">
+            <a:extLst>
+              <a:ext uri="{FF2B5EF4-FFF2-40B4-BE49-F238E27FC236}">
+                <a16:creationId xmlns:a16="http://schemas.microsoft.com/office/drawing/2014/main" id="{10D7FDE3-D778-46A2-9749-D63C49B41804}"/>
+              </a:ext>
+            </a:extLst>
+          </p:cNvPr>
+          <p:cNvPicPr>
+            <a:picLocks noChangeAspect="1" noChangeArrowheads="1"/>
+          </p:cNvPicPr>
+          <p:nvPr/>
+        </p:nvPicPr>
+        <p:blipFill>
+          <a:blip r:embed="rId2">
+            <a:extLst>
+              <a:ext uri="{28A0092B-C50C-407E-A947-70E740481C1C}">
+                <a14:useLocalDpi xmlns:a14="http://schemas.microsoft.com/office/drawing/2010/main" val="0"/>
+              </a:ext>
+            </a:extLst>
+          </a:blip>
+          <a:srcRect/>
+          <a:stretch>
+            <a:fillRect/>
+          </a:stretch>
+        </p:blipFill>
+        <p:spPr bwMode="auto">
+          <a:xfrm>
+            <a:off x="4171419" y="5781849"/>
+            <a:ext cx="4515381" cy="578264"/>
+          </a:xfrm>
+          <a:prstGeom prst="rect">
+            <a:avLst/>
+          </a:prstGeom>
+          <a:noFill/>
+          <a:extLst>
+            <a:ext uri="{909E8E84-426E-40DD-AFC4-6F175D3DCCD1}">
+              <a14:hiddenFill xmlns:a14="http://schemas.microsoft.com/office/drawing/2010/main">
+                <a:solidFill>
+                  <a:srgbClr val="FFFFFF"/>
+                </a:solidFill>
+              </a14:hiddenFill>
+            </a:ext>
+          </a:extLst>
+        </p:spPr>
+      </p:pic>
+    </p:spTree>
+    <p:extLst>
+      <p:ext uri="{BB962C8B-B14F-4D97-AF65-F5344CB8AC3E}">
+        <p14:creationId xmlns:p14="http://schemas.microsoft.com/office/powerpoint/2010/main" val="1102303139"/>
+      </p:ext>
+    </p:extLst>
+  </p:cSld>
+  <p:clrMapOvr>
+    <a:masterClrMapping/>
+  </p:clrMapOvr>
+</p:sld>
+</file>
+
+<file path=ppt/slides/slide48.xml><?xml version="1.0" encoding="utf-8"?>
+<p:sld xmlns:a="http://schemas.openxmlformats.org/drawingml/2006/main" xmlns:r="http://schemas.openxmlformats.org/officeDocument/2006/relationships" xmlns:p="http://schemas.openxmlformats.org/presentationml/2006/main">
+  <p:cSld>
+    <p:spTree>
+      <p:nvGrpSpPr>
+        <p:cNvPr id="1" name=""/>
+        <p:cNvGrpSpPr/>
+        <p:nvPr/>
+      </p:nvGrpSpPr>
+      <p:grpSpPr>
+        <a:xfrm>
+          <a:off x="0" y="0"/>
+          <a:ext cx="0" cy="0"/>
+          <a:chOff x="0" y="0"/>
+          <a:chExt cx="0" cy="0"/>
+        </a:xfrm>
+      </p:grpSpPr>
+      <p:sp>
+        <p:nvSpPr>
+          <p:cNvPr id="2" name="1 Marcador de contenido"/>
+          <p:cNvSpPr>
+            <a:spLocks noGrp="1"/>
+          </p:cNvSpPr>
+          <p:nvPr>
+            <p:ph idx="1"/>
+          </p:nvPr>
+        </p:nvSpPr>
+        <p:spPr>
+          <a:xfrm>
+            <a:off x="457200" y="1481328"/>
+            <a:ext cx="8229600" cy="4525963"/>
+          </a:xfrm>
+        </p:spPr>
+        <p:txBody>
+          <a:bodyPr>
+            <a:normAutofit/>
+          </a:bodyPr>
+          <a:lstStyle/>
+          <a:p>
+            <a:pPr marL="109728" indent="0">
+              <a:buNone/>
+            </a:pPr>
+            <a:endParaRPr lang="es-ES" dirty="0"/>
+          </a:p>
+          <a:p>
+            <a:r>
+              <a:rPr lang="es-ES" dirty="0"/>
+              <a:t>Para SGDC se ha obtenido el siguiente rendimiento con </a:t>
+            </a:r>
+            <a:r>
+              <a:rPr lang="es-ES" dirty="0" err="1"/>
+              <a:t>epoch</a:t>
+            </a:r>
+            <a:r>
+              <a:rPr lang="es-ES" dirty="0"/>
+              <a:t> = 500, sin regularización, con </a:t>
+            </a:r>
+            <a:r>
+              <a:rPr lang="es-ES" dirty="0" err="1"/>
+              <a:t>alpha</a:t>
+            </a:r>
+            <a:r>
+              <a:rPr lang="es-ES" dirty="0"/>
+              <a:t> = 0.7 y aplicando una tasa de aprendizaje de 0.1.</a:t>
+            </a:r>
+          </a:p>
+          <a:p>
+            <a:endParaRPr lang="es-ES" dirty="0"/>
+          </a:p>
+          <a:p>
+            <a:endParaRPr lang="es-ES" dirty="0"/>
+          </a:p>
+          <a:p>
+            <a:endParaRPr lang="es-ES" dirty="0"/>
+          </a:p>
+        </p:txBody>
+      </p:sp>
+      <p:sp>
+        <p:nvSpPr>
+          <p:cNvPr id="3" name="2 Título"/>
+          <p:cNvSpPr>
+            <a:spLocks noGrp="1"/>
+          </p:cNvSpPr>
+          <p:nvPr>
+            <p:ph type="title"/>
+          </p:nvPr>
+        </p:nvSpPr>
+        <p:spPr/>
+        <p:txBody>
+          <a:bodyPr/>
+          <a:lstStyle/>
+          <a:p>
+            <a:r>
+              <a:rPr lang="es-ES" dirty="0"/>
+              <a:t>2ª Parte – Vectores soporte</a:t>
+            </a:r>
+          </a:p>
+        </p:txBody>
+      </p:sp>
+      <p:pic>
+        <p:nvPicPr>
+          <p:cNvPr id="9218" name="Picture 2" descr="https://i.gyazo.com/038bf56eeb676f102694f99d2be40fd2.png">
+            <a:extLst>
+              <a:ext uri="{FF2B5EF4-FFF2-40B4-BE49-F238E27FC236}">
+                <a16:creationId xmlns:a16="http://schemas.microsoft.com/office/drawing/2014/main" id="{276C68D6-AFD4-41F5-9192-4BE871601669}"/>
+              </a:ext>
+            </a:extLst>
+          </p:cNvPr>
+          <p:cNvPicPr>
+            <a:picLocks noChangeAspect="1" noChangeArrowheads="1"/>
+          </p:cNvPicPr>
+          <p:nvPr/>
+        </p:nvPicPr>
+        <p:blipFill>
+          <a:blip r:embed="rId2">
+            <a:extLst>
+              <a:ext uri="{28A0092B-C50C-407E-A947-70E740481C1C}">
+                <a14:useLocalDpi xmlns:a14="http://schemas.microsoft.com/office/drawing/2010/main" val="0"/>
+              </a:ext>
+            </a:extLst>
+          </a:blip>
+          <a:srcRect/>
+          <a:stretch>
+            <a:fillRect/>
+          </a:stretch>
+        </p:blipFill>
+        <p:spPr bwMode="auto">
+          <a:xfrm>
+            <a:off x="567667" y="4509120"/>
+            <a:ext cx="8008665" cy="378519"/>
+          </a:xfrm>
+          <a:prstGeom prst="rect">
+            <a:avLst/>
+          </a:prstGeom>
+          <a:noFill/>
+          <a:extLst>
+            <a:ext uri="{909E8E84-426E-40DD-AFC4-6F175D3DCCD1}">
+              <a14:hiddenFill xmlns:a14="http://schemas.microsoft.com/office/drawing/2010/main">
+                <a:solidFill>
+                  <a:srgbClr val="FFFFFF"/>
+                </a:solidFill>
+              </a14:hiddenFill>
+            </a:ext>
+          </a:extLst>
+        </p:spPr>
+      </p:pic>
+    </p:spTree>
+    <p:extLst>
+      <p:ext uri="{BB962C8B-B14F-4D97-AF65-F5344CB8AC3E}">
+        <p14:creationId xmlns:p14="http://schemas.microsoft.com/office/powerpoint/2010/main" val="2700253837"/>
+      </p:ext>
+    </p:extLst>
+  </p:cSld>
+  <p:clrMapOvr>
+    <a:masterClrMapping/>
+  </p:clrMapOvr>
+</p:sld>
+</file>
+
+<file path=ppt/slides/slide49.xml><?xml version="1.0" encoding="utf-8"?>
+<p:sld xmlns:a="http://schemas.openxmlformats.org/drawingml/2006/main" xmlns:r="http://schemas.openxmlformats.org/officeDocument/2006/relationships" xmlns:p="http://schemas.openxmlformats.org/presentationml/2006/main">
+  <p:cSld>
+    <p:spTree>
+      <p:nvGrpSpPr>
+        <p:cNvPr id="1" name=""/>
+        <p:cNvGrpSpPr/>
+        <p:nvPr/>
+      </p:nvGrpSpPr>
+      <p:grpSpPr>
+        <a:xfrm>
+          <a:off x="0" y="0"/>
+          <a:ext cx="0" cy="0"/>
+          <a:chOff x="0" y="0"/>
+          <a:chExt cx="0" cy="0"/>
+        </a:xfrm>
+      </p:grpSpPr>
+      <p:sp>
+        <p:nvSpPr>
+          <p:cNvPr id="2" name="1 Marcador de contenido"/>
+          <p:cNvSpPr>
+            <a:spLocks noGrp="1"/>
+          </p:cNvSpPr>
+          <p:nvPr>
+            <p:ph idx="1"/>
+          </p:nvPr>
+        </p:nvSpPr>
+        <p:spPr>
+          <a:xfrm>
+            <a:off x="457200" y="1481328"/>
+            <a:ext cx="8229600" cy="4525963"/>
+          </a:xfrm>
+        </p:spPr>
+        <p:txBody>
+          <a:bodyPr>
+            <a:normAutofit/>
+          </a:bodyPr>
+          <a:lstStyle/>
+          <a:p>
+            <a:pPr marL="109728" indent="0">
+              <a:buNone/>
+            </a:pPr>
+            <a:endParaRPr lang="es-ES" dirty="0"/>
+          </a:p>
+          <a:p>
+            <a:r>
+              <a:rPr lang="es-ES" dirty="0"/>
+              <a:t>Para </a:t>
+            </a:r>
+            <a:r>
+              <a:rPr lang="es-ES" dirty="0" err="1"/>
+              <a:t>LinearSVC</a:t>
+            </a:r>
+            <a:r>
+              <a:rPr lang="es-ES" dirty="0"/>
+              <a:t> se ha obtenido el siguiente rendimiento con </a:t>
+            </a:r>
+            <a:r>
+              <a:rPr lang="es-ES" dirty="0" err="1"/>
+              <a:t>epoch</a:t>
+            </a:r>
+            <a:r>
+              <a:rPr lang="es-ES" dirty="0"/>
+              <a:t> = 100, aplicando </a:t>
+            </a:r>
+            <a:r>
+              <a:rPr lang="es-ES" dirty="0" err="1"/>
+              <a:t>squared</a:t>
+            </a:r>
+            <a:r>
+              <a:rPr lang="es-ES" dirty="0"/>
+              <a:t> </a:t>
+            </a:r>
+            <a:r>
+              <a:rPr lang="es-ES" dirty="0" err="1"/>
+              <a:t>hinge</a:t>
+            </a:r>
+            <a:r>
+              <a:rPr lang="es-ES" dirty="0"/>
+              <a:t> con C= 0.0001.</a:t>
+            </a:r>
+          </a:p>
+          <a:p>
+            <a:endParaRPr lang="es-ES" dirty="0"/>
+          </a:p>
+          <a:p>
+            <a:endParaRPr lang="es-ES" dirty="0"/>
+          </a:p>
+          <a:p>
+            <a:r>
+              <a:rPr lang="es-ES" dirty="0"/>
+              <a:t>Se aprecia un mayor rendimiento en SGDC pero no por mucho, considerando el número de pruebas en </a:t>
+            </a:r>
+            <a:r>
+              <a:rPr lang="es-ES" dirty="0" err="1"/>
+              <a:t>LinearSVC</a:t>
+            </a:r>
+            <a:r>
+              <a:rPr lang="es-ES" dirty="0"/>
+              <a:t> y el menor número de </a:t>
+            </a:r>
+            <a:r>
+              <a:rPr lang="es-ES" dirty="0" err="1"/>
+              <a:t>epoch</a:t>
+            </a:r>
+            <a:r>
+              <a:rPr lang="es-ES" dirty="0"/>
+              <a:t>.</a:t>
+            </a:r>
+          </a:p>
+          <a:p>
+            <a:endParaRPr lang="es-ES" dirty="0"/>
+          </a:p>
+          <a:p>
+            <a:endParaRPr lang="es-ES" dirty="0"/>
+          </a:p>
+          <a:p>
+            <a:endParaRPr lang="es-ES" dirty="0"/>
+          </a:p>
+        </p:txBody>
+      </p:sp>
+      <p:sp>
+        <p:nvSpPr>
+          <p:cNvPr id="3" name="2 Título"/>
+          <p:cNvSpPr>
+            <a:spLocks noGrp="1"/>
+          </p:cNvSpPr>
+          <p:nvPr>
+            <p:ph type="title"/>
+          </p:nvPr>
+        </p:nvSpPr>
+        <p:spPr/>
+        <p:txBody>
+          <a:bodyPr/>
+          <a:lstStyle/>
+          <a:p>
+            <a:r>
+              <a:rPr lang="es-ES" dirty="0"/>
+              <a:t>2ª Parte – Vectores soporte</a:t>
+            </a:r>
+          </a:p>
+        </p:txBody>
+      </p:sp>
+      <p:pic>
+        <p:nvPicPr>
+          <p:cNvPr id="10242" name="Picture 2" descr="https://i.gyazo.com/c9be7d9b51ab1b88ead29dda1fde3e55.png">
+            <a:extLst>
+              <a:ext uri="{FF2B5EF4-FFF2-40B4-BE49-F238E27FC236}">
+                <a16:creationId xmlns:a16="http://schemas.microsoft.com/office/drawing/2014/main" id="{F285D455-0AB3-41BF-BAB4-33B02D3E5615}"/>
+              </a:ext>
+            </a:extLst>
+          </p:cNvPr>
+          <p:cNvPicPr>
+            <a:picLocks noChangeAspect="1" noChangeArrowheads="1"/>
+          </p:cNvPicPr>
+          <p:nvPr/>
+        </p:nvPicPr>
+        <p:blipFill>
+          <a:blip r:embed="rId2">
+            <a:extLst>
+              <a:ext uri="{28A0092B-C50C-407E-A947-70E740481C1C}">
+                <a14:useLocalDpi xmlns:a14="http://schemas.microsoft.com/office/drawing/2010/main" val="0"/>
+              </a:ext>
+            </a:extLst>
+          </a:blip>
+          <a:srcRect/>
+          <a:stretch>
+            <a:fillRect/>
+          </a:stretch>
+        </p:blipFill>
+        <p:spPr bwMode="auto">
+          <a:xfrm>
+            <a:off x="1218177" y="3541047"/>
+            <a:ext cx="6707646" cy="406524"/>
+          </a:xfrm>
+          <a:prstGeom prst="rect">
+            <a:avLst/>
+          </a:prstGeom>
+          <a:noFill/>
+          <a:extLst>
+            <a:ext uri="{909E8E84-426E-40DD-AFC4-6F175D3DCCD1}">
+              <a14:hiddenFill xmlns:a14="http://schemas.microsoft.com/office/drawing/2010/main">
+                <a:solidFill>
+                  <a:srgbClr val="FFFFFF"/>
+                </a:solidFill>
+              </a14:hiddenFill>
+            </a:ext>
+          </a:extLst>
+        </p:spPr>
+      </p:pic>
+    </p:spTree>
+    <p:extLst>
+      <p:ext uri="{BB962C8B-B14F-4D97-AF65-F5344CB8AC3E}">
+        <p14:creationId xmlns:p14="http://schemas.microsoft.com/office/powerpoint/2010/main" val="1790143386"/>
+      </p:ext>
+    </p:extLst>
+  </p:cSld>
+  <p:clrMapOvr>
+    <a:masterClrMapping/>
+  </p:clrMapOvr>
+</p:sld>
+</file>
+
 <file path=ppt/slides/slide5.xml><?xml version="1.0" encoding="utf-8"?>
 <p:sld xmlns:a="http://schemas.openxmlformats.org/drawingml/2006/main" xmlns:r="http://schemas.openxmlformats.org/officeDocument/2006/relationships" xmlns:p="http://schemas.openxmlformats.org/presentationml/2006/main">
   <p:cSld>
@@ -11678,6 +13586,550 @@
     <p:extLst>
       <p:ext uri="{BB962C8B-B14F-4D97-AF65-F5344CB8AC3E}">
         <p14:creationId xmlns:p14="http://schemas.microsoft.com/office/powerpoint/2010/main" val="65337314"/>
+      </p:ext>
+    </p:extLst>
+  </p:cSld>
+  <p:clrMapOvr>
+    <a:masterClrMapping/>
+  </p:clrMapOvr>
+</p:sld>
+</file>
+
+<file path=ppt/slides/slide50.xml><?xml version="1.0" encoding="utf-8"?>
+<p:sld xmlns:a="http://schemas.openxmlformats.org/drawingml/2006/main" xmlns:r="http://schemas.openxmlformats.org/officeDocument/2006/relationships" xmlns:p="http://schemas.openxmlformats.org/presentationml/2006/main">
+  <p:cSld>
+    <p:spTree>
+      <p:nvGrpSpPr>
+        <p:cNvPr id="1" name=""/>
+        <p:cNvGrpSpPr/>
+        <p:nvPr/>
+      </p:nvGrpSpPr>
+      <p:grpSpPr>
+        <a:xfrm>
+          <a:off x="0" y="0"/>
+          <a:ext cx="0" cy="0"/>
+          <a:chOff x="0" y="0"/>
+          <a:chExt cx="0" cy="0"/>
+        </a:xfrm>
+      </p:grpSpPr>
+      <p:sp>
+        <p:nvSpPr>
+          <p:cNvPr id="2" name="1 Marcador de contenido"/>
+          <p:cNvSpPr>
+            <a:spLocks noGrp="1"/>
+          </p:cNvSpPr>
+          <p:nvPr>
+            <p:ph idx="1"/>
+          </p:nvPr>
+        </p:nvSpPr>
+        <p:spPr/>
+        <p:txBody>
+          <a:bodyPr>
+            <a:normAutofit/>
+          </a:bodyPr>
+          <a:lstStyle/>
+          <a:p>
+            <a:r>
+              <a:rPr lang="es-ES" dirty="0"/>
+              <a:t>En este caso los parámetros que consideraremos son la profundidad del árbol, el criterio que se aplicará y el mínimo de ejemplos.</a:t>
+            </a:r>
+          </a:p>
+          <a:p>
+            <a:endParaRPr lang="es-ES" dirty="0"/>
+          </a:p>
+          <a:p>
+            <a:endParaRPr lang="es-ES" dirty="0"/>
+          </a:p>
+          <a:p>
+            <a:endParaRPr lang="es-ES" dirty="0"/>
+          </a:p>
+          <a:p>
+            <a:r>
+              <a:rPr lang="es-ES" dirty="0"/>
+              <a:t>Se realizan 162 pruebas en este caso.</a:t>
+            </a:r>
+          </a:p>
+          <a:p>
+            <a:endParaRPr lang="es-ES" dirty="0"/>
+          </a:p>
+        </p:txBody>
+      </p:sp>
+      <p:sp>
+        <p:nvSpPr>
+          <p:cNvPr id="3" name="2 Título"/>
+          <p:cNvSpPr>
+            <a:spLocks noGrp="1"/>
+          </p:cNvSpPr>
+          <p:nvPr>
+            <p:ph type="title"/>
+          </p:nvPr>
+        </p:nvSpPr>
+        <p:spPr/>
+        <p:txBody>
+          <a:bodyPr/>
+          <a:lstStyle/>
+          <a:p>
+            <a:r>
+              <a:rPr lang="es-ES" dirty="0"/>
+              <a:t>2ª Parte – Árboles de decisión</a:t>
+            </a:r>
+          </a:p>
+        </p:txBody>
+      </p:sp>
+      <p:pic>
+        <p:nvPicPr>
+          <p:cNvPr id="11266" name="Picture 2" descr="https://i.gyazo.com/66cd4565a6be0cdc11691dd3ae45d36d.png">
+            <a:extLst>
+              <a:ext uri="{FF2B5EF4-FFF2-40B4-BE49-F238E27FC236}">
+                <a16:creationId xmlns:a16="http://schemas.microsoft.com/office/drawing/2014/main" id="{CF78C64C-223C-4660-ABB5-C72FF4BCE523}"/>
+              </a:ext>
+            </a:extLst>
+          </p:cNvPr>
+          <p:cNvPicPr>
+            <a:picLocks noChangeAspect="1" noChangeArrowheads="1"/>
+          </p:cNvPicPr>
+          <p:nvPr/>
+        </p:nvPicPr>
+        <p:blipFill>
+          <a:blip r:embed="rId2">
+            <a:extLst>
+              <a:ext uri="{28A0092B-C50C-407E-A947-70E740481C1C}">
+                <a14:useLocalDpi xmlns:a14="http://schemas.microsoft.com/office/drawing/2010/main" val="0"/>
+              </a:ext>
+            </a:extLst>
+          </a:blip>
+          <a:srcRect/>
+          <a:stretch>
+            <a:fillRect/>
+          </a:stretch>
+        </p:blipFill>
+        <p:spPr bwMode="auto">
+          <a:xfrm>
+            <a:off x="1652955" y="3445226"/>
+            <a:ext cx="5838090" cy="598165"/>
+          </a:xfrm>
+          <a:prstGeom prst="rect">
+            <a:avLst/>
+          </a:prstGeom>
+          <a:noFill/>
+          <a:extLst>
+            <a:ext uri="{909E8E84-426E-40DD-AFC4-6F175D3DCCD1}">
+              <a14:hiddenFill xmlns:a14="http://schemas.microsoft.com/office/drawing/2010/main">
+                <a:solidFill>
+                  <a:srgbClr val="FFFFFF"/>
+                </a:solidFill>
+              </a14:hiddenFill>
+            </a:ext>
+          </a:extLst>
+        </p:spPr>
+      </p:pic>
+    </p:spTree>
+    <p:extLst>
+      <p:ext uri="{BB962C8B-B14F-4D97-AF65-F5344CB8AC3E}">
+        <p14:creationId xmlns:p14="http://schemas.microsoft.com/office/powerpoint/2010/main" val="1077899923"/>
+      </p:ext>
+    </p:extLst>
+  </p:cSld>
+  <p:clrMapOvr>
+    <a:masterClrMapping/>
+  </p:clrMapOvr>
+</p:sld>
+</file>
+
+<file path=ppt/slides/slide51.xml><?xml version="1.0" encoding="utf-8"?>
+<p:sld xmlns:a="http://schemas.openxmlformats.org/drawingml/2006/main" xmlns:r="http://schemas.openxmlformats.org/officeDocument/2006/relationships" xmlns:p="http://schemas.openxmlformats.org/presentationml/2006/main">
+  <p:cSld>
+    <p:spTree>
+      <p:nvGrpSpPr>
+        <p:cNvPr id="1" name=""/>
+        <p:cNvGrpSpPr/>
+        <p:nvPr/>
+      </p:nvGrpSpPr>
+      <p:grpSpPr>
+        <a:xfrm>
+          <a:off x="0" y="0"/>
+          <a:ext cx="0" cy="0"/>
+          <a:chOff x="0" y="0"/>
+          <a:chExt cx="0" cy="0"/>
+        </a:xfrm>
+      </p:grpSpPr>
+      <p:sp>
+        <p:nvSpPr>
+          <p:cNvPr id="2" name="1 Marcador de contenido"/>
+          <p:cNvSpPr>
+            <a:spLocks noGrp="1"/>
+          </p:cNvSpPr>
+          <p:nvPr>
+            <p:ph idx="1"/>
+          </p:nvPr>
+        </p:nvSpPr>
+        <p:spPr/>
+        <p:txBody>
+          <a:bodyPr>
+            <a:normAutofit/>
+          </a:bodyPr>
+          <a:lstStyle/>
+          <a:p>
+            <a:r>
+              <a:rPr lang="es-ES" dirty="0"/>
+              <a:t>El mejor rendimiento que se ha encontrado es de 0.965034965034965 para un valor de profundidad = 7, aplicando entropía y con un mínimo de ejemplos de 0.1.</a:t>
+            </a:r>
+          </a:p>
+        </p:txBody>
+      </p:sp>
+      <p:sp>
+        <p:nvSpPr>
+          <p:cNvPr id="3" name="2 Título"/>
+          <p:cNvSpPr>
+            <a:spLocks noGrp="1"/>
+          </p:cNvSpPr>
+          <p:nvPr>
+            <p:ph type="title"/>
+          </p:nvPr>
+        </p:nvSpPr>
+        <p:spPr/>
+        <p:txBody>
+          <a:bodyPr/>
+          <a:lstStyle/>
+          <a:p>
+            <a:r>
+              <a:rPr lang="es-ES" dirty="0"/>
+              <a:t>2ª Parte – Árboles de decisión</a:t>
+            </a:r>
+          </a:p>
+        </p:txBody>
+      </p:sp>
+      <p:pic>
+        <p:nvPicPr>
+          <p:cNvPr id="12290" name="Picture 2" descr="https://i.gyazo.com/e5e3fd68fcb8e1a35f6c86696d22e780.png">
+            <a:extLst>
+              <a:ext uri="{FF2B5EF4-FFF2-40B4-BE49-F238E27FC236}">
+                <a16:creationId xmlns:a16="http://schemas.microsoft.com/office/drawing/2014/main" id="{C338F5DA-8EF1-472A-A0BD-51A58C9909CD}"/>
+              </a:ext>
+            </a:extLst>
+          </p:cNvPr>
+          <p:cNvPicPr>
+            <a:picLocks noChangeAspect="1" noChangeArrowheads="1"/>
+          </p:cNvPicPr>
+          <p:nvPr/>
+        </p:nvPicPr>
+        <p:blipFill>
+          <a:blip r:embed="rId2">
+            <a:extLst>
+              <a:ext uri="{28A0092B-C50C-407E-A947-70E740481C1C}">
+                <a14:useLocalDpi xmlns:a14="http://schemas.microsoft.com/office/drawing/2010/main" val="0"/>
+              </a:ext>
+            </a:extLst>
+          </a:blip>
+          <a:srcRect/>
+          <a:stretch>
+            <a:fillRect/>
+          </a:stretch>
+        </p:blipFill>
+        <p:spPr bwMode="auto">
+          <a:xfrm>
+            <a:off x="1081507" y="3933056"/>
+            <a:ext cx="6980986" cy="432048"/>
+          </a:xfrm>
+          <a:prstGeom prst="rect">
+            <a:avLst/>
+          </a:prstGeom>
+          <a:noFill/>
+          <a:extLst>
+            <a:ext uri="{909E8E84-426E-40DD-AFC4-6F175D3DCCD1}">
+              <a14:hiddenFill xmlns:a14="http://schemas.microsoft.com/office/drawing/2010/main">
+                <a:solidFill>
+                  <a:srgbClr val="FFFFFF"/>
+                </a:solidFill>
+              </a14:hiddenFill>
+            </a:ext>
+          </a:extLst>
+        </p:spPr>
+      </p:pic>
+    </p:spTree>
+    <p:extLst>
+      <p:ext uri="{BB962C8B-B14F-4D97-AF65-F5344CB8AC3E}">
+        <p14:creationId xmlns:p14="http://schemas.microsoft.com/office/powerpoint/2010/main" val="1487026504"/>
+      </p:ext>
+    </p:extLst>
+  </p:cSld>
+  <p:clrMapOvr>
+    <a:masterClrMapping/>
+  </p:clrMapOvr>
+</p:sld>
+</file>
+
+<file path=ppt/slides/slide52.xml><?xml version="1.0" encoding="utf-8"?>
+<p:sld xmlns:a="http://schemas.openxmlformats.org/drawingml/2006/main" xmlns:r="http://schemas.openxmlformats.org/officeDocument/2006/relationships" xmlns:p="http://schemas.openxmlformats.org/presentationml/2006/main">
+  <p:cSld>
+    <p:spTree>
+      <p:nvGrpSpPr>
+        <p:cNvPr id="1" name=""/>
+        <p:cNvGrpSpPr/>
+        <p:nvPr/>
+      </p:nvGrpSpPr>
+      <p:grpSpPr>
+        <a:xfrm>
+          <a:off x="0" y="0"/>
+          <a:ext cx="0" cy="0"/>
+          <a:chOff x="0" y="0"/>
+          <a:chExt cx="0" cy="0"/>
+        </a:xfrm>
+      </p:grpSpPr>
+      <p:sp>
+        <p:nvSpPr>
+          <p:cNvPr id="2" name="1 Marcador de contenido"/>
+          <p:cNvSpPr>
+            <a:spLocks noGrp="1"/>
+          </p:cNvSpPr>
+          <p:nvPr>
+            <p:ph idx="1"/>
+          </p:nvPr>
+        </p:nvSpPr>
+        <p:spPr/>
+        <p:txBody>
+          <a:bodyPr>
+            <a:normAutofit/>
+          </a:bodyPr>
+          <a:lstStyle/>
+          <a:p>
+            <a:r>
+              <a:rPr lang="es-ES" dirty="0"/>
+              <a:t>Para este caso se han considerado los mismos valores y parámetros, añadiendo uno nuevo para aplicar o no </a:t>
+            </a:r>
+            <a:r>
+              <a:rPr lang="es-ES" dirty="0" err="1"/>
+              <a:t>bootstrap</a:t>
+            </a:r>
+            <a:r>
+              <a:rPr lang="es-ES" dirty="0"/>
+              <a:t> para evitar el sobreajuste.</a:t>
+            </a:r>
+          </a:p>
+        </p:txBody>
+      </p:sp>
+      <p:sp>
+        <p:nvSpPr>
+          <p:cNvPr id="3" name="2 Título"/>
+          <p:cNvSpPr>
+            <a:spLocks noGrp="1"/>
+          </p:cNvSpPr>
+          <p:nvPr>
+            <p:ph type="title"/>
+          </p:nvPr>
+        </p:nvSpPr>
+        <p:spPr/>
+        <p:txBody>
+          <a:bodyPr/>
+          <a:lstStyle/>
+          <a:p>
+            <a:r>
+              <a:rPr lang="es-ES" dirty="0"/>
+              <a:t>2ª Parte – </a:t>
+            </a:r>
+            <a:r>
+              <a:rPr lang="es-ES" dirty="0" err="1"/>
+              <a:t>Random</a:t>
+            </a:r>
+            <a:r>
+              <a:rPr lang="es-ES" dirty="0"/>
+              <a:t> </a:t>
+            </a:r>
+            <a:r>
+              <a:rPr lang="es-ES" dirty="0" err="1"/>
+              <a:t>forest</a:t>
+            </a:r>
+            <a:endParaRPr lang="es-ES" dirty="0"/>
+          </a:p>
+        </p:txBody>
+      </p:sp>
+      <p:pic>
+        <p:nvPicPr>
+          <p:cNvPr id="13314" name="Picture 2" descr="https://i.gyazo.com/583587992d46203e6efc862c9cc01d6f.png">
+            <a:extLst>
+              <a:ext uri="{FF2B5EF4-FFF2-40B4-BE49-F238E27FC236}">
+                <a16:creationId xmlns:a16="http://schemas.microsoft.com/office/drawing/2014/main" id="{52FB9BA7-7DD4-473F-9E84-505FF690D86B}"/>
+              </a:ext>
+            </a:extLst>
+          </p:cNvPr>
+          <p:cNvPicPr>
+            <a:picLocks noChangeAspect="1" noChangeArrowheads="1"/>
+          </p:cNvPicPr>
+          <p:nvPr/>
+        </p:nvPicPr>
+        <p:blipFill>
+          <a:blip r:embed="rId2">
+            <a:extLst>
+              <a:ext uri="{28A0092B-C50C-407E-A947-70E740481C1C}">
+                <a14:useLocalDpi xmlns:a14="http://schemas.microsoft.com/office/drawing/2010/main" val="0"/>
+              </a:ext>
+            </a:extLst>
+          </a:blip>
+          <a:srcRect/>
+          <a:stretch>
+            <a:fillRect/>
+          </a:stretch>
+        </p:blipFill>
+        <p:spPr bwMode="auto">
+          <a:xfrm>
+            <a:off x="1114354" y="4005064"/>
+            <a:ext cx="6915291" cy="878582"/>
+          </a:xfrm>
+          <a:prstGeom prst="rect">
+            <a:avLst/>
+          </a:prstGeom>
+          <a:noFill/>
+          <a:extLst>
+            <a:ext uri="{909E8E84-426E-40DD-AFC4-6F175D3DCCD1}">
+              <a14:hiddenFill xmlns:a14="http://schemas.microsoft.com/office/drawing/2010/main">
+                <a:solidFill>
+                  <a:srgbClr val="FFFFFF"/>
+                </a:solidFill>
+              </a14:hiddenFill>
+            </a:ext>
+          </a:extLst>
+        </p:spPr>
+      </p:pic>
+    </p:spTree>
+    <p:extLst>
+      <p:ext uri="{BB962C8B-B14F-4D97-AF65-F5344CB8AC3E}">
+        <p14:creationId xmlns:p14="http://schemas.microsoft.com/office/powerpoint/2010/main" val="3305998768"/>
+      </p:ext>
+    </p:extLst>
+  </p:cSld>
+  <p:clrMapOvr>
+    <a:masterClrMapping/>
+  </p:clrMapOvr>
+</p:sld>
+</file>
+
+<file path=ppt/slides/slide53.xml><?xml version="1.0" encoding="utf-8"?>
+<p:sld xmlns:a="http://schemas.openxmlformats.org/drawingml/2006/main" xmlns:r="http://schemas.openxmlformats.org/officeDocument/2006/relationships" xmlns:p="http://schemas.openxmlformats.org/presentationml/2006/main">
+  <p:cSld>
+    <p:spTree>
+      <p:nvGrpSpPr>
+        <p:cNvPr id="1" name=""/>
+        <p:cNvGrpSpPr/>
+        <p:nvPr/>
+      </p:nvGrpSpPr>
+      <p:grpSpPr>
+        <a:xfrm>
+          <a:off x="0" y="0"/>
+          <a:ext cx="0" cy="0"/>
+          <a:chOff x="0" y="0"/>
+          <a:chExt cx="0" cy="0"/>
+        </a:xfrm>
+      </p:grpSpPr>
+      <p:sp>
+        <p:nvSpPr>
+          <p:cNvPr id="2" name="1 Marcador de contenido"/>
+          <p:cNvSpPr>
+            <a:spLocks noGrp="1"/>
+          </p:cNvSpPr>
+          <p:nvPr>
+            <p:ph idx="1"/>
+          </p:nvPr>
+        </p:nvSpPr>
+        <p:spPr/>
+        <p:txBody>
+          <a:bodyPr>
+            <a:normAutofit/>
+          </a:bodyPr>
+          <a:lstStyle/>
+          <a:p>
+            <a:r>
+              <a:rPr lang="es-ES" dirty="0"/>
+              <a:t>Se ha obtenido un mejor rendimiento que en el caso de los árboles de decisión, con una menor profundidad y aplicando los mismos parámetros.</a:t>
+            </a:r>
+          </a:p>
+        </p:txBody>
+      </p:sp>
+      <p:sp>
+        <p:nvSpPr>
+          <p:cNvPr id="3" name="2 Título"/>
+          <p:cNvSpPr>
+            <a:spLocks noGrp="1"/>
+          </p:cNvSpPr>
+          <p:nvPr>
+            <p:ph type="title"/>
+          </p:nvPr>
+        </p:nvSpPr>
+        <p:spPr/>
+        <p:txBody>
+          <a:bodyPr/>
+          <a:lstStyle/>
+          <a:p>
+            <a:r>
+              <a:rPr lang="es-ES" dirty="0"/>
+              <a:t>2ª Parte – </a:t>
+            </a:r>
+            <a:r>
+              <a:rPr lang="es-ES" dirty="0" err="1"/>
+              <a:t>Random</a:t>
+            </a:r>
+            <a:r>
+              <a:rPr lang="es-ES" dirty="0"/>
+              <a:t> </a:t>
+            </a:r>
+            <a:r>
+              <a:rPr lang="es-ES" dirty="0" err="1"/>
+              <a:t>forest</a:t>
+            </a:r>
+            <a:endParaRPr lang="es-ES" dirty="0"/>
+          </a:p>
+        </p:txBody>
+      </p:sp>
+      <p:pic>
+        <p:nvPicPr>
+          <p:cNvPr id="14338" name="Picture 2" descr="https://i.gyazo.com/0e6df658ca89316ec5e0cfc11c29887c.png">
+            <a:extLst>
+              <a:ext uri="{FF2B5EF4-FFF2-40B4-BE49-F238E27FC236}">
+                <a16:creationId xmlns:a16="http://schemas.microsoft.com/office/drawing/2014/main" id="{1336A713-00B8-4A34-BE3E-1493C394EC2A}"/>
+              </a:ext>
+            </a:extLst>
+          </p:cNvPr>
+          <p:cNvPicPr>
+            <a:picLocks noChangeAspect="1" noChangeArrowheads="1"/>
+          </p:cNvPicPr>
+          <p:nvPr/>
+        </p:nvPicPr>
+        <p:blipFill>
+          <a:blip r:embed="rId2">
+            <a:extLst>
+              <a:ext uri="{28A0092B-C50C-407E-A947-70E740481C1C}">
+                <a14:useLocalDpi xmlns:a14="http://schemas.microsoft.com/office/drawing/2010/main" val="0"/>
+              </a:ext>
+            </a:extLst>
+          </a:blip>
+          <a:srcRect/>
+          <a:stretch>
+            <a:fillRect/>
+          </a:stretch>
+        </p:blipFill>
+        <p:spPr bwMode="auto">
+          <a:xfrm>
+            <a:off x="756262" y="4077072"/>
+            <a:ext cx="7631476" cy="383593"/>
+          </a:xfrm>
+          <a:prstGeom prst="rect">
+            <a:avLst/>
+          </a:prstGeom>
+          <a:noFill/>
+          <a:extLst>
+            <a:ext uri="{909E8E84-426E-40DD-AFC4-6F175D3DCCD1}">
+              <a14:hiddenFill xmlns:a14="http://schemas.microsoft.com/office/drawing/2010/main">
+                <a:solidFill>
+                  <a:srgbClr val="FFFFFF"/>
+                </a:solidFill>
+              </a14:hiddenFill>
+            </a:ext>
+          </a:extLst>
+        </p:spPr>
+      </p:pic>
+    </p:spTree>
+    <p:extLst>
+      <p:ext uri="{BB962C8B-B14F-4D97-AF65-F5344CB8AC3E}">
+        <p14:creationId xmlns:p14="http://schemas.microsoft.com/office/powerpoint/2010/main" val="1632287"/>
       </p:ext>
     </p:extLst>
   </p:cSld>

--- a/presentacion3.pptx
+++ b/presentacion3.pptx
@@ -41,23 +41,28 @@
     <p:sldId id="298" r:id="rId35"/>
     <p:sldId id="299" r:id="rId36"/>
     <p:sldId id="300" r:id="rId37"/>
-    <p:sldId id="291" r:id="rId38"/>
-    <p:sldId id="301" r:id="rId39"/>
-    <p:sldId id="274" r:id="rId40"/>
-    <p:sldId id="302" r:id="rId41"/>
-    <p:sldId id="303" r:id="rId42"/>
-    <p:sldId id="305" r:id="rId43"/>
-    <p:sldId id="304" r:id="rId44"/>
-    <p:sldId id="306" r:id="rId45"/>
-    <p:sldId id="307" r:id="rId46"/>
-    <p:sldId id="308" r:id="rId47"/>
-    <p:sldId id="309" r:id="rId48"/>
-    <p:sldId id="310" r:id="rId49"/>
-    <p:sldId id="311" r:id="rId50"/>
-    <p:sldId id="312" r:id="rId51"/>
-    <p:sldId id="313" r:id="rId52"/>
-    <p:sldId id="314" r:id="rId53"/>
-    <p:sldId id="315" r:id="rId54"/>
+    <p:sldId id="316" r:id="rId38"/>
+    <p:sldId id="291" r:id="rId39"/>
+    <p:sldId id="317" r:id="rId40"/>
+    <p:sldId id="318" r:id="rId41"/>
+    <p:sldId id="319" r:id="rId42"/>
+    <p:sldId id="301" r:id="rId43"/>
+    <p:sldId id="320" r:id="rId44"/>
+    <p:sldId id="274" r:id="rId45"/>
+    <p:sldId id="302" r:id="rId46"/>
+    <p:sldId id="303" r:id="rId47"/>
+    <p:sldId id="305" r:id="rId48"/>
+    <p:sldId id="304" r:id="rId49"/>
+    <p:sldId id="306" r:id="rId50"/>
+    <p:sldId id="307" r:id="rId51"/>
+    <p:sldId id="308" r:id="rId52"/>
+    <p:sldId id="309" r:id="rId53"/>
+    <p:sldId id="310" r:id="rId54"/>
+    <p:sldId id="311" r:id="rId55"/>
+    <p:sldId id="312" r:id="rId56"/>
+    <p:sldId id="313" r:id="rId57"/>
+    <p:sldId id="314" r:id="rId58"/>
+    <p:sldId id="315" r:id="rId59"/>
   </p:sldIdLst>
   <p:sldSz cx="9144000" cy="6858000" type="screen4x3"/>
   <p:notesSz cx="6858000" cy="9144000"/>
@@ -158,7 +163,7 @@
   </p:defaultTextStyle>
   <p:extLst>
     <p:ext uri="{EFAFB233-063F-42B5-8137-9DF3F51BA10A}">
-      <p15:sldGuideLst xmlns:p15="http://schemas.microsoft.com/office/powerpoint/2012/main">
+      <p15:sldGuideLst xmlns:p15="http://schemas.microsoft.com/office/powerpoint/2012/main" xmlns="">
         <p15:guide id="1" orient="horz" pos="2160">
           <p15:clr>
             <a:srgbClr val="A4A3A4"/>
@@ -6020,6 +6025,10 @@
               <a:rPr lang="es-ES" dirty="0" err="1"/>
               <a:t>rest</a:t>
             </a:r>
+            <a:r>
+              <a:rPr lang="es-ES" dirty="0"/>
+              <a:t/>
+            </a:r>
             <a:br>
               <a:rPr lang="es-ES" dirty="0"/>
             </a:br>
@@ -6318,6 +6327,10 @@
             <a:r>
               <a:rPr lang="es-ES" dirty="0" err="1"/>
               <a:t>rest</a:t>
+            </a:r>
+            <a:r>
+              <a:rPr lang="es-ES" dirty="0"/>
+              <a:t/>
             </a:r>
             <a:br>
               <a:rPr lang="es-ES" dirty="0"/>
@@ -6517,6 +6530,10 @@
             <a:r>
               <a:rPr lang="es-ES" dirty="0" err="1"/>
               <a:t>rest</a:t>
+            </a:r>
+            <a:r>
+              <a:rPr lang="es-ES" dirty="0"/>
+              <a:t/>
             </a:r>
             <a:br>
               <a:rPr lang="es-ES" dirty="0"/>
@@ -7543,7 +7560,7 @@
           <p:nvPr>
             <p:extLst>
               <p:ext uri="{D42A27DB-BD31-4B8C-83A1-F6EECF244321}">
-                <p14:modId xmlns:p14="http://schemas.microsoft.com/office/powerpoint/2010/main" val="548590004"/>
+                <p14:modId xmlns:p14="http://schemas.microsoft.com/office/powerpoint/2010/main" val="1838979157"/>
               </p:ext>
             </p:extLst>
           </p:nvPr>
@@ -7562,28 +7579,28 @@
                 <a:gridCol w="1524000">
                   <a:extLst>
                     <a:ext uri="{9D8B030D-6E8A-4147-A177-3AD203B41FA5}">
-                      <a16:colId xmlns:a16="http://schemas.microsoft.com/office/drawing/2014/main" val="20000"/>
+                      <a16:colId xmlns:a16="http://schemas.microsoft.com/office/drawing/2014/main" xmlns="" val="20000"/>
                     </a:ext>
                   </a:extLst>
                 </a:gridCol>
                 <a:gridCol w="1524000">
                   <a:extLst>
                     <a:ext uri="{9D8B030D-6E8A-4147-A177-3AD203B41FA5}">
-                      <a16:colId xmlns:a16="http://schemas.microsoft.com/office/drawing/2014/main" val="20001"/>
+                      <a16:colId xmlns:a16="http://schemas.microsoft.com/office/drawing/2014/main" xmlns="" val="20001"/>
                     </a:ext>
                   </a:extLst>
                 </a:gridCol>
                 <a:gridCol w="1524000">
                   <a:extLst>
                     <a:ext uri="{9D8B030D-6E8A-4147-A177-3AD203B41FA5}">
-                      <a16:colId xmlns:a16="http://schemas.microsoft.com/office/drawing/2014/main" val="20002"/>
+                      <a16:colId xmlns:a16="http://schemas.microsoft.com/office/drawing/2014/main" xmlns="" val="20002"/>
                     </a:ext>
                   </a:extLst>
                 </a:gridCol>
                 <a:gridCol w="1524000">
                   <a:extLst>
                     <a:ext uri="{9D8B030D-6E8A-4147-A177-3AD203B41FA5}">
-                      <a16:colId xmlns:a16="http://schemas.microsoft.com/office/drawing/2014/main" val="20003"/>
+                      <a16:colId xmlns:a16="http://schemas.microsoft.com/office/drawing/2014/main" xmlns="" val="20003"/>
                     </a:ext>
                   </a:extLst>
                 </a:gridCol>
@@ -7596,14 +7613,14 @@
                     <a:p>
                       <a:pPr algn="l" fontAlgn="b"/>
                       <a:r>
-                        <a:rPr lang="es-ES" sz="1100" b="0" i="0" u="none" strike="noStrike" dirty="0" err="1">
+                        <a:rPr lang="es-ES" sz="1100" b="0" i="0" u="none" strike="noStrike" dirty="0" smtClean="0">
                           <a:solidFill>
                             <a:srgbClr val="000000"/>
                           </a:solidFill>
                           <a:effectLst/>
                           <a:latin typeface="Calibri"/>
                         </a:rPr>
-                        <a:t>Metodo</a:t>
+                        <a:t>Método</a:t>
                       </a:r>
                       <a:endParaRPr lang="es-ES" sz="1100" b="0" i="0" u="none" strike="noStrike" dirty="0">
                         <a:solidFill>
@@ -7623,15 +7640,22 @@
                     <a:p>
                       <a:pPr algn="l" fontAlgn="b"/>
                       <a:r>
-                        <a:rPr lang="es-ES" sz="1100" b="0" i="0" u="none" strike="noStrike">
+                        <a:rPr lang="es-ES" sz="1100" b="0" i="0" u="none" strike="noStrike" dirty="0" smtClean="0">
                           <a:solidFill>
                             <a:srgbClr val="000000"/>
                           </a:solidFill>
                           <a:effectLst/>
                           <a:latin typeface="Calibri"/>
                         </a:rPr>
-                        <a:t>Puntuacion</a:t>
+                        <a:t>Puntuación</a:t>
                       </a:r>
+                      <a:endParaRPr lang="es-ES" sz="1100" b="0" i="0" u="none" strike="noStrike" dirty="0">
+                        <a:solidFill>
+                          <a:srgbClr val="000000"/>
+                        </a:solidFill>
+                        <a:effectLst/>
+                        <a:latin typeface="Calibri"/>
+                      </a:endParaRPr>
                     </a:p>
                   </a:txBody>
                   <a:tcPr marL="9525" marR="9525" marT="9525" marB="0" anchor="b"/>
@@ -7678,11 +7702,38 @@
                 </a:tc>
                 <a:extLst>
                   <a:ext uri="{0D108BD9-81ED-4DB2-BD59-A6C34878D82A}">
-                    <a16:rowId xmlns:a16="http://schemas.microsoft.com/office/drawing/2014/main" val="10000"/>
+                    <a16:rowId xmlns:a16="http://schemas.microsoft.com/office/drawing/2014/main" xmlns="" val="10000"/>
                   </a:ext>
                 </a:extLst>
               </a:tr>
               <a:tr h="370840">
+                <a:tc>
+                  <a:txBody>
+                    <a:bodyPr/>
+                    <a:lstStyle/>
+                    <a:p>
+                      <a:pPr algn="l" fontAlgn="b"/>
+                      <a:r>
+                        <a:rPr lang="es-ES" sz="1100" b="0" i="0" u="none" strike="noStrike" dirty="0" smtClean="0">
+                          <a:solidFill>
+                            <a:srgbClr val="000000"/>
+                          </a:solidFill>
+                          <a:effectLst/>
+                          <a:latin typeface="Calibri"/>
+                        </a:rPr>
+                        <a:t>Regresión estocástico</a:t>
+                      </a:r>
+                      <a:endParaRPr lang="es-ES" sz="1100" b="0" i="0" u="none" strike="noStrike" dirty="0">
+                        <a:solidFill>
+                          <a:srgbClr val="000000"/>
+                        </a:solidFill>
+                        <a:effectLst/>
+                        <a:latin typeface="Calibri"/>
+                      </a:endParaRPr>
+                    </a:p>
+                  </a:txBody>
+                  <a:tcPr marL="9525" marR="9525" marT="9525" marB="0" anchor="b"/>
+                </a:tc>
                 <a:tc>
                   <a:txBody>
                     <a:bodyPr/>
@@ -7697,8 +7748,92 @@
                           <a:effectLst/>
                           <a:latin typeface="Calibri"/>
                         </a:rPr>
-                        <a:t>Regresion estocastico</a:t>
+                        <a:t>0.9710144927536232</a:t>
                       </a:r>
+                    </a:p>
+                  </a:txBody>
+                  <a:tcPr marL="9525" marR="9525" marT="9525" marB="0" anchor="b"/>
+                </a:tc>
+                <a:tc>
+                  <a:txBody>
+                    <a:bodyPr/>
+                    <a:lstStyle/>
+                    <a:p>
+                      <a:pPr algn="l" fontAlgn="b"/>
+                      <a:r>
+                        <a:rPr lang="es-ES" sz="1100" b="0" i="0" u="none" strike="noStrike" dirty="0">
+                          <a:solidFill>
+                            <a:srgbClr val="000000"/>
+                          </a:solidFill>
+                          <a:effectLst/>
+                          <a:latin typeface="Calibri"/>
+                        </a:rPr>
+                        <a:t>NO</a:t>
+                      </a:r>
+                    </a:p>
+                  </a:txBody>
+                  <a:tcPr marL="9525" marR="9525" marT="9525" marB="0" anchor="b"/>
+                </a:tc>
+                <a:tc>
+                  <a:txBody>
+                    <a:bodyPr/>
+                    <a:lstStyle/>
+                    <a:p>
+                      <a:pPr algn="l" fontAlgn="b"/>
+                      <a:r>
+                        <a:rPr lang="es-ES" sz="1100" b="0" i="0" u="none" strike="noStrike">
+                          <a:solidFill>
+                            <a:srgbClr val="000000"/>
+                          </a:solidFill>
+                          <a:effectLst/>
+                          <a:latin typeface="Calibri"/>
+                        </a:rPr>
+                        <a:t>NO</a:t>
+                      </a:r>
+                    </a:p>
+                  </a:txBody>
+                  <a:tcPr marL="9525" marR="9525" marT="9525" marB="0" anchor="b"/>
+                </a:tc>
+                <a:extLst>
+                  <a:ext uri="{0D108BD9-81ED-4DB2-BD59-A6C34878D82A}">
+                    <a16:rowId xmlns:a16="http://schemas.microsoft.com/office/drawing/2014/main" xmlns="" val="10001"/>
+                  </a:ext>
+                </a:extLst>
+              </a:tr>
+              <a:tr h="370840">
+                <a:tc>
+                  <a:txBody>
+                    <a:bodyPr/>
+                    <a:lstStyle/>
+                    <a:p>
+                      <a:pPr algn="l" fontAlgn="b"/>
+                      <a:r>
+                        <a:rPr lang="es-ES" sz="1100" b="0" i="0" u="none" strike="noStrike" dirty="0" smtClean="0">
+                          <a:solidFill>
+                            <a:srgbClr val="000000"/>
+                          </a:solidFill>
+                          <a:effectLst/>
+                          <a:latin typeface="Calibri"/>
+                        </a:rPr>
+                        <a:t>Regresión </a:t>
+                      </a:r>
+                      <a:r>
+                        <a:rPr lang="es-ES" sz="1100" b="0" i="0" u="none" strike="noStrike" dirty="0" err="1">
+                          <a:solidFill>
+                            <a:srgbClr val="000000"/>
+                          </a:solidFill>
+                          <a:effectLst/>
+                          <a:latin typeface="Calibri"/>
+                        </a:rPr>
+                        <a:t>batch</a:t>
+                      </a:r>
+                      <a:endParaRPr lang="es-ES" sz="1100" b="0" i="0" u="none" strike="noStrike" dirty="0">
+                        <a:solidFill>
+                          <a:srgbClr val="000000"/>
+                        </a:solidFill>
+                        <a:effectLst/>
+                        <a:latin typeface="Calibri"/>
+                      </a:endParaRPr>
                     </a:p>
                   </a:txBody>
                   <a:tcPr marL="9525" marR="9525" marT="9525" marB="0" anchor="b"/>
@@ -7765,7 +7900,7 @@
                 </a:tc>
                 <a:extLst>
                   <a:ext uri="{0D108BD9-81ED-4DB2-BD59-A6C34878D82A}">
-                    <a16:rowId xmlns:a16="http://schemas.microsoft.com/office/drawing/2014/main" val="10001"/>
+                    <a16:rowId xmlns:a16="http://schemas.microsoft.com/office/drawing/2014/main" xmlns="" val="10002"/>
                   </a:ext>
                 </a:extLst>
               </a:tr>
@@ -7777,102 +7912,32 @@
                     <a:p>
                       <a:pPr algn="l" fontAlgn="b"/>
                       <a:r>
-                        <a:rPr lang="es-ES" sz="1100" b="0" i="0" u="none" strike="noStrike">
+                        <a:rPr lang="es-ES" sz="1100" b="0" i="0" u="none" strike="noStrike" dirty="0">
                           <a:solidFill>
                             <a:srgbClr val="000000"/>
                           </a:solidFill>
                           <a:effectLst/>
                           <a:latin typeface="Calibri"/>
                         </a:rPr>
-                        <a:t>Regresion batch</a:t>
+                        <a:t>Maximizar </a:t>
                       </a:r>
-                    </a:p>
-                  </a:txBody>
-                  <a:tcPr marL="9525" marR="9525" marT="9525" marB="0" anchor="b"/>
-                </a:tc>
-                <a:tc>
-                  <a:txBody>
-                    <a:bodyPr/>
-                    <a:lstStyle/>
-                    <a:p>
-                      <a:pPr algn="l" fontAlgn="b"/>
                       <a:r>
-                        <a:rPr lang="es-ES" sz="1100" b="0" i="0" u="none" strike="noStrike">
+                        <a:rPr lang="es-ES" sz="1100" b="0" i="0" u="none" strike="noStrike" dirty="0" smtClean="0">
                           <a:solidFill>
                             <a:srgbClr val="000000"/>
                           </a:solidFill>
                           <a:effectLst/>
                           <a:latin typeface="Calibri"/>
                         </a:rPr>
-                        <a:t>0.9710144927536232</a:t>
+                        <a:t>estocástico</a:t>
                       </a:r>
-                    </a:p>
-                  </a:txBody>
-                  <a:tcPr marL="9525" marR="9525" marT="9525" marB="0" anchor="b"/>
-                </a:tc>
-                <a:tc>
-                  <a:txBody>
-                    <a:bodyPr/>
-                    <a:lstStyle/>
-                    <a:p>
-                      <a:pPr algn="l" fontAlgn="b"/>
-                      <a:r>
-                        <a:rPr lang="es-ES" sz="1100" b="0" i="0" u="none" strike="noStrike">
-                          <a:solidFill>
-                            <a:srgbClr val="000000"/>
-                          </a:solidFill>
-                          <a:effectLst/>
-                          <a:latin typeface="Calibri"/>
-                        </a:rPr>
-                        <a:t>NO</a:t>
-                      </a:r>
-                    </a:p>
-                  </a:txBody>
-                  <a:tcPr marL="9525" marR="9525" marT="9525" marB="0" anchor="b"/>
-                </a:tc>
-                <a:tc>
-                  <a:txBody>
-                    <a:bodyPr/>
-                    <a:lstStyle/>
-                    <a:p>
-                      <a:pPr algn="l" fontAlgn="b"/>
-                      <a:r>
-                        <a:rPr lang="es-ES" sz="1100" b="0" i="0" u="none" strike="noStrike">
-                          <a:solidFill>
-                            <a:srgbClr val="000000"/>
-                          </a:solidFill>
-                          <a:effectLst/>
-                          <a:latin typeface="Calibri"/>
-                        </a:rPr>
-                        <a:t>NO</a:t>
-                      </a:r>
-                    </a:p>
-                  </a:txBody>
-                  <a:tcPr marL="9525" marR="9525" marT="9525" marB="0" anchor="b"/>
-                </a:tc>
-                <a:extLst>
-                  <a:ext uri="{0D108BD9-81ED-4DB2-BD59-A6C34878D82A}">
-                    <a16:rowId xmlns:a16="http://schemas.microsoft.com/office/drawing/2014/main" val="10002"/>
-                  </a:ext>
-                </a:extLst>
-              </a:tr>
-              <a:tr h="370840">
-                <a:tc>
-                  <a:txBody>
-                    <a:bodyPr/>
-                    <a:lstStyle/>
-                    <a:p>
-                      <a:pPr algn="l" fontAlgn="b"/>
-                      <a:r>
-                        <a:rPr lang="es-ES" sz="1100" b="0" i="0" u="none" strike="noStrike">
-                          <a:solidFill>
-                            <a:srgbClr val="000000"/>
-                          </a:solidFill>
-                          <a:effectLst/>
-                          <a:latin typeface="Calibri"/>
-                        </a:rPr>
-                        <a:t>Maximizar estocastico</a:t>
-                      </a:r>
+                      <a:endParaRPr lang="es-ES" sz="1100" b="0" i="0" u="none" strike="noStrike" dirty="0">
+                        <a:solidFill>
+                          <a:srgbClr val="000000"/>
+                        </a:solidFill>
+                        <a:effectLst/>
+                        <a:latin typeface="Calibri"/>
+                      </a:endParaRPr>
                     </a:p>
                   </a:txBody>
                   <a:tcPr marL="9525" marR="9525" marT="9525" marB="0" anchor="b"/>
@@ -7939,7 +8004,7 @@
                 </a:tc>
                 <a:extLst>
                   <a:ext uri="{0D108BD9-81ED-4DB2-BD59-A6C34878D82A}">
-                    <a16:rowId xmlns:a16="http://schemas.microsoft.com/office/drawing/2014/main" val="10003"/>
+                    <a16:rowId xmlns:a16="http://schemas.microsoft.com/office/drawing/2014/main" xmlns="" val="10003"/>
                   </a:ext>
                 </a:extLst>
               </a:tr>
@@ -7951,15 +8016,22 @@
                     <a:p>
                       <a:pPr algn="l" fontAlgn="b"/>
                       <a:r>
-                        <a:rPr lang="es-ES" sz="1100" b="0" i="0" u="none" strike="noStrike">
+                        <a:rPr lang="es-ES" sz="1100" b="0" i="0" u="none" strike="noStrike" dirty="0" smtClean="0">
                           <a:solidFill>
                             <a:srgbClr val="000000"/>
                           </a:solidFill>
                           <a:effectLst/>
                           <a:latin typeface="Calibri"/>
                         </a:rPr>
-                        <a:t>Regresion estocastico</a:t>
+                        <a:t>Regresión estocástico</a:t>
                       </a:r>
+                      <a:endParaRPr lang="es-ES" sz="1100" b="0" i="0" u="none" strike="noStrike" dirty="0">
+                        <a:solidFill>
+                          <a:srgbClr val="000000"/>
+                        </a:solidFill>
+                        <a:effectLst/>
+                        <a:latin typeface="Calibri"/>
+                      </a:endParaRPr>
                     </a:p>
                   </a:txBody>
                   <a:tcPr marL="9525" marR="9525" marT="9525" marB="0" anchor="b"/>
@@ -8026,7 +8098,7 @@
                 </a:tc>
                 <a:extLst>
                   <a:ext uri="{0D108BD9-81ED-4DB2-BD59-A6C34878D82A}">
-                    <a16:rowId xmlns:a16="http://schemas.microsoft.com/office/drawing/2014/main" val="10004"/>
+                    <a16:rowId xmlns:a16="http://schemas.microsoft.com/office/drawing/2014/main" xmlns="" val="10004"/>
                   </a:ext>
                 </a:extLst>
               </a:tr>
@@ -8038,15 +8110,32 @@
                     <a:p>
                       <a:pPr algn="l" fontAlgn="b"/>
                       <a:r>
-                        <a:rPr lang="es-ES" sz="1100" b="0" i="0" u="none" strike="noStrike">
+                        <a:rPr lang="es-ES" sz="1100" b="0" i="0" u="none" strike="noStrike" dirty="0" smtClean="0">
                           <a:solidFill>
                             <a:srgbClr val="000000"/>
                           </a:solidFill>
                           <a:effectLst/>
                           <a:latin typeface="Calibri"/>
                         </a:rPr>
-                        <a:t>Regresion batch</a:t>
+                        <a:t>Regresión </a:t>
                       </a:r>
+                      <a:r>
+                        <a:rPr lang="es-ES" sz="1100" b="0" i="0" u="none" strike="noStrike" dirty="0" err="1">
+                          <a:solidFill>
+                            <a:srgbClr val="000000"/>
+                          </a:solidFill>
+                          <a:effectLst/>
+                          <a:latin typeface="Calibri"/>
+                        </a:rPr>
+                        <a:t>batch</a:t>
+                      </a:r>
+                      <a:endParaRPr lang="es-ES" sz="1100" b="0" i="0" u="none" strike="noStrike" dirty="0">
+                        <a:solidFill>
+                          <a:srgbClr val="000000"/>
+                        </a:solidFill>
+                        <a:effectLst/>
+                        <a:latin typeface="Calibri"/>
+                      </a:endParaRPr>
                     </a:p>
                   </a:txBody>
                   <a:tcPr marL="9525" marR="9525" marT="9525" marB="0" anchor="b"/>
@@ -8113,7 +8202,7 @@
                 </a:tc>
                 <a:extLst>
                   <a:ext uri="{0D108BD9-81ED-4DB2-BD59-A6C34878D82A}">
-                    <a16:rowId xmlns:a16="http://schemas.microsoft.com/office/drawing/2014/main" val="10005"/>
+                    <a16:rowId xmlns:a16="http://schemas.microsoft.com/office/drawing/2014/main" xmlns="" val="10005"/>
                   </a:ext>
                 </a:extLst>
               </a:tr>
@@ -8125,15 +8214,32 @@
                     <a:p>
                       <a:pPr algn="l" fontAlgn="b"/>
                       <a:r>
-                        <a:rPr lang="es-ES" sz="1100" b="0" i="0" u="none" strike="noStrike">
+                        <a:rPr lang="es-ES" sz="1100" b="0" i="0" u="none" strike="noStrike" dirty="0">
                           <a:solidFill>
                             <a:srgbClr val="000000"/>
                           </a:solidFill>
                           <a:effectLst/>
                           <a:latin typeface="Calibri"/>
                         </a:rPr>
-                        <a:t>Maximizar estocastico</a:t>
+                        <a:t>Maximizar </a:t>
                       </a:r>
+                      <a:r>
+                        <a:rPr lang="es-ES" sz="1100" b="0" i="0" u="none" strike="noStrike" dirty="0" smtClean="0">
+                          <a:solidFill>
+                            <a:srgbClr val="000000"/>
+                          </a:solidFill>
+                          <a:effectLst/>
+                          <a:latin typeface="Calibri"/>
+                        </a:rPr>
+                        <a:t>estocástico</a:t>
+                      </a:r>
+                      <a:endParaRPr lang="es-ES" sz="1100" b="0" i="0" u="none" strike="noStrike" dirty="0">
+                        <a:solidFill>
+                          <a:srgbClr val="000000"/>
+                        </a:solidFill>
+                        <a:effectLst/>
+                        <a:latin typeface="Calibri"/>
+                      </a:endParaRPr>
                     </a:p>
                   </a:txBody>
                   <a:tcPr marL="9525" marR="9525" marT="9525" marB="0" anchor="b"/>
@@ -8200,7 +8306,7 @@
                 </a:tc>
                 <a:extLst>
                   <a:ext uri="{0D108BD9-81ED-4DB2-BD59-A6C34878D82A}">
-                    <a16:rowId xmlns:a16="http://schemas.microsoft.com/office/drawing/2014/main" val="10006"/>
+                    <a16:rowId xmlns:a16="http://schemas.microsoft.com/office/drawing/2014/main" xmlns="" val="10006"/>
                   </a:ext>
                 </a:extLst>
               </a:tr>
@@ -8287,7 +8393,7 @@
                 </a:tc>
                 <a:extLst>
                   <a:ext uri="{0D108BD9-81ED-4DB2-BD59-A6C34878D82A}">
-                    <a16:rowId xmlns:a16="http://schemas.microsoft.com/office/drawing/2014/main" val="10007"/>
+                    <a16:rowId xmlns:a16="http://schemas.microsoft.com/office/drawing/2014/main" xmlns="" val="10007"/>
                   </a:ext>
                 </a:extLst>
               </a:tr>
@@ -8299,15 +8405,22 @@
                     <a:p>
                       <a:pPr algn="l" fontAlgn="b"/>
                       <a:r>
-                        <a:rPr lang="es-ES" sz="1100" b="0" i="0" u="none" strike="noStrike">
+                        <a:rPr lang="es-ES" sz="1100" b="0" i="0" u="none" strike="noStrike" dirty="0" smtClean="0">
                           <a:solidFill>
                             <a:srgbClr val="000000"/>
                           </a:solidFill>
                           <a:effectLst/>
                           <a:latin typeface="Calibri"/>
                         </a:rPr>
-                        <a:t>Regresion estocastico</a:t>
+                        <a:t>Regresión estocástico</a:t>
                       </a:r>
+                      <a:endParaRPr lang="es-ES" sz="1100" b="0" i="0" u="none" strike="noStrike" dirty="0">
+                        <a:solidFill>
+                          <a:srgbClr val="000000"/>
+                        </a:solidFill>
+                        <a:effectLst/>
+                        <a:latin typeface="Calibri"/>
+                      </a:endParaRPr>
                     </a:p>
                   </a:txBody>
                   <a:tcPr marL="9525" marR="9525" marT="9525" marB="0" anchor="b"/>
@@ -8374,7 +8487,7 @@
                 </a:tc>
                 <a:extLst>
                   <a:ext uri="{0D108BD9-81ED-4DB2-BD59-A6C34878D82A}">
-                    <a16:rowId xmlns:a16="http://schemas.microsoft.com/office/drawing/2014/main" val="10008"/>
+                    <a16:rowId xmlns:a16="http://schemas.microsoft.com/office/drawing/2014/main" xmlns="" val="10008"/>
                   </a:ext>
                 </a:extLst>
               </a:tr>
@@ -8386,15 +8499,32 @@
                     <a:p>
                       <a:pPr algn="l" fontAlgn="b"/>
                       <a:r>
-                        <a:rPr lang="es-ES" sz="1100" b="0" i="0" u="none" strike="noStrike">
+                        <a:rPr lang="es-ES" sz="1100" b="0" i="0" u="none" strike="noStrike" dirty="0" smtClean="0">
                           <a:solidFill>
                             <a:srgbClr val="000000"/>
                           </a:solidFill>
                           <a:effectLst/>
                           <a:latin typeface="Calibri"/>
                         </a:rPr>
-                        <a:t>Regresion batch</a:t>
+                        <a:t>Regresión </a:t>
                       </a:r>
+                      <a:r>
+                        <a:rPr lang="es-ES" sz="1100" b="0" i="0" u="none" strike="noStrike" dirty="0" err="1">
+                          <a:solidFill>
+                            <a:srgbClr val="000000"/>
+                          </a:solidFill>
+                          <a:effectLst/>
+                          <a:latin typeface="Calibri"/>
+                        </a:rPr>
+                        <a:t>batch</a:t>
+                      </a:r>
+                      <a:endParaRPr lang="es-ES" sz="1100" b="0" i="0" u="none" strike="noStrike" dirty="0">
+                        <a:solidFill>
+                          <a:srgbClr val="000000"/>
+                        </a:solidFill>
+                        <a:effectLst/>
+                        <a:latin typeface="Calibri"/>
+                      </a:endParaRPr>
                     </a:p>
                   </a:txBody>
                   <a:tcPr marL="9525" marR="9525" marT="9525" marB="0" anchor="b"/>
@@ -8461,7 +8591,7 @@
                 </a:tc>
                 <a:extLst>
                   <a:ext uri="{0D108BD9-81ED-4DB2-BD59-A6C34878D82A}">
-                    <a16:rowId xmlns:a16="http://schemas.microsoft.com/office/drawing/2014/main" val="10009"/>
+                    <a16:rowId xmlns:a16="http://schemas.microsoft.com/office/drawing/2014/main" xmlns="" val="10009"/>
                   </a:ext>
                 </a:extLst>
               </a:tr>
@@ -8561,7 +8691,7 @@
           <p:nvPr>
             <p:extLst>
               <p:ext uri="{D42A27DB-BD31-4B8C-83A1-F6EECF244321}">
-                <p14:modId xmlns:p14="http://schemas.microsoft.com/office/powerpoint/2010/main" val="92927140"/>
+                <p14:modId xmlns:p14="http://schemas.microsoft.com/office/powerpoint/2010/main" val="3017814655"/>
               </p:ext>
             </p:extLst>
           </p:nvPr>
@@ -8580,28 +8710,28 @@
                 <a:gridCol w="1524000">
                   <a:extLst>
                     <a:ext uri="{9D8B030D-6E8A-4147-A177-3AD203B41FA5}">
-                      <a16:colId xmlns:a16="http://schemas.microsoft.com/office/drawing/2014/main" val="20000"/>
+                      <a16:colId xmlns:a16="http://schemas.microsoft.com/office/drawing/2014/main" xmlns="" val="20000"/>
                     </a:ext>
                   </a:extLst>
                 </a:gridCol>
                 <a:gridCol w="1524000">
                   <a:extLst>
                     <a:ext uri="{9D8B030D-6E8A-4147-A177-3AD203B41FA5}">
-                      <a16:colId xmlns:a16="http://schemas.microsoft.com/office/drawing/2014/main" val="20001"/>
+                      <a16:colId xmlns:a16="http://schemas.microsoft.com/office/drawing/2014/main" xmlns="" val="20001"/>
                     </a:ext>
                   </a:extLst>
                 </a:gridCol>
                 <a:gridCol w="1524000">
                   <a:extLst>
                     <a:ext uri="{9D8B030D-6E8A-4147-A177-3AD203B41FA5}">
-                      <a16:colId xmlns:a16="http://schemas.microsoft.com/office/drawing/2014/main" val="20002"/>
+                      <a16:colId xmlns:a16="http://schemas.microsoft.com/office/drawing/2014/main" xmlns="" val="20002"/>
                     </a:ext>
                   </a:extLst>
                 </a:gridCol>
                 <a:gridCol w="1524000">
                   <a:extLst>
                     <a:ext uri="{9D8B030D-6E8A-4147-A177-3AD203B41FA5}">
-                      <a16:colId xmlns:a16="http://schemas.microsoft.com/office/drawing/2014/main" val="20003"/>
+                      <a16:colId xmlns:a16="http://schemas.microsoft.com/office/drawing/2014/main" xmlns="" val="20003"/>
                     </a:ext>
                   </a:extLst>
                 </a:gridCol>
@@ -8614,14 +8744,14 @@
                     <a:p>
                       <a:pPr algn="l" fontAlgn="b"/>
                       <a:r>
-                        <a:rPr lang="es-ES" sz="1100" b="0" i="0" u="none" strike="noStrike" dirty="0" err="1">
+                        <a:rPr lang="es-ES" sz="1100" b="0" i="0" u="none" strike="noStrike" dirty="0" smtClean="0">
                           <a:solidFill>
                             <a:srgbClr val="000000"/>
                           </a:solidFill>
                           <a:effectLst/>
                           <a:latin typeface="Calibri"/>
                         </a:rPr>
-                        <a:t>Metodo</a:t>
+                        <a:t>Método</a:t>
                       </a:r>
                       <a:endParaRPr lang="es-ES" sz="1100" b="0" i="0" u="none" strike="noStrike" dirty="0">
                         <a:solidFill>
@@ -8641,14 +8771,14 @@
                     <a:p>
                       <a:pPr algn="l" fontAlgn="b"/>
                       <a:r>
-                        <a:rPr lang="es-ES" sz="1100" b="0" i="0" u="none" strike="noStrike" dirty="0" err="1">
+                        <a:rPr lang="es-ES" sz="1100" b="0" i="0" u="none" strike="noStrike" dirty="0" smtClean="0">
                           <a:solidFill>
                             <a:srgbClr val="000000"/>
                           </a:solidFill>
                           <a:effectLst/>
                           <a:latin typeface="Calibri"/>
                         </a:rPr>
-                        <a:t>Puntuacion</a:t>
+                        <a:t>Puntuación</a:t>
                       </a:r>
                       <a:endParaRPr lang="es-ES" sz="1100" b="0" i="0" u="none" strike="noStrike" dirty="0">
                         <a:solidFill>
@@ -8703,7 +8833,7 @@
                 </a:tc>
                 <a:extLst>
                   <a:ext uri="{0D108BD9-81ED-4DB2-BD59-A6C34878D82A}">
-                    <a16:rowId xmlns:a16="http://schemas.microsoft.com/office/drawing/2014/main" val="10000"/>
+                    <a16:rowId xmlns:a16="http://schemas.microsoft.com/office/drawing/2014/main" xmlns="" val="10000"/>
                   </a:ext>
                 </a:extLst>
               </a:tr>
@@ -8725,14 +8855,14 @@
                         <a:t>Maximizar </a:t>
                       </a:r>
                       <a:r>
-                        <a:rPr lang="es-ES" sz="1100" b="0" i="0" u="none" strike="noStrike" dirty="0" err="1">
+                        <a:rPr lang="es-ES" sz="1100" b="0" i="0" u="none" strike="noStrike" dirty="0" smtClean="0">
                           <a:solidFill>
                             <a:srgbClr val="000000"/>
                           </a:solidFill>
                           <a:effectLst/>
                           <a:latin typeface="Calibri"/>
                         </a:rPr>
-                        <a:t>estocastico</a:t>
+                        <a:t>estocástico</a:t>
                       </a:r>
                       <a:endParaRPr lang="es-ES" sz="1100" b="0" i="0" u="none" strike="noStrike" dirty="0">
                         <a:solidFill>
@@ -8807,7 +8937,7 @@
                 </a:tc>
                 <a:extLst>
                   <a:ext uri="{0D108BD9-81ED-4DB2-BD59-A6C34878D82A}">
-                    <a16:rowId xmlns:a16="http://schemas.microsoft.com/office/drawing/2014/main" val="10001"/>
+                    <a16:rowId xmlns:a16="http://schemas.microsoft.com/office/drawing/2014/main" xmlns="" val="10001"/>
                   </a:ext>
                 </a:extLst>
               </a:tr>
@@ -8894,7 +9024,7 @@
                 </a:tc>
                 <a:extLst>
                   <a:ext uri="{0D108BD9-81ED-4DB2-BD59-A6C34878D82A}">
-                    <a16:rowId xmlns:a16="http://schemas.microsoft.com/office/drawing/2014/main" val="10002"/>
+                    <a16:rowId xmlns:a16="http://schemas.microsoft.com/office/drawing/2014/main" xmlns="" val="10002"/>
                   </a:ext>
                 </a:extLst>
               </a:tr>
@@ -8906,15 +9036,32 @@
                     <a:p>
                       <a:pPr algn="l" fontAlgn="b"/>
                       <a:r>
-                        <a:rPr lang="es-ES" sz="1100" b="0" i="0" u="none" strike="noStrike">
+                        <a:rPr lang="es-ES" sz="1100" b="0" i="0" u="none" strike="noStrike" dirty="0" err="1" smtClean="0">
                           <a:solidFill>
                             <a:srgbClr val="000000"/>
                           </a:solidFill>
                           <a:effectLst/>
                           <a:latin typeface="Calibri"/>
                         </a:rPr>
-                        <a:t>Preceptron estocastico</a:t>
+                        <a:t>Preceptrón</a:t>
                       </a:r>
+                      <a:r>
+                        <a:rPr lang="es-ES" sz="1100" b="0" i="0" u="none" strike="noStrike" dirty="0" smtClean="0">
+                          <a:solidFill>
+                            <a:srgbClr val="000000"/>
+                          </a:solidFill>
+                          <a:effectLst/>
+                          <a:latin typeface="Calibri"/>
+                        </a:rPr>
+                        <a:t> estocástico</a:t>
+                      </a:r>
+                      <a:endParaRPr lang="es-ES" sz="1100" b="0" i="0" u="none" strike="noStrike" dirty="0">
+                        <a:solidFill>
+                          <a:srgbClr val="000000"/>
+                        </a:solidFill>
+                        <a:effectLst/>
+                        <a:latin typeface="Calibri"/>
+                      </a:endParaRPr>
                     </a:p>
                   </a:txBody>
                   <a:tcPr marL="9525" marR="9525" marT="9525" marB="0" anchor="b"/>
@@ -8981,7 +9128,7 @@
                 </a:tc>
                 <a:extLst>
                   <a:ext uri="{0D108BD9-81ED-4DB2-BD59-A6C34878D82A}">
-                    <a16:rowId xmlns:a16="http://schemas.microsoft.com/office/drawing/2014/main" val="10003"/>
+                    <a16:rowId xmlns:a16="http://schemas.microsoft.com/office/drawing/2014/main" xmlns="" val="10003"/>
                   </a:ext>
                 </a:extLst>
               </a:tr>
@@ -8993,15 +9140,32 @@
                     <a:p>
                       <a:pPr algn="l" fontAlgn="b"/>
                       <a:r>
-                        <a:rPr lang="es-ES" sz="1100" b="0" i="0" u="none" strike="noStrike">
+                        <a:rPr lang="es-ES" sz="1100" b="0" i="0" u="none" strike="noStrike" dirty="0" err="1" smtClean="0">
                           <a:solidFill>
                             <a:srgbClr val="000000"/>
                           </a:solidFill>
                           <a:effectLst/>
                           <a:latin typeface="Calibri"/>
                         </a:rPr>
-                        <a:t>Preceptron estocastico</a:t>
+                        <a:t>Preceptrón</a:t>
                       </a:r>
+                      <a:r>
+                        <a:rPr lang="es-ES" sz="1100" b="0" i="0" u="none" strike="noStrike" dirty="0" smtClean="0">
+                          <a:solidFill>
+                            <a:srgbClr val="000000"/>
+                          </a:solidFill>
+                          <a:effectLst/>
+                          <a:latin typeface="Calibri"/>
+                        </a:rPr>
+                        <a:t> estocástico</a:t>
+                      </a:r>
+                      <a:endParaRPr lang="es-ES" sz="1100" b="0" i="0" u="none" strike="noStrike" dirty="0">
+                        <a:solidFill>
+                          <a:srgbClr val="000000"/>
+                        </a:solidFill>
+                        <a:effectLst/>
+                        <a:latin typeface="Calibri"/>
+                      </a:endParaRPr>
                     </a:p>
                   </a:txBody>
                   <a:tcPr marL="9525" marR="9525" marT="9525" marB="0" anchor="b"/>
@@ -9068,7 +9232,7 @@
                 </a:tc>
                 <a:extLst>
                   <a:ext uri="{0D108BD9-81ED-4DB2-BD59-A6C34878D82A}">
-                    <a16:rowId xmlns:a16="http://schemas.microsoft.com/office/drawing/2014/main" val="10004"/>
+                    <a16:rowId xmlns:a16="http://schemas.microsoft.com/office/drawing/2014/main" xmlns="" val="10004"/>
                   </a:ext>
                 </a:extLst>
               </a:tr>
@@ -9080,15 +9244,32 @@
                     <a:p>
                       <a:pPr algn="l" fontAlgn="b"/>
                       <a:r>
-                        <a:rPr lang="es-ES" sz="1100" b="0" i="0" u="none" strike="noStrike">
+                        <a:rPr lang="es-ES" sz="1100" b="0" i="0" u="none" strike="noStrike" dirty="0" err="1" smtClean="0">
                           <a:solidFill>
                             <a:srgbClr val="000000"/>
                           </a:solidFill>
                           <a:effectLst/>
                           <a:latin typeface="Calibri"/>
                         </a:rPr>
-                        <a:t>Preceptron estocastico</a:t>
+                        <a:t>Preceptrón</a:t>
                       </a:r>
+                      <a:r>
+                        <a:rPr lang="es-ES" sz="1100" b="0" i="0" u="none" strike="noStrike" dirty="0" smtClean="0">
+                          <a:solidFill>
+                            <a:srgbClr val="000000"/>
+                          </a:solidFill>
+                          <a:effectLst/>
+                          <a:latin typeface="Calibri"/>
+                        </a:rPr>
+                        <a:t> estocástico</a:t>
+                      </a:r>
+                      <a:endParaRPr lang="es-ES" sz="1100" b="0" i="0" u="none" strike="noStrike" dirty="0">
+                        <a:solidFill>
+                          <a:srgbClr val="000000"/>
+                        </a:solidFill>
+                        <a:effectLst/>
+                        <a:latin typeface="Calibri"/>
+                      </a:endParaRPr>
                     </a:p>
                   </a:txBody>
                   <a:tcPr marL="9525" marR="9525" marT="9525" marB="0" anchor="b"/>
@@ -9155,7 +9336,7 @@
                 </a:tc>
                 <a:extLst>
                   <a:ext uri="{0D108BD9-81ED-4DB2-BD59-A6C34878D82A}">
-                    <a16:rowId xmlns:a16="http://schemas.microsoft.com/office/drawing/2014/main" val="10005"/>
+                    <a16:rowId xmlns:a16="http://schemas.microsoft.com/office/drawing/2014/main" xmlns="" val="10005"/>
                   </a:ext>
                 </a:extLst>
               </a:tr>
@@ -9167,15 +9348,32 @@
                     <a:p>
                       <a:pPr algn="l" fontAlgn="b"/>
                       <a:r>
-                        <a:rPr lang="es-ES" sz="1100" b="0" i="0" u="none" strike="noStrike">
+                        <a:rPr lang="es-ES" sz="1100" b="0" i="0" u="none" strike="noStrike" dirty="0" err="1" smtClean="0">
                           <a:solidFill>
                             <a:srgbClr val="000000"/>
                           </a:solidFill>
                           <a:effectLst/>
                           <a:latin typeface="Calibri"/>
                         </a:rPr>
-                        <a:t>Preceptron estocastico</a:t>
+                        <a:t>Preceptrón</a:t>
                       </a:r>
+                      <a:r>
+                        <a:rPr lang="es-ES" sz="1100" b="0" i="0" u="none" strike="noStrike" dirty="0" smtClean="0">
+                          <a:solidFill>
+                            <a:srgbClr val="000000"/>
+                          </a:solidFill>
+                          <a:effectLst/>
+                          <a:latin typeface="Calibri"/>
+                        </a:rPr>
+                        <a:t> estocástico</a:t>
+                      </a:r>
+                      <a:endParaRPr lang="es-ES" sz="1100" b="0" i="0" u="none" strike="noStrike" dirty="0">
+                        <a:solidFill>
+                          <a:srgbClr val="000000"/>
+                        </a:solidFill>
+                        <a:effectLst/>
+                        <a:latin typeface="Calibri"/>
+                      </a:endParaRPr>
                     </a:p>
                   </a:txBody>
                   <a:tcPr marL="9525" marR="9525" marT="9525" marB="0" anchor="b"/>
@@ -9242,7 +9440,7 @@
                 </a:tc>
                 <a:extLst>
                   <a:ext uri="{0D108BD9-81ED-4DB2-BD59-A6C34878D82A}">
-                    <a16:rowId xmlns:a16="http://schemas.microsoft.com/office/drawing/2014/main" val="10006"/>
+                    <a16:rowId xmlns:a16="http://schemas.microsoft.com/office/drawing/2014/main" xmlns="" val="10006"/>
                   </a:ext>
                 </a:extLst>
               </a:tr>
@@ -9329,7 +9527,7 @@
                 </a:tc>
                 <a:extLst>
                   <a:ext uri="{0D108BD9-81ED-4DB2-BD59-A6C34878D82A}">
-                    <a16:rowId xmlns:a16="http://schemas.microsoft.com/office/drawing/2014/main" val="10007"/>
+                    <a16:rowId xmlns:a16="http://schemas.microsoft.com/office/drawing/2014/main" xmlns="" val="10007"/>
                   </a:ext>
                 </a:extLst>
               </a:tr>
@@ -9416,7 +9614,7 @@
                 </a:tc>
                 <a:extLst>
                   <a:ext uri="{0D108BD9-81ED-4DB2-BD59-A6C34878D82A}">
-                    <a16:rowId xmlns:a16="http://schemas.microsoft.com/office/drawing/2014/main" val="10008"/>
+                    <a16:rowId xmlns:a16="http://schemas.microsoft.com/office/drawing/2014/main" xmlns="" val="10008"/>
                   </a:ext>
                 </a:extLst>
               </a:tr>
@@ -9864,7 +10062,7 @@
       </p:sp>
       <p:pic>
         <p:nvPicPr>
-          <p:cNvPr id="13314" name="Picture 2" descr="D:\universidad\mc\aia-1718-t3\pruebas\votos\regresionestosinsinmagnitud.png"/>
+          <p:cNvPr id="2050" name="Picture 2" descr="F:\Master\IA\Trabajos\aia-1718-t3\pruebas\votos\regresionestoconcon.png"/>
           <p:cNvPicPr>
             <a:picLocks noChangeAspect="1" noChangeArrowheads="1"/>
           </p:cNvPicPr>
@@ -9885,8 +10083,8 @@
         </p:blipFill>
         <p:spPr bwMode="auto">
           <a:xfrm>
-            <a:off x="539552" y="2680440"/>
-            <a:ext cx="3739672" cy="2805261"/>
+            <a:off x="467544" y="2852936"/>
+            <a:ext cx="3888484" cy="2916890"/>
           </a:xfrm>
           <a:prstGeom prst="rect">
             <a:avLst/>
@@ -9905,7 +10103,7 @@
       </p:pic>
       <p:pic>
         <p:nvPicPr>
-          <p:cNvPr id="13315" name="Picture 3" descr="D:\universidad\mc\aia-1718-t3\pruebas\votos\verosimilitudestosinconmagnitud.png"/>
+          <p:cNvPr id="2051" name="Picture 3" descr="F:\Master\IA\Trabajos\aia-1718-t3\pruebas\votos\verosimilitudestoconcon.png"/>
           <p:cNvPicPr>
             <a:picLocks noChangeAspect="1" noChangeArrowheads="1"/>
           </p:cNvPicPr>
@@ -9926,8 +10124,8 @@
         </p:blipFill>
         <p:spPr bwMode="auto">
           <a:xfrm>
-            <a:off x="5048443" y="2786692"/>
-            <a:ext cx="3456384" cy="2592758"/>
+            <a:off x="4860032" y="2800738"/>
+            <a:ext cx="4027652" cy="3021286"/>
           </a:xfrm>
           <a:prstGeom prst="rect">
             <a:avLst/>
@@ -11192,48 +11390,31 @@
             <p:ph idx="1"/>
           </p:nvPr>
         </p:nvSpPr>
-        <p:spPr>
-          <a:xfrm>
-            <a:off x="457200" y="1481328"/>
-            <a:ext cx="8229600" cy="4755984"/>
-          </a:xfrm>
-        </p:spPr>
-        <p:txBody>
-          <a:bodyPr>
-            <a:normAutofit/>
-          </a:bodyPr>
-          <a:lstStyle/>
-          <a:p>
-            <a:r>
-              <a:rPr lang="es-ES" dirty="0"/>
-              <a:t>Una excepción a todo lo dicho es la maximización </a:t>
-            </a:r>
-            <a:r>
-              <a:rPr lang="es-ES" dirty="0" err="1"/>
-              <a:t>batch</a:t>
-            </a:r>
-            <a:r>
-              <a:rPr lang="es-ES" dirty="0"/>
-              <a:t> con decaimiento.</a:t>
-            </a:r>
-          </a:p>
-          <a:p>
+        <p:spPr/>
+        <p:txBody>
+          <a:bodyPr/>
+          <a:lstStyle/>
+          <a:p>
+            <a:r>
+              <a:rPr lang="es-ES" dirty="0" smtClean="0"/>
+              <a:t>Con el </a:t>
+            </a:r>
+            <a:r>
+              <a:rPr lang="es-ES" dirty="0" err="1" smtClean="0"/>
+              <a:t>perceptrón</a:t>
+            </a:r>
+            <a:r>
+              <a:rPr lang="es-ES" dirty="0" smtClean="0"/>
+              <a:t> vemos qu</a:t>
+            </a:r>
+            <a:r>
+              <a:rPr lang="es-ES" dirty="0" smtClean="0"/>
+              <a:t>e el aprendizaje es errático pero acaba convergiendo.</a:t>
+            </a:r>
             <a:endParaRPr lang="es-ES" dirty="0"/>
           </a:p>
           <a:p>
-            <a:r>
-              <a:rPr lang="es-ES" dirty="0"/>
-              <a:t>Por alguna razón empeora mucho y no converge dando pesos muy elevados y malos.</a:t>
-            </a:r>
-          </a:p>
-          <a:p>
             <a:endParaRPr lang="es-ES" dirty="0"/>
-          </a:p>
-          <a:p>
-            <a:r>
-              <a:rPr lang="es-ES" dirty="0"/>
-              <a:t>Es probable que se deba a algún error de la implementación que no hemos sido capaces de detectar.</a:t>
-            </a:r>
           </a:p>
         </p:txBody>
       </p:sp>
@@ -11268,10 +11449,200 @@
           </a:p>
         </p:txBody>
       </p:sp>
+      <p:sp>
+        <p:nvSpPr>
+          <p:cNvPr id="5" name="4 CuadroTexto"/>
+          <p:cNvSpPr txBox="1"/>
+          <p:nvPr/>
+        </p:nvSpPr>
+        <p:spPr>
+          <a:xfrm>
+            <a:off x="1422063" y="5185550"/>
+            <a:ext cx="1904689" cy="923330"/>
+          </a:xfrm>
+          <a:prstGeom prst="rect">
+            <a:avLst/>
+          </a:prstGeom>
+          <a:noFill/>
+        </p:spPr>
+        <p:txBody>
+          <a:bodyPr wrap="none" rtlCol="0">
+            <a:spAutoFit/>
+          </a:bodyPr>
+          <a:lstStyle/>
+          <a:p>
+            <a:pPr marL="285750" indent="-285750">
+              <a:buFont typeface="Arial" panose="020B0604020202020204" pitchFamily="34" charset="0"/>
+              <a:buChar char="•"/>
+            </a:pPr>
+            <a:r>
+              <a:rPr lang="es-ES" dirty="0"/>
+              <a:t>Estocástico</a:t>
+            </a:r>
+          </a:p>
+          <a:p>
+            <a:pPr marL="285750" indent="-285750">
+              <a:buFont typeface="Arial" panose="020B0604020202020204" pitchFamily="34" charset="0"/>
+              <a:buChar char="•"/>
+            </a:pPr>
+            <a:r>
+              <a:rPr lang="es-ES" dirty="0" smtClean="0"/>
+              <a:t>Normalizado</a:t>
+            </a:r>
+            <a:endParaRPr lang="es-ES" dirty="0"/>
+          </a:p>
+          <a:p>
+            <a:pPr marL="285750" indent="-285750">
+              <a:buFont typeface="Arial" panose="020B0604020202020204" pitchFamily="34" charset="0"/>
+              <a:buChar char="•"/>
+            </a:pPr>
+            <a:r>
+              <a:rPr lang="es-ES" dirty="0"/>
+              <a:t>Sin deprecar</a:t>
+            </a:r>
+          </a:p>
+        </p:txBody>
+      </p:sp>
+      <p:sp>
+        <p:nvSpPr>
+          <p:cNvPr id="8" name="7 CuadroTexto"/>
+          <p:cNvSpPr txBox="1"/>
+          <p:nvPr/>
+        </p:nvSpPr>
+        <p:spPr>
+          <a:xfrm>
+            <a:off x="5854991" y="5245224"/>
+            <a:ext cx="1904689" cy="923330"/>
+          </a:xfrm>
+          <a:prstGeom prst="rect">
+            <a:avLst/>
+          </a:prstGeom>
+          <a:noFill/>
+        </p:spPr>
+        <p:txBody>
+          <a:bodyPr wrap="none" rtlCol="0">
+            <a:spAutoFit/>
+          </a:bodyPr>
+          <a:lstStyle/>
+          <a:p>
+            <a:pPr marL="285750" indent="-285750">
+              <a:buFont typeface="Arial" panose="020B0604020202020204" pitchFamily="34" charset="0"/>
+              <a:buChar char="•"/>
+            </a:pPr>
+            <a:r>
+              <a:rPr lang="es-ES" dirty="0"/>
+              <a:t>Estocástico</a:t>
+            </a:r>
+          </a:p>
+          <a:p>
+            <a:pPr marL="285750" indent="-285750">
+              <a:buFont typeface="Arial" panose="020B0604020202020204" pitchFamily="34" charset="0"/>
+              <a:buChar char="•"/>
+            </a:pPr>
+            <a:r>
+              <a:rPr lang="es-ES" dirty="0" smtClean="0"/>
+              <a:t>Normalizado</a:t>
+            </a:r>
+            <a:endParaRPr lang="es-ES" dirty="0"/>
+          </a:p>
+          <a:p>
+            <a:pPr marL="285750" indent="-285750">
+              <a:buFont typeface="Arial" panose="020B0604020202020204" pitchFamily="34" charset="0"/>
+              <a:buChar char="•"/>
+            </a:pPr>
+            <a:r>
+              <a:rPr lang="es-ES" dirty="0"/>
+              <a:t>Deprecando</a:t>
+            </a:r>
+          </a:p>
+        </p:txBody>
+      </p:sp>
+      <p:pic>
+        <p:nvPicPr>
+          <p:cNvPr id="1026" name="Picture 2" descr="F:\Master\IA\Trabajos\aia-1718-t3\pruebas\votos\perceptronconcon.png"/>
+          <p:cNvPicPr>
+            <a:picLocks noChangeAspect="1" noChangeArrowheads="1"/>
+          </p:cNvPicPr>
+          <p:nvPr/>
+        </p:nvPicPr>
+        <p:blipFill>
+          <a:blip r:embed="rId2">
+            <a:extLst>
+              <a:ext uri="{28A0092B-C50C-407E-A947-70E740481C1C}">
+                <a14:useLocalDpi xmlns:a14="http://schemas.microsoft.com/office/drawing/2010/main" val="0"/>
+              </a:ext>
+            </a:extLst>
+          </a:blip>
+          <a:srcRect/>
+          <a:stretch>
+            <a:fillRect/>
+          </a:stretch>
+        </p:blipFill>
+        <p:spPr bwMode="auto">
+          <a:xfrm>
+            <a:off x="5137219" y="2346843"/>
+            <a:ext cx="3746455" cy="2810349"/>
+          </a:xfrm>
+          <a:prstGeom prst="rect">
+            <a:avLst/>
+          </a:prstGeom>
+          <a:noFill/>
+          <a:extLst>
+            <a:ext uri="{909E8E84-426E-40DD-AFC4-6F175D3DCCD1}">
+              <a14:hiddenFill xmlns:a14="http://schemas.microsoft.com/office/drawing/2010/main">
+                <a:solidFill>
+                  <a:srgbClr val="FFFFFF"/>
+                </a:solidFill>
+              </a14:hiddenFill>
+            </a:ext>
+          </a:extLst>
+        </p:spPr>
+      </p:pic>
+      <p:pic>
+        <p:nvPicPr>
+          <p:cNvPr id="1027" name="Picture 3" descr="F:\Master\IA\Trabajos\aia-1718-t3\pruebas\votos\perceptronconsin.png"/>
+          <p:cNvPicPr>
+            <a:picLocks noChangeAspect="1" noChangeArrowheads="1"/>
+          </p:cNvPicPr>
+          <p:nvPr/>
+        </p:nvPicPr>
+        <p:blipFill>
+          <a:blip r:embed="rId3">
+            <a:extLst>
+              <a:ext uri="{28A0092B-C50C-407E-A947-70E740481C1C}">
+                <a14:useLocalDpi xmlns:a14="http://schemas.microsoft.com/office/drawing/2010/main" val="0"/>
+              </a:ext>
+            </a:extLst>
+          </a:blip>
+          <a:srcRect/>
+          <a:stretch>
+            <a:fillRect/>
+          </a:stretch>
+        </p:blipFill>
+        <p:spPr bwMode="auto">
+          <a:xfrm>
+            <a:off x="661392" y="2420888"/>
+            <a:ext cx="3519191" cy="2639870"/>
+          </a:xfrm>
+          <a:prstGeom prst="rect">
+            <a:avLst/>
+          </a:prstGeom>
+          <a:noFill/>
+          <a:extLst>
+            <a:ext uri="{909E8E84-426E-40DD-AFC4-6F175D3DCCD1}">
+              <a14:hiddenFill xmlns:a14="http://schemas.microsoft.com/office/drawing/2010/main">
+                <a:solidFill>
+                  <a:srgbClr val="FFFFFF"/>
+                </a:solidFill>
+              </a14:hiddenFill>
+            </a:ext>
+          </a:extLst>
+        </p:spPr>
+      </p:pic>
     </p:spTree>
     <p:extLst>
       <p:ext uri="{BB962C8B-B14F-4D97-AF65-F5344CB8AC3E}">
-        <p14:creationId xmlns:p14="http://schemas.microsoft.com/office/powerpoint/2010/main" val="2040884038"/>
+        <p14:creationId xmlns:p14="http://schemas.microsoft.com/office/powerpoint/2010/main" val="4165610907"/>
       </p:ext>
     </p:extLst>
   </p:cSld>
@@ -11308,41 +11679,87 @@
             <p:ph idx="1"/>
           </p:nvPr>
         </p:nvSpPr>
+        <p:spPr>
+          <a:xfrm>
+            <a:off x="457200" y="1481328"/>
+            <a:ext cx="8229600" cy="4755984"/>
+          </a:xfrm>
+        </p:spPr>
+        <p:txBody>
+          <a:bodyPr>
+            <a:normAutofit/>
+          </a:bodyPr>
+          <a:lstStyle/>
+          <a:p>
+            <a:r>
+              <a:rPr lang="es-ES" dirty="0"/>
+              <a:t>Una excepción a todo lo dicho es la maximización </a:t>
+            </a:r>
+            <a:r>
+              <a:rPr lang="es-ES" dirty="0" err="1"/>
+              <a:t>batch</a:t>
+            </a:r>
+            <a:r>
+              <a:rPr lang="es-ES" dirty="0"/>
+              <a:t> con decaimiento.</a:t>
+            </a:r>
+          </a:p>
+          <a:p>
+            <a:endParaRPr lang="es-ES" dirty="0"/>
+          </a:p>
+          <a:p>
+            <a:r>
+              <a:rPr lang="es-ES" dirty="0"/>
+              <a:t>Por alguna razón empeora mucho y no converge dando pesos muy elevados y malos.</a:t>
+            </a:r>
+          </a:p>
+          <a:p>
+            <a:endParaRPr lang="es-ES" dirty="0"/>
+          </a:p>
+          <a:p>
+            <a:r>
+              <a:rPr lang="es-ES" dirty="0"/>
+              <a:t>Es probable que se deba a algún error de la implementación que no hemos sido capaces de detectar.</a:t>
+            </a:r>
+          </a:p>
+        </p:txBody>
+      </p:sp>
+      <p:sp>
+        <p:nvSpPr>
+          <p:cNvPr id="3" name="2 Título"/>
+          <p:cNvSpPr>
+            <a:spLocks noGrp="1"/>
+          </p:cNvSpPr>
+          <p:nvPr>
+            <p:ph type="title"/>
+          </p:nvPr>
+        </p:nvSpPr>
         <p:spPr/>
         <p:txBody>
-          <a:bodyPr/>
-          <a:lstStyle/>
-          <a:p>
+          <a:bodyPr>
+            <a:normAutofit fontScale="90000"/>
+          </a:bodyPr>
+          <a:lstStyle/>
+          <a:p>
+            <a:r>
+              <a:rPr lang="es-ES" dirty="0"/>
+              <a:t>Pruebas neutrales</a:t>
+            </a:r>
+            <a:br>
+              <a:rPr lang="es-ES" dirty="0"/>
+            </a:br>
+            <a:r>
+              <a:rPr lang="es-ES" dirty="0" smtClean="0"/>
+              <a:t>Votos</a:t>
+            </a:r>
             <a:endParaRPr lang="es-ES" dirty="0"/>
-          </a:p>
-        </p:txBody>
-      </p:sp>
-      <p:sp>
-        <p:nvSpPr>
-          <p:cNvPr id="3" name="2 Título"/>
-          <p:cNvSpPr>
-            <a:spLocks noGrp="1"/>
-          </p:cNvSpPr>
-          <p:nvPr>
-            <p:ph type="title"/>
-          </p:nvPr>
-        </p:nvSpPr>
-        <p:spPr/>
-        <p:txBody>
-          <a:bodyPr/>
-          <a:lstStyle/>
-          <a:p>
-            <a:r>
-              <a:rPr lang="es-ES" dirty="0"/>
-              <a:t>Pruebas aleatorias</a:t>
-            </a:r>
           </a:p>
         </p:txBody>
       </p:sp>
     </p:spTree>
     <p:extLst>
       <p:ext uri="{BB962C8B-B14F-4D97-AF65-F5344CB8AC3E}">
-        <p14:creationId xmlns:p14="http://schemas.microsoft.com/office/powerpoint/2010/main" val="3249222003"/>
+        <p14:creationId xmlns:p14="http://schemas.microsoft.com/office/powerpoint/2010/main" val="2040884038"/>
       </p:ext>
     </p:extLst>
   </p:cSld>
@@ -11379,124 +11796,153 @@
             <p:ph idx="1"/>
           </p:nvPr>
         </p:nvSpPr>
+        <p:spPr>
+          <a:xfrm>
+            <a:off x="457200" y="1481328"/>
+            <a:ext cx="8229600" cy="4755984"/>
+          </a:xfrm>
+        </p:spPr>
+        <p:txBody>
+          <a:bodyPr>
+            <a:normAutofit/>
+          </a:bodyPr>
+          <a:lstStyle/>
+          <a:p>
+            <a:r>
+              <a:rPr lang="es-ES" dirty="0" smtClean="0"/>
+              <a:t>Son matrices de 27*27 que representan números del 0 al 9 escritos a mano.</a:t>
+            </a:r>
+            <a:endParaRPr lang="es-ES" dirty="0"/>
+          </a:p>
+          <a:p>
+            <a:r>
+              <a:rPr lang="es-ES" dirty="0" smtClean="0"/>
+              <a:t>Cada atributo es una posición de la matriz,</a:t>
+            </a:r>
+            <a:endParaRPr lang="es-ES" dirty="0"/>
+          </a:p>
+          <a:p>
+            <a:r>
+              <a:rPr lang="es-ES" dirty="0" smtClean="0"/>
+              <a:t>Los valores pueden ser 0 o 1 dependiendo se si hay algo escrito en la</a:t>
+            </a:r>
+            <a:br>
+              <a:rPr lang="es-ES" dirty="0" smtClean="0"/>
+            </a:br>
+            <a:r>
+              <a:rPr lang="es-ES" dirty="0" smtClean="0"/>
+              <a:t>posición o no.</a:t>
+            </a:r>
+          </a:p>
+          <a:p>
+            <a:r>
+              <a:rPr lang="es-ES" dirty="0" smtClean="0"/>
+              <a:t>Las posibles clases son </a:t>
+            </a:r>
+            <a:br>
+              <a:rPr lang="es-ES" dirty="0" smtClean="0"/>
+            </a:br>
+            <a:r>
+              <a:rPr lang="es-ES" dirty="0" smtClean="0"/>
+              <a:t>los números del 0 al 9</a:t>
+            </a:r>
+            <a:endParaRPr lang="es-ES" dirty="0"/>
+          </a:p>
+          <a:p>
+            <a:endParaRPr lang="es-ES" dirty="0"/>
+          </a:p>
+        </p:txBody>
+      </p:sp>
+      <p:sp>
+        <p:nvSpPr>
+          <p:cNvPr id="3" name="2 Título"/>
+          <p:cNvSpPr>
+            <a:spLocks noGrp="1"/>
+          </p:cNvSpPr>
+          <p:nvPr>
+            <p:ph type="title"/>
+          </p:nvPr>
+        </p:nvSpPr>
         <p:spPr/>
         <p:txBody>
           <a:bodyPr>
-            <a:normAutofit lnSpcReduction="10000"/>
+            <a:normAutofit fontScale="90000"/>
           </a:bodyPr>
           <a:lstStyle/>
           <a:p>
             <a:r>
               <a:rPr lang="es-ES" dirty="0"/>
-              <a:t>Para esta parte se han implementado los siguientes clasificadores:</a:t>
-            </a:r>
-          </a:p>
-          <a:p>
-            <a:pPr lvl="1"/>
-            <a:r>
-              <a:rPr lang="es-ES" dirty="0" err="1"/>
-              <a:t>Knn</a:t>
+              <a:t>Pruebas neutrales</a:t>
+            </a:r>
+            <a:br>
+              <a:rPr lang="es-ES" dirty="0"/>
+            </a:br>
+            <a:r>
+              <a:rPr lang="es-ES" dirty="0" err="1" smtClean="0"/>
+              <a:t>Digidata</a:t>
             </a:r>
             <a:endParaRPr lang="es-ES" dirty="0"/>
           </a:p>
-          <a:p>
-            <a:pPr lvl="1"/>
-            <a:r>
-              <a:rPr lang="es-ES" dirty="0"/>
-              <a:t>Perceptrón (SGDC)</a:t>
-            </a:r>
-          </a:p>
-          <a:p>
-            <a:pPr lvl="1"/>
-            <a:r>
-              <a:rPr lang="es-ES" dirty="0"/>
-              <a:t>Regresión logística (SGDC y </a:t>
-            </a:r>
-            <a:r>
-              <a:rPr lang="es-ES" dirty="0" err="1"/>
-              <a:t>LogisticRegression</a:t>
-            </a:r>
-            <a:r>
-              <a:rPr lang="es-ES" dirty="0"/>
-              <a:t>)</a:t>
-            </a:r>
-          </a:p>
-          <a:p>
-            <a:pPr lvl="1"/>
-            <a:r>
-              <a:rPr lang="es-ES" dirty="0"/>
-              <a:t>Vectores soporte (SGDC y </a:t>
-            </a:r>
-            <a:r>
-              <a:rPr lang="es-ES" dirty="0" err="1"/>
-              <a:t>LinearSVC</a:t>
-            </a:r>
-            <a:r>
-              <a:rPr lang="es-ES" dirty="0"/>
-              <a:t>)</a:t>
-            </a:r>
-          </a:p>
-          <a:p>
-            <a:pPr lvl="1"/>
-            <a:r>
-              <a:rPr lang="es-ES" dirty="0"/>
-              <a:t>Árboles de decisión</a:t>
-            </a:r>
-          </a:p>
-          <a:p>
-            <a:pPr lvl="1"/>
-            <a:r>
-              <a:rPr lang="es-ES" dirty="0" err="1"/>
-              <a:t>Random</a:t>
-            </a:r>
-            <a:r>
-              <a:rPr lang="es-ES" dirty="0"/>
-              <a:t> Forest</a:t>
-            </a:r>
-          </a:p>
-          <a:p>
-            <a:pPr marL="393192" lvl="1" indent="0">
-              <a:buNone/>
-            </a:pPr>
-            <a:endParaRPr lang="es-ES" dirty="0"/>
-          </a:p>
-          <a:p>
-            <a:pPr marL="393192" lvl="1" indent="0">
-              <a:buNone/>
-            </a:pPr>
-            <a:r>
-              <a:rPr lang="es-ES" dirty="0"/>
-              <a:t>Se ha probado el rendimiento de ellos de distintas formas a partir del conjunto de datos de cáncer de mama.</a:t>
-            </a:r>
-          </a:p>
-        </p:txBody>
-      </p:sp>
-      <p:sp>
-        <p:nvSpPr>
-          <p:cNvPr id="3" name="2 Título"/>
-          <p:cNvSpPr>
-            <a:spLocks noGrp="1"/>
-          </p:cNvSpPr>
-          <p:nvPr>
-            <p:ph type="title"/>
-          </p:nvPr>
-        </p:nvSpPr>
-        <p:spPr/>
-        <p:txBody>
-          <a:bodyPr/>
-          <a:lstStyle/>
-          <a:p>
-            <a:r>
-              <a:rPr lang="es-ES" dirty="0"/>
-              <a:t>2ª Parte</a:t>
-            </a:r>
-          </a:p>
-        </p:txBody>
-      </p:sp>
+        </p:txBody>
+      </p:sp>
+      <p:pic>
+        <p:nvPicPr>
+          <p:cNvPr id="3074" name="Picture 2"/>
+          <p:cNvPicPr>
+            <a:picLocks noChangeAspect="1" noChangeArrowheads="1"/>
+          </p:cNvPicPr>
+          <p:nvPr/>
+        </p:nvPicPr>
+        <p:blipFill>
+          <a:blip r:embed="rId2">
+            <a:extLst>
+              <a:ext uri="{28A0092B-C50C-407E-A947-70E740481C1C}">
+                <a14:useLocalDpi xmlns:a14="http://schemas.microsoft.com/office/drawing/2010/main" val="0"/>
+              </a:ext>
+            </a:extLst>
+          </a:blip>
+          <a:srcRect/>
+          <a:stretch>
+            <a:fillRect/>
+          </a:stretch>
+        </p:blipFill>
+        <p:spPr bwMode="auto">
+          <a:xfrm>
+            <a:off x="5724128" y="3233910"/>
+            <a:ext cx="2114550" cy="3514725"/>
+          </a:xfrm>
+          <a:prstGeom prst="rect">
+            <a:avLst/>
+          </a:prstGeom>
+          <a:noFill/>
+          <a:ln>
+            <a:noFill/>
+          </a:ln>
+          <a:extLst>
+            <a:ext uri="{909E8E84-426E-40DD-AFC4-6F175D3DCCD1}">
+              <a14:hiddenFill xmlns:a14="http://schemas.microsoft.com/office/drawing/2010/main">
+                <a:solidFill>
+                  <a:schemeClr val="accent1"/>
+                </a:solidFill>
+              </a14:hiddenFill>
+            </a:ext>
+            <a:ext uri="{91240B29-F687-4F45-9708-019B960494DF}">
+              <a14:hiddenLine xmlns:a14="http://schemas.microsoft.com/office/drawing/2010/main" w="9525">
+                <a:solidFill>
+                  <a:schemeClr val="tx1"/>
+                </a:solidFill>
+                <a:miter lim="800000"/>
+                <a:headEnd/>
+                <a:tailEnd/>
+              </a14:hiddenLine>
+            </a:ext>
+          </a:extLst>
+        </p:spPr>
+      </p:pic>
     </p:spTree>
     <p:extLst>
       <p:ext uri="{BB962C8B-B14F-4D97-AF65-F5344CB8AC3E}">
-        <p14:creationId xmlns:p14="http://schemas.microsoft.com/office/powerpoint/2010/main" val="1822859472"/>
+        <p14:creationId xmlns:p14="http://schemas.microsoft.com/office/powerpoint/2010/main" val="2038499569"/>
       </p:ext>
     </p:extLst>
   </p:cSld>
@@ -11687,6 +12133,609 @@
         <p:spPr>
           <a:xfrm>
             <a:off x="457200" y="1481328"/>
+            <a:ext cx="8229600" cy="4755984"/>
+          </a:xfrm>
+        </p:spPr>
+        <p:txBody>
+          <a:bodyPr>
+            <a:normAutofit/>
+          </a:bodyPr>
+          <a:lstStyle/>
+          <a:p>
+            <a:r>
+              <a:rPr lang="es-ES" dirty="0" smtClean="0"/>
+              <a:t>Como el grupo de datos total es muy grande y los ordenadores donde se han probado no terminaban nunca, se ha reducido la muestra para poder trabajar con ella,</a:t>
+            </a:r>
+          </a:p>
+          <a:p>
+            <a:r>
+              <a:rPr lang="es-ES" dirty="0" smtClean="0"/>
+              <a:t>Conjunto de entrenamiento:</a:t>
+            </a:r>
+          </a:p>
+          <a:p>
+            <a:pPr lvl="1"/>
+            <a:r>
+              <a:rPr lang="es-ES" dirty="0" smtClean="0"/>
+              <a:t>2000 primeros ejemplos de números</a:t>
+            </a:r>
+            <a:endParaRPr lang="es-ES" dirty="0"/>
+          </a:p>
+          <a:p>
+            <a:r>
+              <a:rPr lang="es-ES" dirty="0" smtClean="0"/>
+              <a:t>Conjunto de validación:</a:t>
+            </a:r>
+          </a:p>
+          <a:p>
+            <a:pPr lvl="1"/>
+            <a:r>
+              <a:rPr lang="es-ES" dirty="0" smtClean="0"/>
+              <a:t>500 primeros ejemplos de números</a:t>
+            </a:r>
+          </a:p>
+          <a:p>
+            <a:r>
+              <a:rPr lang="es-ES" dirty="0"/>
+              <a:t>Conjunto de </a:t>
+            </a:r>
+            <a:r>
+              <a:rPr lang="es-ES" dirty="0" smtClean="0"/>
+              <a:t>test:</a:t>
+            </a:r>
+            <a:endParaRPr lang="es-ES" dirty="0"/>
+          </a:p>
+          <a:p>
+            <a:pPr lvl="1"/>
+            <a:r>
+              <a:rPr lang="es-ES" dirty="0"/>
+              <a:t>500 </a:t>
+            </a:r>
+            <a:r>
+              <a:rPr lang="es-ES" dirty="0" smtClean="0"/>
+              <a:t>primeros ejemplos </a:t>
+            </a:r>
+            <a:r>
+              <a:rPr lang="es-ES" dirty="0"/>
+              <a:t>de números</a:t>
+            </a:r>
+          </a:p>
+          <a:p>
+            <a:pPr marL="393192" lvl="1" indent="0">
+              <a:buNone/>
+            </a:pPr>
+            <a:endParaRPr lang="es-ES" dirty="0"/>
+          </a:p>
+          <a:p>
+            <a:endParaRPr lang="es-ES" dirty="0"/>
+          </a:p>
+        </p:txBody>
+      </p:sp>
+      <p:sp>
+        <p:nvSpPr>
+          <p:cNvPr id="3" name="2 Título"/>
+          <p:cNvSpPr>
+            <a:spLocks noGrp="1"/>
+          </p:cNvSpPr>
+          <p:nvPr>
+            <p:ph type="title"/>
+          </p:nvPr>
+        </p:nvSpPr>
+        <p:spPr/>
+        <p:txBody>
+          <a:bodyPr>
+            <a:normAutofit fontScale="90000"/>
+          </a:bodyPr>
+          <a:lstStyle/>
+          <a:p>
+            <a:r>
+              <a:rPr lang="es-ES" dirty="0"/>
+              <a:t>Pruebas neutrales</a:t>
+            </a:r>
+            <a:br>
+              <a:rPr lang="es-ES" dirty="0"/>
+            </a:br>
+            <a:r>
+              <a:rPr lang="es-ES" dirty="0" err="1" smtClean="0"/>
+              <a:t>Digidata</a:t>
+            </a:r>
+            <a:endParaRPr lang="es-ES" dirty="0"/>
+          </a:p>
+        </p:txBody>
+      </p:sp>
+    </p:spTree>
+    <p:extLst>
+      <p:ext uri="{BB962C8B-B14F-4D97-AF65-F5344CB8AC3E}">
+        <p14:creationId xmlns:p14="http://schemas.microsoft.com/office/powerpoint/2010/main" val="1220967759"/>
+      </p:ext>
+    </p:extLst>
+  </p:cSld>
+  <p:clrMapOvr>
+    <a:masterClrMapping/>
+  </p:clrMapOvr>
+</p:sld>
+</file>
+
+<file path=ppt/slides/slide41.xml><?xml version="1.0" encoding="utf-8"?>
+<p:sld xmlns:a="http://schemas.openxmlformats.org/drawingml/2006/main" xmlns:r="http://schemas.openxmlformats.org/officeDocument/2006/relationships" xmlns:p="http://schemas.openxmlformats.org/presentationml/2006/main">
+  <p:cSld>
+    <p:spTree>
+      <p:nvGrpSpPr>
+        <p:cNvPr id="1" name=""/>
+        <p:cNvGrpSpPr/>
+        <p:nvPr/>
+      </p:nvGrpSpPr>
+      <p:grpSpPr>
+        <a:xfrm>
+          <a:off x="0" y="0"/>
+          <a:ext cx="0" cy="0"/>
+          <a:chOff x="0" y="0"/>
+          <a:chExt cx="0" cy="0"/>
+        </a:xfrm>
+      </p:grpSpPr>
+      <p:sp>
+        <p:nvSpPr>
+          <p:cNvPr id="2" name="1 Marcador de contenido"/>
+          <p:cNvSpPr>
+            <a:spLocks noGrp="1"/>
+          </p:cNvSpPr>
+          <p:nvPr>
+            <p:ph idx="1"/>
+          </p:nvPr>
+        </p:nvSpPr>
+        <p:spPr>
+          <a:xfrm>
+            <a:off x="457200" y="1481328"/>
+            <a:ext cx="8229600" cy="4755984"/>
+          </a:xfrm>
+        </p:spPr>
+        <p:txBody>
+          <a:bodyPr>
+            <a:normAutofit/>
+          </a:bodyPr>
+          <a:lstStyle/>
+          <a:p>
+            <a:r>
+              <a:rPr lang="es-ES" dirty="0" smtClean="0"/>
+              <a:t>Como el grupo de datos total es muy grande y los ordenadores donde se han probado no terminaban nunca, se ha reducido la muestra para poder trabajar con ella,</a:t>
+            </a:r>
+          </a:p>
+          <a:p>
+            <a:r>
+              <a:rPr lang="es-ES" dirty="0" smtClean="0"/>
+              <a:t>Conjunto de entrenamiento:</a:t>
+            </a:r>
+          </a:p>
+          <a:p>
+            <a:pPr lvl="1"/>
+            <a:r>
+              <a:rPr lang="es-ES" dirty="0" smtClean="0"/>
+              <a:t>2000 primeros ejemplos de números</a:t>
+            </a:r>
+            <a:endParaRPr lang="es-ES" dirty="0"/>
+          </a:p>
+          <a:p>
+            <a:r>
+              <a:rPr lang="es-ES" dirty="0" smtClean="0"/>
+              <a:t>Conjunto de validación:</a:t>
+            </a:r>
+          </a:p>
+          <a:p>
+            <a:pPr lvl="1"/>
+            <a:r>
+              <a:rPr lang="es-ES" dirty="0" smtClean="0"/>
+              <a:t>500 primeros ejemplos de números</a:t>
+            </a:r>
+          </a:p>
+          <a:p>
+            <a:r>
+              <a:rPr lang="es-ES" dirty="0"/>
+              <a:t>Conjunto de </a:t>
+            </a:r>
+            <a:r>
+              <a:rPr lang="es-ES" dirty="0" smtClean="0"/>
+              <a:t>test:</a:t>
+            </a:r>
+            <a:endParaRPr lang="es-ES" dirty="0"/>
+          </a:p>
+          <a:p>
+            <a:pPr lvl="1"/>
+            <a:r>
+              <a:rPr lang="es-ES" dirty="0"/>
+              <a:t>500 </a:t>
+            </a:r>
+            <a:r>
+              <a:rPr lang="es-ES" dirty="0" smtClean="0"/>
+              <a:t>primeros ejemplos </a:t>
+            </a:r>
+            <a:r>
+              <a:rPr lang="es-ES" dirty="0"/>
+              <a:t>de números</a:t>
+            </a:r>
+          </a:p>
+          <a:p>
+            <a:pPr marL="393192" lvl="1" indent="0">
+              <a:buNone/>
+            </a:pPr>
+            <a:endParaRPr lang="es-ES" dirty="0"/>
+          </a:p>
+          <a:p>
+            <a:endParaRPr lang="es-ES" dirty="0"/>
+          </a:p>
+        </p:txBody>
+      </p:sp>
+      <p:sp>
+        <p:nvSpPr>
+          <p:cNvPr id="3" name="2 Título"/>
+          <p:cNvSpPr>
+            <a:spLocks noGrp="1"/>
+          </p:cNvSpPr>
+          <p:nvPr>
+            <p:ph type="title"/>
+          </p:nvPr>
+        </p:nvSpPr>
+        <p:spPr/>
+        <p:txBody>
+          <a:bodyPr>
+            <a:normAutofit fontScale="90000"/>
+          </a:bodyPr>
+          <a:lstStyle/>
+          <a:p>
+            <a:r>
+              <a:rPr lang="es-ES" dirty="0"/>
+              <a:t>Pruebas neutrales</a:t>
+            </a:r>
+            <a:br>
+              <a:rPr lang="es-ES" dirty="0"/>
+            </a:br>
+            <a:r>
+              <a:rPr lang="es-ES" dirty="0" err="1" smtClean="0"/>
+              <a:t>Digidata</a:t>
+            </a:r>
+            <a:endParaRPr lang="es-ES" dirty="0"/>
+          </a:p>
+        </p:txBody>
+      </p:sp>
+    </p:spTree>
+    <p:extLst>
+      <p:ext uri="{BB962C8B-B14F-4D97-AF65-F5344CB8AC3E}">
+        <p14:creationId xmlns:p14="http://schemas.microsoft.com/office/powerpoint/2010/main" val="2533585514"/>
+      </p:ext>
+    </p:extLst>
+  </p:cSld>
+  <p:clrMapOvr>
+    <a:masterClrMapping/>
+  </p:clrMapOvr>
+</p:sld>
+</file>
+
+<file path=ppt/slides/slide42.xml><?xml version="1.0" encoding="utf-8"?>
+<p:sld xmlns:a="http://schemas.openxmlformats.org/drawingml/2006/main" xmlns:r="http://schemas.openxmlformats.org/officeDocument/2006/relationships" xmlns:p="http://schemas.openxmlformats.org/presentationml/2006/main">
+  <p:cSld>
+    <p:spTree>
+      <p:nvGrpSpPr>
+        <p:cNvPr id="1" name=""/>
+        <p:cNvGrpSpPr/>
+        <p:nvPr/>
+      </p:nvGrpSpPr>
+      <p:grpSpPr>
+        <a:xfrm>
+          <a:off x="0" y="0"/>
+          <a:ext cx="0" cy="0"/>
+          <a:chOff x="0" y="0"/>
+          <a:chExt cx="0" cy="0"/>
+        </a:xfrm>
+      </p:grpSpPr>
+      <p:sp>
+        <p:nvSpPr>
+          <p:cNvPr id="2" name="1 Marcador de contenido"/>
+          <p:cNvSpPr>
+            <a:spLocks noGrp="1"/>
+          </p:cNvSpPr>
+          <p:nvPr>
+            <p:ph idx="1"/>
+          </p:nvPr>
+        </p:nvSpPr>
+        <p:spPr/>
+        <p:txBody>
+          <a:bodyPr/>
+          <a:lstStyle/>
+          <a:p>
+            <a:endParaRPr lang="es-ES" dirty="0"/>
+          </a:p>
+        </p:txBody>
+      </p:sp>
+      <p:sp>
+        <p:nvSpPr>
+          <p:cNvPr id="3" name="2 Título"/>
+          <p:cNvSpPr>
+            <a:spLocks noGrp="1"/>
+          </p:cNvSpPr>
+          <p:nvPr>
+            <p:ph type="title"/>
+          </p:nvPr>
+        </p:nvSpPr>
+        <p:spPr/>
+        <p:txBody>
+          <a:bodyPr/>
+          <a:lstStyle/>
+          <a:p>
+            <a:r>
+              <a:rPr lang="es-ES" dirty="0"/>
+              <a:t>Pruebas aleatorias</a:t>
+            </a:r>
+          </a:p>
+        </p:txBody>
+      </p:sp>
+    </p:spTree>
+    <p:extLst>
+      <p:ext uri="{BB962C8B-B14F-4D97-AF65-F5344CB8AC3E}">
+        <p14:creationId xmlns:p14="http://schemas.microsoft.com/office/powerpoint/2010/main" val="3249222003"/>
+      </p:ext>
+    </p:extLst>
+  </p:cSld>
+  <p:clrMapOvr>
+    <a:masterClrMapping/>
+  </p:clrMapOvr>
+</p:sld>
+</file>
+
+<file path=ppt/slides/slide43.xml><?xml version="1.0" encoding="utf-8"?>
+<p:sld xmlns:a="http://schemas.openxmlformats.org/drawingml/2006/main" xmlns:r="http://schemas.openxmlformats.org/officeDocument/2006/relationships" xmlns:p="http://schemas.openxmlformats.org/presentationml/2006/main">
+  <p:cSld>
+    <p:spTree>
+      <p:nvGrpSpPr>
+        <p:cNvPr id="1" name=""/>
+        <p:cNvGrpSpPr/>
+        <p:nvPr/>
+      </p:nvGrpSpPr>
+      <p:grpSpPr>
+        <a:xfrm>
+          <a:off x="0" y="0"/>
+          <a:ext cx="0" cy="0"/>
+          <a:chOff x="0" y="0"/>
+          <a:chExt cx="0" cy="0"/>
+        </a:xfrm>
+      </p:grpSpPr>
+      <p:sp>
+        <p:nvSpPr>
+          <p:cNvPr id="2" name="1 Marcador de contenido"/>
+          <p:cNvSpPr>
+            <a:spLocks noGrp="1"/>
+          </p:cNvSpPr>
+          <p:nvPr>
+            <p:ph idx="1"/>
+          </p:nvPr>
+        </p:nvSpPr>
+        <p:spPr/>
+        <p:txBody>
+          <a:bodyPr/>
+          <a:lstStyle/>
+          <a:p>
+            <a:endParaRPr lang="es-ES"/>
+          </a:p>
+        </p:txBody>
+      </p:sp>
+      <p:sp>
+        <p:nvSpPr>
+          <p:cNvPr id="3" name="2 Título"/>
+          <p:cNvSpPr>
+            <a:spLocks noGrp="1"/>
+          </p:cNvSpPr>
+          <p:nvPr>
+            <p:ph type="title"/>
+          </p:nvPr>
+        </p:nvSpPr>
+        <p:spPr/>
+        <p:txBody>
+          <a:bodyPr/>
+          <a:lstStyle/>
+          <a:p>
+            <a:r>
+              <a:rPr lang="es-ES" dirty="0" smtClean="0"/>
+              <a:t>Conclusiones</a:t>
+            </a:r>
+            <a:endParaRPr lang="es-ES" dirty="0"/>
+          </a:p>
+        </p:txBody>
+      </p:sp>
+    </p:spTree>
+    <p:extLst>
+      <p:ext uri="{BB962C8B-B14F-4D97-AF65-F5344CB8AC3E}">
+        <p14:creationId xmlns:p14="http://schemas.microsoft.com/office/powerpoint/2010/main" val="1715177862"/>
+      </p:ext>
+    </p:extLst>
+  </p:cSld>
+  <p:clrMapOvr>
+    <a:masterClrMapping/>
+  </p:clrMapOvr>
+</p:sld>
+</file>
+
+<file path=ppt/slides/slide44.xml><?xml version="1.0" encoding="utf-8"?>
+<p:sld xmlns:a="http://schemas.openxmlformats.org/drawingml/2006/main" xmlns:r="http://schemas.openxmlformats.org/officeDocument/2006/relationships" xmlns:p="http://schemas.openxmlformats.org/presentationml/2006/main">
+  <p:cSld>
+    <p:spTree>
+      <p:nvGrpSpPr>
+        <p:cNvPr id="1" name=""/>
+        <p:cNvGrpSpPr/>
+        <p:nvPr/>
+      </p:nvGrpSpPr>
+      <p:grpSpPr>
+        <a:xfrm>
+          <a:off x="0" y="0"/>
+          <a:ext cx="0" cy="0"/>
+          <a:chOff x="0" y="0"/>
+          <a:chExt cx="0" cy="0"/>
+        </a:xfrm>
+      </p:grpSpPr>
+      <p:sp>
+        <p:nvSpPr>
+          <p:cNvPr id="2" name="1 Marcador de contenido"/>
+          <p:cNvSpPr>
+            <a:spLocks noGrp="1"/>
+          </p:cNvSpPr>
+          <p:nvPr>
+            <p:ph idx="1"/>
+          </p:nvPr>
+        </p:nvSpPr>
+        <p:spPr/>
+        <p:txBody>
+          <a:bodyPr>
+            <a:normAutofit lnSpcReduction="10000"/>
+          </a:bodyPr>
+          <a:lstStyle/>
+          <a:p>
+            <a:r>
+              <a:rPr lang="es-ES" dirty="0"/>
+              <a:t>Para esta parte se han implementado los siguientes clasificadores:</a:t>
+            </a:r>
+          </a:p>
+          <a:p>
+            <a:pPr lvl="1"/>
+            <a:r>
+              <a:rPr lang="es-ES" dirty="0" err="1"/>
+              <a:t>Knn</a:t>
+            </a:r>
+            <a:endParaRPr lang="es-ES" dirty="0"/>
+          </a:p>
+          <a:p>
+            <a:pPr lvl="1"/>
+            <a:r>
+              <a:rPr lang="es-ES" dirty="0"/>
+              <a:t>Perceptrón (SGDC)</a:t>
+            </a:r>
+          </a:p>
+          <a:p>
+            <a:pPr lvl="1"/>
+            <a:r>
+              <a:rPr lang="es-ES" dirty="0"/>
+              <a:t>Regresión logística (SGDC y </a:t>
+            </a:r>
+            <a:r>
+              <a:rPr lang="es-ES" dirty="0" err="1"/>
+              <a:t>LogisticRegression</a:t>
+            </a:r>
+            <a:r>
+              <a:rPr lang="es-ES" dirty="0"/>
+              <a:t>)</a:t>
+            </a:r>
+          </a:p>
+          <a:p>
+            <a:pPr lvl="1"/>
+            <a:r>
+              <a:rPr lang="es-ES" dirty="0"/>
+              <a:t>Vectores soporte (SGDC y </a:t>
+            </a:r>
+            <a:r>
+              <a:rPr lang="es-ES" dirty="0" err="1"/>
+              <a:t>LinearSVC</a:t>
+            </a:r>
+            <a:r>
+              <a:rPr lang="es-ES" dirty="0"/>
+              <a:t>)</a:t>
+            </a:r>
+          </a:p>
+          <a:p>
+            <a:pPr lvl="1"/>
+            <a:r>
+              <a:rPr lang="es-ES" dirty="0"/>
+              <a:t>Árboles de decisión</a:t>
+            </a:r>
+          </a:p>
+          <a:p>
+            <a:pPr lvl="1"/>
+            <a:r>
+              <a:rPr lang="es-ES" dirty="0" err="1"/>
+              <a:t>Random</a:t>
+            </a:r>
+            <a:r>
+              <a:rPr lang="es-ES" dirty="0"/>
+              <a:t> Forest</a:t>
+            </a:r>
+          </a:p>
+          <a:p>
+            <a:pPr marL="393192" lvl="1" indent="0">
+              <a:buNone/>
+            </a:pPr>
+            <a:endParaRPr lang="es-ES" dirty="0"/>
+          </a:p>
+          <a:p>
+            <a:pPr marL="393192" lvl="1" indent="0">
+              <a:buNone/>
+            </a:pPr>
+            <a:r>
+              <a:rPr lang="es-ES" dirty="0"/>
+              <a:t>Se ha probado el rendimiento de ellos de distintas formas a partir del conjunto de datos de cáncer de mama.</a:t>
+            </a:r>
+          </a:p>
+        </p:txBody>
+      </p:sp>
+      <p:sp>
+        <p:nvSpPr>
+          <p:cNvPr id="3" name="2 Título"/>
+          <p:cNvSpPr>
+            <a:spLocks noGrp="1"/>
+          </p:cNvSpPr>
+          <p:nvPr>
+            <p:ph type="title"/>
+          </p:nvPr>
+        </p:nvSpPr>
+        <p:spPr/>
+        <p:txBody>
+          <a:bodyPr/>
+          <a:lstStyle/>
+          <a:p>
+            <a:r>
+              <a:rPr lang="es-ES" dirty="0"/>
+              <a:t>2ª Parte</a:t>
+            </a:r>
+          </a:p>
+        </p:txBody>
+      </p:sp>
+    </p:spTree>
+    <p:extLst>
+      <p:ext uri="{BB962C8B-B14F-4D97-AF65-F5344CB8AC3E}">
+        <p14:creationId xmlns:p14="http://schemas.microsoft.com/office/powerpoint/2010/main" val="1822859472"/>
+      </p:ext>
+    </p:extLst>
+  </p:cSld>
+  <p:clrMapOvr>
+    <a:masterClrMapping/>
+  </p:clrMapOvr>
+</p:sld>
+</file>
+
+<file path=ppt/slides/slide45.xml><?xml version="1.0" encoding="utf-8"?>
+<p:sld xmlns:a="http://schemas.openxmlformats.org/drawingml/2006/main" xmlns:r="http://schemas.openxmlformats.org/officeDocument/2006/relationships" xmlns:p="http://schemas.openxmlformats.org/presentationml/2006/main">
+  <p:cSld>
+    <p:spTree>
+      <p:nvGrpSpPr>
+        <p:cNvPr id="1" name=""/>
+        <p:cNvGrpSpPr/>
+        <p:nvPr/>
+      </p:nvGrpSpPr>
+      <p:grpSpPr>
+        <a:xfrm>
+          <a:off x="0" y="0"/>
+          <a:ext cx="0" cy="0"/>
+          <a:chOff x="0" y="0"/>
+          <a:chExt cx="0" cy="0"/>
+        </a:xfrm>
+      </p:grpSpPr>
+      <p:sp>
+        <p:nvSpPr>
+          <p:cNvPr id="2" name="1 Marcador de contenido"/>
+          <p:cNvSpPr>
+            <a:spLocks noGrp="1"/>
+          </p:cNvSpPr>
+          <p:nvPr>
+            <p:ph idx="1"/>
+          </p:nvPr>
+        </p:nvSpPr>
+        <p:spPr>
+          <a:xfrm>
+            <a:off x="457200" y="1481328"/>
             <a:ext cx="8229600" cy="4525963"/>
           </a:xfrm>
         </p:spPr>
@@ -11779,7 +12828,7 @@
           <p:cNvPr id="3074" name="Picture 2" descr="https://i.gyazo.com/bcc8718d1bd24a7013bd254d72fedf1f.png">
             <a:extLst>
               <a:ext uri="{FF2B5EF4-FFF2-40B4-BE49-F238E27FC236}">
-                <a16:creationId xmlns:a16="http://schemas.microsoft.com/office/drawing/2014/main" id="{A7FED7E2-C741-4C82-B0E6-6AE88B0A9F8D}"/>
+                <a16:creationId xmlns:a16="http://schemas.microsoft.com/office/drawing/2014/main" xmlns="" id="{A7FED7E2-C741-4C82-B0E6-6AE88B0A9F8D}"/>
               </a:ext>
             </a:extLst>
           </p:cNvPr>
@@ -11834,7 +12883,7 @@
 </p:sld>
 </file>
 
-<file path=ppt/slides/slide41.xml><?xml version="1.0" encoding="utf-8"?>
+<file path=ppt/slides/slide46.xml><?xml version="1.0" encoding="utf-8"?>
 <p:sld xmlns:a="http://schemas.openxmlformats.org/drawingml/2006/main" xmlns:r="http://schemas.openxmlformats.org/officeDocument/2006/relationships" xmlns:p="http://schemas.openxmlformats.org/presentationml/2006/main">
   <p:cSld>
     <p:spTree>
@@ -11924,7 +12973,7 @@
           <p:cNvPr id="1026" name="Picture 2" descr="https://i.gyazo.com/d492fe7744bd3eb67e9aa957f9238f5f.png">
             <a:extLst>
               <a:ext uri="{FF2B5EF4-FFF2-40B4-BE49-F238E27FC236}">
-                <a16:creationId xmlns:a16="http://schemas.microsoft.com/office/drawing/2014/main" id="{6F3F350B-046E-44D6-80CC-63267868FB5B}"/>
+                <a16:creationId xmlns:a16="http://schemas.microsoft.com/office/drawing/2014/main" xmlns="" id="{6F3F350B-046E-44D6-80CC-63267868FB5B}"/>
               </a:ext>
             </a:extLst>
           </p:cNvPr>
@@ -11979,7 +13028,7 @@
 </p:sld>
 </file>
 
-<file path=ppt/slides/slide42.xml><?xml version="1.0" encoding="utf-8"?>
+<file path=ppt/slides/slide47.xml><?xml version="1.0" encoding="utf-8"?>
 <p:sld xmlns:a="http://schemas.openxmlformats.org/drawingml/2006/main" xmlns:r="http://schemas.openxmlformats.org/officeDocument/2006/relationships" xmlns:p="http://schemas.openxmlformats.org/presentationml/2006/main">
   <p:cSld>
     <p:spTree>
@@ -12118,7 +13167,7 @@
           <p:cNvPr id="4098" name="Picture 2" descr="https://i.gyazo.com/146b010f6d1094d3cada9ff33a2d2ff9.png">
             <a:extLst>
               <a:ext uri="{FF2B5EF4-FFF2-40B4-BE49-F238E27FC236}">
-                <a16:creationId xmlns:a16="http://schemas.microsoft.com/office/drawing/2014/main" id="{F6C47485-EFBA-46D3-B56C-91FBF34D88F4}"/>
+                <a16:creationId xmlns:a16="http://schemas.microsoft.com/office/drawing/2014/main" xmlns="" id="{F6C47485-EFBA-46D3-B56C-91FBF34D88F4}"/>
               </a:ext>
             </a:extLst>
           </p:cNvPr>
@@ -12173,7 +13222,7 @@
 </p:sld>
 </file>
 
-<file path=ppt/slides/slide43.xml><?xml version="1.0" encoding="utf-8"?>
+<file path=ppt/slides/slide48.xml><?xml version="1.0" encoding="utf-8"?>
 <p:sld xmlns:a="http://schemas.openxmlformats.org/drawingml/2006/main" xmlns:r="http://schemas.openxmlformats.org/officeDocument/2006/relationships" xmlns:p="http://schemas.openxmlformats.org/presentationml/2006/main">
   <p:cSld>
     <p:spTree>
@@ -12282,7 +13331,7 @@
           <p:cNvPr id="2050" name="Picture 2" descr="https://i.gyazo.com/a9fe3dc0331c454fb6470bc11cd3563d.png">
             <a:extLst>
               <a:ext uri="{FF2B5EF4-FFF2-40B4-BE49-F238E27FC236}">
-                <a16:creationId xmlns:a16="http://schemas.microsoft.com/office/drawing/2014/main" id="{BD76CCB6-419E-4D02-AA7B-E0CAFFCA99C5}"/>
+                <a16:creationId xmlns:a16="http://schemas.microsoft.com/office/drawing/2014/main" xmlns="" id="{BD76CCB6-419E-4D02-AA7B-E0CAFFCA99C5}"/>
               </a:ext>
             </a:extLst>
           </p:cNvPr>
@@ -12337,7 +13386,7 @@
 </p:sld>
 </file>
 
-<file path=ppt/slides/slide44.xml><?xml version="1.0" encoding="utf-8"?>
+<file path=ppt/slides/slide49.xml><?xml version="1.0" encoding="utf-8"?>
 <p:sld xmlns:a="http://schemas.openxmlformats.org/drawingml/2006/main" xmlns:r="http://schemas.openxmlformats.org/officeDocument/2006/relationships" xmlns:p="http://schemas.openxmlformats.org/presentationml/2006/main">
   <p:cSld>
     <p:spTree>
@@ -12458,7 +13507,7 @@
           <p:cNvPr id="5122" name="Picture 2" descr="https://i.gyazo.com/43bae99723d9ac5df4703c7b2e540648.png">
             <a:extLst>
               <a:ext uri="{FF2B5EF4-FFF2-40B4-BE49-F238E27FC236}">
-                <a16:creationId xmlns:a16="http://schemas.microsoft.com/office/drawing/2014/main" id="{B302BA17-24A9-4765-BA36-F82AB0EFC232}"/>
+                <a16:creationId xmlns:a16="http://schemas.microsoft.com/office/drawing/2014/main" xmlns="" id="{B302BA17-24A9-4765-BA36-F82AB0EFC232}"/>
               </a:ext>
             </a:extLst>
           </p:cNvPr>
@@ -12504,913 +13553,6 @@
     <p:extLst>
       <p:ext uri="{BB962C8B-B14F-4D97-AF65-F5344CB8AC3E}">
         <p14:creationId xmlns:p14="http://schemas.microsoft.com/office/powerpoint/2010/main" val="2456079265"/>
-      </p:ext>
-    </p:extLst>
-  </p:cSld>
-  <p:clrMapOvr>
-    <a:masterClrMapping/>
-  </p:clrMapOvr>
-</p:sld>
-</file>
-
-<file path=ppt/slides/slide45.xml><?xml version="1.0" encoding="utf-8"?>
-<p:sld xmlns:a="http://schemas.openxmlformats.org/drawingml/2006/main" xmlns:r="http://schemas.openxmlformats.org/officeDocument/2006/relationships" xmlns:p="http://schemas.openxmlformats.org/presentationml/2006/main">
-  <p:cSld>
-    <p:spTree>
-      <p:nvGrpSpPr>
-        <p:cNvPr id="1" name=""/>
-        <p:cNvGrpSpPr/>
-        <p:nvPr/>
-      </p:nvGrpSpPr>
-      <p:grpSpPr>
-        <a:xfrm>
-          <a:off x="0" y="0"/>
-          <a:ext cx="0" cy="0"/>
-          <a:chOff x="0" y="0"/>
-          <a:chExt cx="0" cy="0"/>
-        </a:xfrm>
-      </p:grpSpPr>
-      <p:sp>
-        <p:nvSpPr>
-          <p:cNvPr id="2" name="1 Marcador de contenido"/>
-          <p:cNvSpPr>
-            <a:spLocks noGrp="1"/>
-          </p:cNvSpPr>
-          <p:nvPr>
-            <p:ph idx="1"/>
-          </p:nvPr>
-        </p:nvSpPr>
-        <p:spPr>
-          <a:xfrm>
-            <a:off x="457200" y="1481328"/>
-            <a:ext cx="8229600" cy="4525963"/>
-          </a:xfrm>
-        </p:spPr>
-        <p:txBody>
-          <a:bodyPr>
-            <a:normAutofit/>
-          </a:bodyPr>
-          <a:lstStyle/>
-          <a:p>
-            <a:pPr marL="109728" indent="0">
-              <a:buNone/>
-            </a:pPr>
-            <a:endParaRPr lang="es-ES" dirty="0"/>
-          </a:p>
-          <a:p>
-            <a:r>
-              <a:rPr lang="es-ES" dirty="0"/>
-              <a:t>Para SGDC se ha obtenido el siguiente rendimiento con </a:t>
-            </a:r>
-            <a:r>
-              <a:rPr lang="es-ES" dirty="0" err="1"/>
-              <a:t>epoch</a:t>
-            </a:r>
-            <a:r>
-              <a:rPr lang="es-ES" dirty="0"/>
-              <a:t> = 10000, sin regularización, con </a:t>
-            </a:r>
-            <a:r>
-              <a:rPr lang="es-ES" dirty="0" err="1"/>
-              <a:t>alpha</a:t>
-            </a:r>
-            <a:r>
-              <a:rPr lang="es-ES" dirty="0"/>
-              <a:t> = 0.5 y sin aplicar tasa.</a:t>
-            </a:r>
-          </a:p>
-          <a:p>
-            <a:endParaRPr lang="es-ES" dirty="0"/>
-          </a:p>
-          <a:p>
-            <a:endParaRPr lang="es-ES" dirty="0"/>
-          </a:p>
-          <a:p>
-            <a:endParaRPr lang="es-ES" dirty="0"/>
-          </a:p>
-        </p:txBody>
-      </p:sp>
-      <p:sp>
-        <p:nvSpPr>
-          <p:cNvPr id="3" name="2 Título"/>
-          <p:cNvSpPr>
-            <a:spLocks noGrp="1"/>
-          </p:cNvSpPr>
-          <p:nvPr>
-            <p:ph type="title"/>
-          </p:nvPr>
-        </p:nvSpPr>
-        <p:spPr/>
-        <p:txBody>
-          <a:bodyPr/>
-          <a:lstStyle/>
-          <a:p>
-            <a:r>
-              <a:rPr lang="es-ES" dirty="0"/>
-              <a:t>2ª Parte – Regresión logística</a:t>
-            </a:r>
-          </a:p>
-        </p:txBody>
-      </p:sp>
-      <p:pic>
-        <p:nvPicPr>
-          <p:cNvPr id="6146" name="Picture 2" descr="https://i.gyazo.com/d105d620608d32c1964e04e45276f703.png">
-            <a:extLst>
-              <a:ext uri="{FF2B5EF4-FFF2-40B4-BE49-F238E27FC236}">
-                <a16:creationId xmlns:a16="http://schemas.microsoft.com/office/drawing/2014/main" id="{03934BCE-8B9A-474C-8FF9-D2E75277815E}"/>
-              </a:ext>
-            </a:extLst>
-          </p:cNvPr>
-          <p:cNvPicPr>
-            <a:picLocks noChangeAspect="1" noChangeArrowheads="1"/>
-          </p:cNvPicPr>
-          <p:nvPr/>
-        </p:nvPicPr>
-        <p:blipFill>
-          <a:blip r:embed="rId2">
-            <a:extLst>
-              <a:ext uri="{28A0092B-C50C-407E-A947-70E740481C1C}">
-                <a14:useLocalDpi xmlns:a14="http://schemas.microsoft.com/office/drawing/2010/main" val="0"/>
-              </a:ext>
-            </a:extLst>
-          </a:blip>
-          <a:srcRect/>
-          <a:stretch>
-            <a:fillRect/>
-          </a:stretch>
-        </p:blipFill>
-        <p:spPr bwMode="auto">
-          <a:xfrm>
-            <a:off x="719572" y="4365104"/>
-            <a:ext cx="7704856" cy="288032"/>
-          </a:xfrm>
-          <a:prstGeom prst="rect">
-            <a:avLst/>
-          </a:prstGeom>
-          <a:noFill/>
-          <a:extLst>
-            <a:ext uri="{909E8E84-426E-40DD-AFC4-6F175D3DCCD1}">
-              <a14:hiddenFill xmlns:a14="http://schemas.microsoft.com/office/drawing/2010/main">
-                <a:solidFill>
-                  <a:srgbClr val="FFFFFF"/>
-                </a:solidFill>
-              </a14:hiddenFill>
-            </a:ext>
-          </a:extLst>
-        </p:spPr>
-      </p:pic>
-    </p:spTree>
-    <p:extLst>
-      <p:ext uri="{BB962C8B-B14F-4D97-AF65-F5344CB8AC3E}">
-        <p14:creationId xmlns:p14="http://schemas.microsoft.com/office/powerpoint/2010/main" val="354206171"/>
-      </p:ext>
-    </p:extLst>
-  </p:cSld>
-  <p:clrMapOvr>
-    <a:masterClrMapping/>
-  </p:clrMapOvr>
-</p:sld>
-</file>
-
-<file path=ppt/slides/slide46.xml><?xml version="1.0" encoding="utf-8"?>
-<p:sld xmlns:a="http://schemas.openxmlformats.org/drawingml/2006/main" xmlns:r="http://schemas.openxmlformats.org/officeDocument/2006/relationships" xmlns:p="http://schemas.openxmlformats.org/presentationml/2006/main">
-  <p:cSld>
-    <p:spTree>
-      <p:nvGrpSpPr>
-        <p:cNvPr id="1" name=""/>
-        <p:cNvGrpSpPr/>
-        <p:nvPr/>
-      </p:nvGrpSpPr>
-      <p:grpSpPr>
-        <a:xfrm>
-          <a:off x="0" y="0"/>
-          <a:ext cx="0" cy="0"/>
-          <a:chOff x="0" y="0"/>
-          <a:chExt cx="0" cy="0"/>
-        </a:xfrm>
-      </p:grpSpPr>
-      <p:sp>
-        <p:nvSpPr>
-          <p:cNvPr id="2" name="1 Marcador de contenido"/>
-          <p:cNvSpPr>
-            <a:spLocks noGrp="1"/>
-          </p:cNvSpPr>
-          <p:nvPr>
-            <p:ph idx="1"/>
-          </p:nvPr>
-        </p:nvSpPr>
-        <p:spPr>
-          <a:xfrm>
-            <a:off x="457200" y="1481328"/>
-            <a:ext cx="8229600" cy="4525963"/>
-          </a:xfrm>
-        </p:spPr>
-        <p:txBody>
-          <a:bodyPr>
-            <a:normAutofit/>
-          </a:bodyPr>
-          <a:lstStyle/>
-          <a:p>
-            <a:pPr marL="109728" indent="0">
-              <a:buNone/>
-            </a:pPr>
-            <a:endParaRPr lang="es-ES" dirty="0"/>
-          </a:p>
-          <a:p>
-            <a:r>
-              <a:rPr lang="es-ES" dirty="0"/>
-              <a:t>Para </a:t>
-            </a:r>
-            <a:r>
-              <a:rPr lang="es-ES" dirty="0" err="1"/>
-              <a:t>LogisticRegression</a:t>
-            </a:r>
-            <a:r>
-              <a:rPr lang="es-ES" dirty="0"/>
-              <a:t> se ha obtenido el siguiente rendimiento con </a:t>
-            </a:r>
-            <a:r>
-              <a:rPr lang="es-ES" dirty="0" err="1"/>
-              <a:t>epoch</a:t>
-            </a:r>
-            <a:r>
-              <a:rPr lang="es-ES" dirty="0"/>
-              <a:t> = 1000, con regularización L2, con C = 0.1.</a:t>
-            </a:r>
-          </a:p>
-          <a:p>
-            <a:endParaRPr lang="es-ES" dirty="0"/>
-          </a:p>
-          <a:p>
-            <a:endParaRPr lang="es-ES" dirty="0"/>
-          </a:p>
-          <a:p>
-            <a:r>
-              <a:rPr lang="es-ES" dirty="0"/>
-              <a:t>Se aprecia un mejor rendimiento con SGDC, sin embargo en </a:t>
-            </a:r>
-            <a:r>
-              <a:rPr lang="es-ES" dirty="0" err="1"/>
-              <a:t>LogisticRegression</a:t>
-            </a:r>
-            <a:r>
-              <a:rPr lang="es-ES" dirty="0"/>
-              <a:t> se han necesitado un menor número de </a:t>
-            </a:r>
-            <a:r>
-              <a:rPr lang="es-ES" dirty="0" err="1"/>
-              <a:t>epoch</a:t>
-            </a:r>
-            <a:r>
-              <a:rPr lang="es-ES" dirty="0"/>
-              <a:t> y pruebas con un rendimiento bastante bueno.</a:t>
-            </a:r>
-          </a:p>
-        </p:txBody>
-      </p:sp>
-      <p:sp>
-        <p:nvSpPr>
-          <p:cNvPr id="3" name="2 Título"/>
-          <p:cNvSpPr>
-            <a:spLocks noGrp="1"/>
-          </p:cNvSpPr>
-          <p:nvPr>
-            <p:ph type="title"/>
-          </p:nvPr>
-        </p:nvSpPr>
-        <p:spPr/>
-        <p:txBody>
-          <a:bodyPr/>
-          <a:lstStyle/>
-          <a:p>
-            <a:r>
-              <a:rPr lang="es-ES" dirty="0"/>
-              <a:t>2ª Parte – Regresión logística</a:t>
-            </a:r>
-          </a:p>
-        </p:txBody>
-      </p:sp>
-      <p:pic>
-        <p:nvPicPr>
-          <p:cNvPr id="7170" name="Picture 2" descr="https://i.gyazo.com/b481a39aeaf84a15574e2f26c925e2cb.png">
-            <a:extLst>
-              <a:ext uri="{FF2B5EF4-FFF2-40B4-BE49-F238E27FC236}">
-                <a16:creationId xmlns:a16="http://schemas.microsoft.com/office/drawing/2014/main" id="{9A210230-7756-43AA-B96B-5EF46D3C4730}"/>
-              </a:ext>
-            </a:extLst>
-          </p:cNvPr>
-          <p:cNvPicPr>
-            <a:picLocks noChangeAspect="1" noChangeArrowheads="1"/>
-          </p:cNvPicPr>
-          <p:nvPr/>
-        </p:nvPicPr>
-        <p:blipFill>
-          <a:blip r:embed="rId2">
-            <a:extLst>
-              <a:ext uri="{28A0092B-C50C-407E-A947-70E740481C1C}">
-                <a14:useLocalDpi xmlns:a14="http://schemas.microsoft.com/office/drawing/2010/main" val="0"/>
-              </a:ext>
-            </a:extLst>
-          </a:blip>
-          <a:srcRect/>
-          <a:stretch>
-            <a:fillRect/>
-          </a:stretch>
-        </p:blipFill>
-        <p:spPr bwMode="auto">
-          <a:xfrm>
-            <a:off x="1428851" y="3528285"/>
-            <a:ext cx="6286298" cy="432048"/>
-          </a:xfrm>
-          <a:prstGeom prst="rect">
-            <a:avLst/>
-          </a:prstGeom>
-          <a:noFill/>
-          <a:extLst>
-            <a:ext uri="{909E8E84-426E-40DD-AFC4-6F175D3DCCD1}">
-              <a14:hiddenFill xmlns:a14="http://schemas.microsoft.com/office/drawing/2010/main">
-                <a:solidFill>
-                  <a:srgbClr val="FFFFFF"/>
-                </a:solidFill>
-              </a14:hiddenFill>
-            </a:ext>
-          </a:extLst>
-        </p:spPr>
-      </p:pic>
-    </p:spTree>
-    <p:extLst>
-      <p:ext uri="{BB962C8B-B14F-4D97-AF65-F5344CB8AC3E}">
-        <p14:creationId xmlns:p14="http://schemas.microsoft.com/office/powerpoint/2010/main" val="2846558535"/>
-      </p:ext>
-    </p:extLst>
-  </p:cSld>
-  <p:clrMapOvr>
-    <a:masterClrMapping/>
-  </p:clrMapOvr>
-</p:sld>
-</file>
-
-<file path=ppt/slides/slide47.xml><?xml version="1.0" encoding="utf-8"?>
-<p:sld xmlns:a="http://schemas.openxmlformats.org/drawingml/2006/main" xmlns:r="http://schemas.openxmlformats.org/officeDocument/2006/relationships" xmlns:p="http://schemas.openxmlformats.org/presentationml/2006/main">
-  <p:cSld>
-    <p:spTree>
-      <p:nvGrpSpPr>
-        <p:cNvPr id="1" name=""/>
-        <p:cNvGrpSpPr/>
-        <p:nvPr/>
-      </p:nvGrpSpPr>
-      <p:grpSpPr>
-        <a:xfrm>
-          <a:off x="0" y="0"/>
-          <a:ext cx="0" cy="0"/>
-          <a:chOff x="0" y="0"/>
-          <a:chExt cx="0" cy="0"/>
-        </a:xfrm>
-      </p:grpSpPr>
-      <p:sp>
-        <p:nvSpPr>
-          <p:cNvPr id="2" name="1 Marcador de contenido"/>
-          <p:cNvSpPr>
-            <a:spLocks noGrp="1"/>
-          </p:cNvSpPr>
-          <p:nvPr>
-            <p:ph idx="1"/>
-          </p:nvPr>
-        </p:nvSpPr>
-        <p:spPr/>
-        <p:txBody>
-          <a:bodyPr>
-            <a:normAutofit/>
-          </a:bodyPr>
-          <a:lstStyle/>
-          <a:p>
-            <a:r>
-              <a:rPr lang="es-ES" dirty="0"/>
-              <a:t>En este caso, compararemos el rendimiento del clasificador en SGDC y </a:t>
-            </a:r>
-            <a:r>
-              <a:rPr lang="es-ES" dirty="0" err="1"/>
-              <a:t>LinearSVC</a:t>
-            </a:r>
-            <a:r>
-              <a:rPr lang="es-ES" dirty="0"/>
-              <a:t>.</a:t>
-            </a:r>
-          </a:p>
-          <a:p>
-            <a:r>
-              <a:rPr lang="es-ES" dirty="0"/>
-              <a:t>En el caso de SGDC se han usado los mismos valores para los parámetros que los casos anteriores.</a:t>
-            </a:r>
-          </a:p>
-          <a:p>
-            <a:r>
-              <a:rPr lang="es-ES" dirty="0"/>
-              <a:t>Para </a:t>
-            </a:r>
-            <a:r>
-              <a:rPr lang="es-ES" dirty="0" err="1"/>
-              <a:t>LinearSVC</a:t>
-            </a:r>
-            <a:r>
-              <a:rPr lang="es-ES" dirty="0"/>
-              <a:t> se han considerado los parámetros </a:t>
-            </a:r>
-            <a:r>
-              <a:rPr lang="es-ES" dirty="0" err="1"/>
-              <a:t>epoch</a:t>
-            </a:r>
-            <a:r>
-              <a:rPr lang="es-ES" dirty="0"/>
-              <a:t>, </a:t>
-            </a:r>
-            <a:r>
-              <a:rPr lang="es-ES" dirty="0" err="1"/>
-              <a:t>loss</a:t>
-            </a:r>
-            <a:r>
-              <a:rPr lang="es-ES" dirty="0"/>
-              <a:t> (si se usa “</a:t>
-            </a:r>
-            <a:r>
-              <a:rPr lang="es-ES" dirty="0" err="1"/>
-              <a:t>hinge</a:t>
-            </a:r>
-            <a:r>
-              <a:rPr lang="es-ES" dirty="0"/>
-              <a:t>” o “</a:t>
-            </a:r>
-            <a:r>
-              <a:rPr lang="es-ES" dirty="0" err="1"/>
-              <a:t>squared</a:t>
-            </a:r>
-            <a:r>
-              <a:rPr lang="es-ES" dirty="0"/>
-              <a:t> </a:t>
-            </a:r>
-            <a:r>
-              <a:rPr lang="es-ES" dirty="0" err="1"/>
-              <a:t>hinge</a:t>
-            </a:r>
-            <a:r>
-              <a:rPr lang="es-ES" dirty="0"/>
-              <a:t>”) y valor de C.</a:t>
-            </a:r>
-          </a:p>
-          <a:p>
-            <a:pPr marL="109728" indent="0">
-              <a:buNone/>
-            </a:pPr>
-            <a:r>
-              <a:rPr lang="es-ES" dirty="0"/>
-              <a:t>Para </a:t>
-            </a:r>
-            <a:r>
-              <a:rPr lang="es-ES" dirty="0" err="1"/>
-              <a:t>LinearSVC</a:t>
-            </a:r>
-            <a:r>
-              <a:rPr lang="es-ES" dirty="0"/>
-              <a:t> se han realizado 60 pruebas, más las 720 de SGDC.</a:t>
-            </a:r>
-          </a:p>
-        </p:txBody>
-      </p:sp>
-      <p:sp>
-        <p:nvSpPr>
-          <p:cNvPr id="3" name="2 Título"/>
-          <p:cNvSpPr>
-            <a:spLocks noGrp="1"/>
-          </p:cNvSpPr>
-          <p:nvPr>
-            <p:ph type="title"/>
-          </p:nvPr>
-        </p:nvSpPr>
-        <p:spPr/>
-        <p:txBody>
-          <a:bodyPr/>
-          <a:lstStyle/>
-          <a:p>
-            <a:r>
-              <a:rPr lang="es-ES" dirty="0"/>
-              <a:t>2ª Parte – Vectores soporte</a:t>
-            </a:r>
-          </a:p>
-        </p:txBody>
-      </p:sp>
-      <p:pic>
-        <p:nvPicPr>
-          <p:cNvPr id="8194" name="Picture 2" descr="https://i.gyazo.com/3224969d1f3cd620a3aadbee6ef9bdef.png">
-            <a:extLst>
-              <a:ext uri="{FF2B5EF4-FFF2-40B4-BE49-F238E27FC236}">
-                <a16:creationId xmlns:a16="http://schemas.microsoft.com/office/drawing/2014/main" id="{10D7FDE3-D778-46A2-9749-D63C49B41804}"/>
-              </a:ext>
-            </a:extLst>
-          </p:cNvPr>
-          <p:cNvPicPr>
-            <a:picLocks noChangeAspect="1" noChangeArrowheads="1"/>
-          </p:cNvPicPr>
-          <p:nvPr/>
-        </p:nvPicPr>
-        <p:blipFill>
-          <a:blip r:embed="rId2">
-            <a:extLst>
-              <a:ext uri="{28A0092B-C50C-407E-A947-70E740481C1C}">
-                <a14:useLocalDpi xmlns:a14="http://schemas.microsoft.com/office/drawing/2010/main" val="0"/>
-              </a:ext>
-            </a:extLst>
-          </a:blip>
-          <a:srcRect/>
-          <a:stretch>
-            <a:fillRect/>
-          </a:stretch>
-        </p:blipFill>
-        <p:spPr bwMode="auto">
-          <a:xfrm>
-            <a:off x="4171419" y="5781849"/>
-            <a:ext cx="4515381" cy="578264"/>
-          </a:xfrm>
-          <a:prstGeom prst="rect">
-            <a:avLst/>
-          </a:prstGeom>
-          <a:noFill/>
-          <a:extLst>
-            <a:ext uri="{909E8E84-426E-40DD-AFC4-6F175D3DCCD1}">
-              <a14:hiddenFill xmlns:a14="http://schemas.microsoft.com/office/drawing/2010/main">
-                <a:solidFill>
-                  <a:srgbClr val="FFFFFF"/>
-                </a:solidFill>
-              </a14:hiddenFill>
-            </a:ext>
-          </a:extLst>
-        </p:spPr>
-      </p:pic>
-    </p:spTree>
-    <p:extLst>
-      <p:ext uri="{BB962C8B-B14F-4D97-AF65-F5344CB8AC3E}">
-        <p14:creationId xmlns:p14="http://schemas.microsoft.com/office/powerpoint/2010/main" val="1102303139"/>
-      </p:ext>
-    </p:extLst>
-  </p:cSld>
-  <p:clrMapOvr>
-    <a:masterClrMapping/>
-  </p:clrMapOvr>
-</p:sld>
-</file>
-
-<file path=ppt/slides/slide48.xml><?xml version="1.0" encoding="utf-8"?>
-<p:sld xmlns:a="http://schemas.openxmlformats.org/drawingml/2006/main" xmlns:r="http://schemas.openxmlformats.org/officeDocument/2006/relationships" xmlns:p="http://schemas.openxmlformats.org/presentationml/2006/main">
-  <p:cSld>
-    <p:spTree>
-      <p:nvGrpSpPr>
-        <p:cNvPr id="1" name=""/>
-        <p:cNvGrpSpPr/>
-        <p:nvPr/>
-      </p:nvGrpSpPr>
-      <p:grpSpPr>
-        <a:xfrm>
-          <a:off x="0" y="0"/>
-          <a:ext cx="0" cy="0"/>
-          <a:chOff x="0" y="0"/>
-          <a:chExt cx="0" cy="0"/>
-        </a:xfrm>
-      </p:grpSpPr>
-      <p:sp>
-        <p:nvSpPr>
-          <p:cNvPr id="2" name="1 Marcador de contenido"/>
-          <p:cNvSpPr>
-            <a:spLocks noGrp="1"/>
-          </p:cNvSpPr>
-          <p:nvPr>
-            <p:ph idx="1"/>
-          </p:nvPr>
-        </p:nvSpPr>
-        <p:spPr>
-          <a:xfrm>
-            <a:off x="457200" y="1481328"/>
-            <a:ext cx="8229600" cy="4525963"/>
-          </a:xfrm>
-        </p:spPr>
-        <p:txBody>
-          <a:bodyPr>
-            <a:normAutofit/>
-          </a:bodyPr>
-          <a:lstStyle/>
-          <a:p>
-            <a:pPr marL="109728" indent="0">
-              <a:buNone/>
-            </a:pPr>
-            <a:endParaRPr lang="es-ES" dirty="0"/>
-          </a:p>
-          <a:p>
-            <a:r>
-              <a:rPr lang="es-ES" dirty="0"/>
-              <a:t>Para SGDC se ha obtenido el siguiente rendimiento con </a:t>
-            </a:r>
-            <a:r>
-              <a:rPr lang="es-ES" dirty="0" err="1"/>
-              <a:t>epoch</a:t>
-            </a:r>
-            <a:r>
-              <a:rPr lang="es-ES" dirty="0"/>
-              <a:t> = 500, sin regularización, con </a:t>
-            </a:r>
-            <a:r>
-              <a:rPr lang="es-ES" dirty="0" err="1"/>
-              <a:t>alpha</a:t>
-            </a:r>
-            <a:r>
-              <a:rPr lang="es-ES" dirty="0"/>
-              <a:t> = 0.7 y aplicando una tasa de aprendizaje de 0.1.</a:t>
-            </a:r>
-          </a:p>
-          <a:p>
-            <a:endParaRPr lang="es-ES" dirty="0"/>
-          </a:p>
-          <a:p>
-            <a:endParaRPr lang="es-ES" dirty="0"/>
-          </a:p>
-          <a:p>
-            <a:endParaRPr lang="es-ES" dirty="0"/>
-          </a:p>
-        </p:txBody>
-      </p:sp>
-      <p:sp>
-        <p:nvSpPr>
-          <p:cNvPr id="3" name="2 Título"/>
-          <p:cNvSpPr>
-            <a:spLocks noGrp="1"/>
-          </p:cNvSpPr>
-          <p:nvPr>
-            <p:ph type="title"/>
-          </p:nvPr>
-        </p:nvSpPr>
-        <p:spPr/>
-        <p:txBody>
-          <a:bodyPr/>
-          <a:lstStyle/>
-          <a:p>
-            <a:r>
-              <a:rPr lang="es-ES" dirty="0"/>
-              <a:t>2ª Parte – Vectores soporte</a:t>
-            </a:r>
-          </a:p>
-        </p:txBody>
-      </p:sp>
-      <p:pic>
-        <p:nvPicPr>
-          <p:cNvPr id="9218" name="Picture 2" descr="https://i.gyazo.com/038bf56eeb676f102694f99d2be40fd2.png">
-            <a:extLst>
-              <a:ext uri="{FF2B5EF4-FFF2-40B4-BE49-F238E27FC236}">
-                <a16:creationId xmlns:a16="http://schemas.microsoft.com/office/drawing/2014/main" id="{276C68D6-AFD4-41F5-9192-4BE871601669}"/>
-              </a:ext>
-            </a:extLst>
-          </p:cNvPr>
-          <p:cNvPicPr>
-            <a:picLocks noChangeAspect="1" noChangeArrowheads="1"/>
-          </p:cNvPicPr>
-          <p:nvPr/>
-        </p:nvPicPr>
-        <p:blipFill>
-          <a:blip r:embed="rId2">
-            <a:extLst>
-              <a:ext uri="{28A0092B-C50C-407E-A947-70E740481C1C}">
-                <a14:useLocalDpi xmlns:a14="http://schemas.microsoft.com/office/drawing/2010/main" val="0"/>
-              </a:ext>
-            </a:extLst>
-          </a:blip>
-          <a:srcRect/>
-          <a:stretch>
-            <a:fillRect/>
-          </a:stretch>
-        </p:blipFill>
-        <p:spPr bwMode="auto">
-          <a:xfrm>
-            <a:off x="567667" y="4509120"/>
-            <a:ext cx="8008665" cy="378519"/>
-          </a:xfrm>
-          <a:prstGeom prst="rect">
-            <a:avLst/>
-          </a:prstGeom>
-          <a:noFill/>
-          <a:extLst>
-            <a:ext uri="{909E8E84-426E-40DD-AFC4-6F175D3DCCD1}">
-              <a14:hiddenFill xmlns:a14="http://schemas.microsoft.com/office/drawing/2010/main">
-                <a:solidFill>
-                  <a:srgbClr val="FFFFFF"/>
-                </a:solidFill>
-              </a14:hiddenFill>
-            </a:ext>
-          </a:extLst>
-        </p:spPr>
-      </p:pic>
-    </p:spTree>
-    <p:extLst>
-      <p:ext uri="{BB962C8B-B14F-4D97-AF65-F5344CB8AC3E}">
-        <p14:creationId xmlns:p14="http://schemas.microsoft.com/office/powerpoint/2010/main" val="2700253837"/>
-      </p:ext>
-    </p:extLst>
-  </p:cSld>
-  <p:clrMapOvr>
-    <a:masterClrMapping/>
-  </p:clrMapOvr>
-</p:sld>
-</file>
-
-<file path=ppt/slides/slide49.xml><?xml version="1.0" encoding="utf-8"?>
-<p:sld xmlns:a="http://schemas.openxmlformats.org/drawingml/2006/main" xmlns:r="http://schemas.openxmlformats.org/officeDocument/2006/relationships" xmlns:p="http://schemas.openxmlformats.org/presentationml/2006/main">
-  <p:cSld>
-    <p:spTree>
-      <p:nvGrpSpPr>
-        <p:cNvPr id="1" name=""/>
-        <p:cNvGrpSpPr/>
-        <p:nvPr/>
-      </p:nvGrpSpPr>
-      <p:grpSpPr>
-        <a:xfrm>
-          <a:off x="0" y="0"/>
-          <a:ext cx="0" cy="0"/>
-          <a:chOff x="0" y="0"/>
-          <a:chExt cx="0" cy="0"/>
-        </a:xfrm>
-      </p:grpSpPr>
-      <p:sp>
-        <p:nvSpPr>
-          <p:cNvPr id="2" name="1 Marcador de contenido"/>
-          <p:cNvSpPr>
-            <a:spLocks noGrp="1"/>
-          </p:cNvSpPr>
-          <p:nvPr>
-            <p:ph idx="1"/>
-          </p:nvPr>
-        </p:nvSpPr>
-        <p:spPr>
-          <a:xfrm>
-            <a:off x="457200" y="1481328"/>
-            <a:ext cx="8229600" cy="4525963"/>
-          </a:xfrm>
-        </p:spPr>
-        <p:txBody>
-          <a:bodyPr>
-            <a:normAutofit/>
-          </a:bodyPr>
-          <a:lstStyle/>
-          <a:p>
-            <a:pPr marL="109728" indent="0">
-              <a:buNone/>
-            </a:pPr>
-            <a:endParaRPr lang="es-ES" dirty="0"/>
-          </a:p>
-          <a:p>
-            <a:r>
-              <a:rPr lang="es-ES" dirty="0"/>
-              <a:t>Para </a:t>
-            </a:r>
-            <a:r>
-              <a:rPr lang="es-ES" dirty="0" err="1"/>
-              <a:t>LinearSVC</a:t>
-            </a:r>
-            <a:r>
-              <a:rPr lang="es-ES" dirty="0"/>
-              <a:t> se ha obtenido el siguiente rendimiento con </a:t>
-            </a:r>
-            <a:r>
-              <a:rPr lang="es-ES" dirty="0" err="1"/>
-              <a:t>epoch</a:t>
-            </a:r>
-            <a:r>
-              <a:rPr lang="es-ES" dirty="0"/>
-              <a:t> = 100, aplicando </a:t>
-            </a:r>
-            <a:r>
-              <a:rPr lang="es-ES" dirty="0" err="1"/>
-              <a:t>squared</a:t>
-            </a:r>
-            <a:r>
-              <a:rPr lang="es-ES" dirty="0"/>
-              <a:t> </a:t>
-            </a:r>
-            <a:r>
-              <a:rPr lang="es-ES" dirty="0" err="1"/>
-              <a:t>hinge</a:t>
-            </a:r>
-            <a:r>
-              <a:rPr lang="es-ES" dirty="0"/>
-              <a:t> con C= 0.0001.</a:t>
-            </a:r>
-          </a:p>
-          <a:p>
-            <a:endParaRPr lang="es-ES" dirty="0"/>
-          </a:p>
-          <a:p>
-            <a:endParaRPr lang="es-ES" dirty="0"/>
-          </a:p>
-          <a:p>
-            <a:r>
-              <a:rPr lang="es-ES" dirty="0"/>
-              <a:t>Se aprecia un mayor rendimiento en SGDC pero no por mucho, considerando el número de pruebas en </a:t>
-            </a:r>
-            <a:r>
-              <a:rPr lang="es-ES" dirty="0" err="1"/>
-              <a:t>LinearSVC</a:t>
-            </a:r>
-            <a:r>
-              <a:rPr lang="es-ES" dirty="0"/>
-              <a:t> y el menor número de </a:t>
-            </a:r>
-            <a:r>
-              <a:rPr lang="es-ES" dirty="0" err="1"/>
-              <a:t>epoch</a:t>
-            </a:r>
-            <a:r>
-              <a:rPr lang="es-ES" dirty="0"/>
-              <a:t>.</a:t>
-            </a:r>
-          </a:p>
-          <a:p>
-            <a:endParaRPr lang="es-ES" dirty="0"/>
-          </a:p>
-          <a:p>
-            <a:endParaRPr lang="es-ES" dirty="0"/>
-          </a:p>
-          <a:p>
-            <a:endParaRPr lang="es-ES" dirty="0"/>
-          </a:p>
-        </p:txBody>
-      </p:sp>
-      <p:sp>
-        <p:nvSpPr>
-          <p:cNvPr id="3" name="2 Título"/>
-          <p:cNvSpPr>
-            <a:spLocks noGrp="1"/>
-          </p:cNvSpPr>
-          <p:nvPr>
-            <p:ph type="title"/>
-          </p:nvPr>
-        </p:nvSpPr>
-        <p:spPr/>
-        <p:txBody>
-          <a:bodyPr/>
-          <a:lstStyle/>
-          <a:p>
-            <a:r>
-              <a:rPr lang="es-ES" dirty="0"/>
-              <a:t>2ª Parte – Vectores soporte</a:t>
-            </a:r>
-          </a:p>
-        </p:txBody>
-      </p:sp>
-      <p:pic>
-        <p:nvPicPr>
-          <p:cNvPr id="10242" name="Picture 2" descr="https://i.gyazo.com/c9be7d9b51ab1b88ead29dda1fde3e55.png">
-            <a:extLst>
-              <a:ext uri="{FF2B5EF4-FFF2-40B4-BE49-F238E27FC236}">
-                <a16:creationId xmlns:a16="http://schemas.microsoft.com/office/drawing/2014/main" id="{F285D455-0AB3-41BF-BAB4-33B02D3E5615}"/>
-              </a:ext>
-            </a:extLst>
-          </p:cNvPr>
-          <p:cNvPicPr>
-            <a:picLocks noChangeAspect="1" noChangeArrowheads="1"/>
-          </p:cNvPicPr>
-          <p:nvPr/>
-        </p:nvPicPr>
-        <p:blipFill>
-          <a:blip r:embed="rId2">
-            <a:extLst>
-              <a:ext uri="{28A0092B-C50C-407E-A947-70E740481C1C}">
-                <a14:useLocalDpi xmlns:a14="http://schemas.microsoft.com/office/drawing/2010/main" val="0"/>
-              </a:ext>
-            </a:extLst>
-          </a:blip>
-          <a:srcRect/>
-          <a:stretch>
-            <a:fillRect/>
-          </a:stretch>
-        </p:blipFill>
-        <p:spPr bwMode="auto">
-          <a:xfrm>
-            <a:off x="1218177" y="3541047"/>
-            <a:ext cx="6707646" cy="406524"/>
-          </a:xfrm>
-          <a:prstGeom prst="rect">
-            <a:avLst/>
-          </a:prstGeom>
-          <a:noFill/>
-          <a:extLst>
-            <a:ext uri="{909E8E84-426E-40DD-AFC4-6F175D3DCCD1}">
-              <a14:hiddenFill xmlns:a14="http://schemas.microsoft.com/office/drawing/2010/main">
-                <a:solidFill>
-                  <a:srgbClr val="FFFFFF"/>
-                </a:solidFill>
-              </a14:hiddenFill>
-            </a:ext>
-          </a:extLst>
-        </p:spPr>
-      </p:pic>
-    </p:spTree>
-    <p:extLst>
-      <p:ext uri="{BB962C8B-B14F-4D97-AF65-F5344CB8AC3E}">
-        <p14:creationId xmlns:p14="http://schemas.microsoft.com/office/powerpoint/2010/main" val="1790143386"/>
       </p:ext>
     </p:extLst>
   </p:cSld>
@@ -13622,6 +13764,913 @@
             <p:ph idx="1"/>
           </p:nvPr>
         </p:nvSpPr>
+        <p:spPr>
+          <a:xfrm>
+            <a:off x="457200" y="1481328"/>
+            <a:ext cx="8229600" cy="4525963"/>
+          </a:xfrm>
+        </p:spPr>
+        <p:txBody>
+          <a:bodyPr>
+            <a:normAutofit/>
+          </a:bodyPr>
+          <a:lstStyle/>
+          <a:p>
+            <a:pPr marL="109728" indent="0">
+              <a:buNone/>
+            </a:pPr>
+            <a:endParaRPr lang="es-ES" dirty="0"/>
+          </a:p>
+          <a:p>
+            <a:r>
+              <a:rPr lang="es-ES" dirty="0"/>
+              <a:t>Para SGDC se ha obtenido el siguiente rendimiento con </a:t>
+            </a:r>
+            <a:r>
+              <a:rPr lang="es-ES" dirty="0" err="1"/>
+              <a:t>epoch</a:t>
+            </a:r>
+            <a:r>
+              <a:rPr lang="es-ES" dirty="0"/>
+              <a:t> = 10000, sin regularización, con </a:t>
+            </a:r>
+            <a:r>
+              <a:rPr lang="es-ES" dirty="0" err="1"/>
+              <a:t>alpha</a:t>
+            </a:r>
+            <a:r>
+              <a:rPr lang="es-ES" dirty="0"/>
+              <a:t> = 0.5 y sin aplicar tasa.</a:t>
+            </a:r>
+          </a:p>
+          <a:p>
+            <a:endParaRPr lang="es-ES" dirty="0"/>
+          </a:p>
+          <a:p>
+            <a:endParaRPr lang="es-ES" dirty="0"/>
+          </a:p>
+          <a:p>
+            <a:endParaRPr lang="es-ES" dirty="0"/>
+          </a:p>
+        </p:txBody>
+      </p:sp>
+      <p:sp>
+        <p:nvSpPr>
+          <p:cNvPr id="3" name="2 Título"/>
+          <p:cNvSpPr>
+            <a:spLocks noGrp="1"/>
+          </p:cNvSpPr>
+          <p:nvPr>
+            <p:ph type="title"/>
+          </p:nvPr>
+        </p:nvSpPr>
+        <p:spPr/>
+        <p:txBody>
+          <a:bodyPr/>
+          <a:lstStyle/>
+          <a:p>
+            <a:r>
+              <a:rPr lang="es-ES" dirty="0"/>
+              <a:t>2ª Parte – Regresión logística</a:t>
+            </a:r>
+          </a:p>
+        </p:txBody>
+      </p:sp>
+      <p:pic>
+        <p:nvPicPr>
+          <p:cNvPr id="6146" name="Picture 2" descr="https://i.gyazo.com/d105d620608d32c1964e04e45276f703.png">
+            <a:extLst>
+              <a:ext uri="{FF2B5EF4-FFF2-40B4-BE49-F238E27FC236}">
+                <a16:creationId xmlns:a16="http://schemas.microsoft.com/office/drawing/2014/main" xmlns="" id="{03934BCE-8B9A-474C-8FF9-D2E75277815E}"/>
+              </a:ext>
+            </a:extLst>
+          </p:cNvPr>
+          <p:cNvPicPr>
+            <a:picLocks noChangeAspect="1" noChangeArrowheads="1"/>
+          </p:cNvPicPr>
+          <p:nvPr/>
+        </p:nvPicPr>
+        <p:blipFill>
+          <a:blip r:embed="rId2">
+            <a:extLst>
+              <a:ext uri="{28A0092B-C50C-407E-A947-70E740481C1C}">
+                <a14:useLocalDpi xmlns:a14="http://schemas.microsoft.com/office/drawing/2010/main" val="0"/>
+              </a:ext>
+            </a:extLst>
+          </a:blip>
+          <a:srcRect/>
+          <a:stretch>
+            <a:fillRect/>
+          </a:stretch>
+        </p:blipFill>
+        <p:spPr bwMode="auto">
+          <a:xfrm>
+            <a:off x="719572" y="4365104"/>
+            <a:ext cx="7704856" cy="288032"/>
+          </a:xfrm>
+          <a:prstGeom prst="rect">
+            <a:avLst/>
+          </a:prstGeom>
+          <a:noFill/>
+          <a:extLst>
+            <a:ext uri="{909E8E84-426E-40DD-AFC4-6F175D3DCCD1}">
+              <a14:hiddenFill xmlns:a14="http://schemas.microsoft.com/office/drawing/2010/main">
+                <a:solidFill>
+                  <a:srgbClr val="FFFFFF"/>
+                </a:solidFill>
+              </a14:hiddenFill>
+            </a:ext>
+          </a:extLst>
+        </p:spPr>
+      </p:pic>
+    </p:spTree>
+    <p:extLst>
+      <p:ext uri="{BB962C8B-B14F-4D97-AF65-F5344CB8AC3E}">
+        <p14:creationId xmlns:p14="http://schemas.microsoft.com/office/powerpoint/2010/main" val="354206171"/>
+      </p:ext>
+    </p:extLst>
+  </p:cSld>
+  <p:clrMapOvr>
+    <a:masterClrMapping/>
+  </p:clrMapOvr>
+</p:sld>
+</file>
+
+<file path=ppt/slides/slide51.xml><?xml version="1.0" encoding="utf-8"?>
+<p:sld xmlns:a="http://schemas.openxmlformats.org/drawingml/2006/main" xmlns:r="http://schemas.openxmlformats.org/officeDocument/2006/relationships" xmlns:p="http://schemas.openxmlformats.org/presentationml/2006/main">
+  <p:cSld>
+    <p:spTree>
+      <p:nvGrpSpPr>
+        <p:cNvPr id="1" name=""/>
+        <p:cNvGrpSpPr/>
+        <p:nvPr/>
+      </p:nvGrpSpPr>
+      <p:grpSpPr>
+        <a:xfrm>
+          <a:off x="0" y="0"/>
+          <a:ext cx="0" cy="0"/>
+          <a:chOff x="0" y="0"/>
+          <a:chExt cx="0" cy="0"/>
+        </a:xfrm>
+      </p:grpSpPr>
+      <p:sp>
+        <p:nvSpPr>
+          <p:cNvPr id="2" name="1 Marcador de contenido"/>
+          <p:cNvSpPr>
+            <a:spLocks noGrp="1"/>
+          </p:cNvSpPr>
+          <p:nvPr>
+            <p:ph idx="1"/>
+          </p:nvPr>
+        </p:nvSpPr>
+        <p:spPr>
+          <a:xfrm>
+            <a:off x="457200" y="1481328"/>
+            <a:ext cx="8229600" cy="4525963"/>
+          </a:xfrm>
+        </p:spPr>
+        <p:txBody>
+          <a:bodyPr>
+            <a:normAutofit/>
+          </a:bodyPr>
+          <a:lstStyle/>
+          <a:p>
+            <a:pPr marL="109728" indent="0">
+              <a:buNone/>
+            </a:pPr>
+            <a:endParaRPr lang="es-ES" dirty="0"/>
+          </a:p>
+          <a:p>
+            <a:r>
+              <a:rPr lang="es-ES" dirty="0"/>
+              <a:t>Para </a:t>
+            </a:r>
+            <a:r>
+              <a:rPr lang="es-ES" dirty="0" err="1"/>
+              <a:t>LogisticRegression</a:t>
+            </a:r>
+            <a:r>
+              <a:rPr lang="es-ES" dirty="0"/>
+              <a:t> se ha obtenido el siguiente rendimiento con </a:t>
+            </a:r>
+            <a:r>
+              <a:rPr lang="es-ES" dirty="0" err="1"/>
+              <a:t>epoch</a:t>
+            </a:r>
+            <a:r>
+              <a:rPr lang="es-ES" dirty="0"/>
+              <a:t> = 1000, con regularización L2, con C = 0.1.</a:t>
+            </a:r>
+          </a:p>
+          <a:p>
+            <a:endParaRPr lang="es-ES" dirty="0"/>
+          </a:p>
+          <a:p>
+            <a:endParaRPr lang="es-ES" dirty="0"/>
+          </a:p>
+          <a:p>
+            <a:r>
+              <a:rPr lang="es-ES" dirty="0"/>
+              <a:t>Se aprecia un mejor rendimiento con SGDC, sin embargo en </a:t>
+            </a:r>
+            <a:r>
+              <a:rPr lang="es-ES" dirty="0" err="1"/>
+              <a:t>LogisticRegression</a:t>
+            </a:r>
+            <a:r>
+              <a:rPr lang="es-ES" dirty="0"/>
+              <a:t> se han necesitado un menor número de </a:t>
+            </a:r>
+            <a:r>
+              <a:rPr lang="es-ES" dirty="0" err="1"/>
+              <a:t>epoch</a:t>
+            </a:r>
+            <a:r>
+              <a:rPr lang="es-ES" dirty="0"/>
+              <a:t> y pruebas con un rendimiento bastante bueno.</a:t>
+            </a:r>
+          </a:p>
+        </p:txBody>
+      </p:sp>
+      <p:sp>
+        <p:nvSpPr>
+          <p:cNvPr id="3" name="2 Título"/>
+          <p:cNvSpPr>
+            <a:spLocks noGrp="1"/>
+          </p:cNvSpPr>
+          <p:nvPr>
+            <p:ph type="title"/>
+          </p:nvPr>
+        </p:nvSpPr>
+        <p:spPr/>
+        <p:txBody>
+          <a:bodyPr/>
+          <a:lstStyle/>
+          <a:p>
+            <a:r>
+              <a:rPr lang="es-ES" dirty="0"/>
+              <a:t>2ª Parte – Regresión logística</a:t>
+            </a:r>
+          </a:p>
+        </p:txBody>
+      </p:sp>
+      <p:pic>
+        <p:nvPicPr>
+          <p:cNvPr id="7170" name="Picture 2" descr="https://i.gyazo.com/b481a39aeaf84a15574e2f26c925e2cb.png">
+            <a:extLst>
+              <a:ext uri="{FF2B5EF4-FFF2-40B4-BE49-F238E27FC236}">
+                <a16:creationId xmlns:a16="http://schemas.microsoft.com/office/drawing/2014/main" xmlns="" id="{9A210230-7756-43AA-B96B-5EF46D3C4730}"/>
+              </a:ext>
+            </a:extLst>
+          </p:cNvPr>
+          <p:cNvPicPr>
+            <a:picLocks noChangeAspect="1" noChangeArrowheads="1"/>
+          </p:cNvPicPr>
+          <p:nvPr/>
+        </p:nvPicPr>
+        <p:blipFill>
+          <a:blip r:embed="rId2">
+            <a:extLst>
+              <a:ext uri="{28A0092B-C50C-407E-A947-70E740481C1C}">
+                <a14:useLocalDpi xmlns:a14="http://schemas.microsoft.com/office/drawing/2010/main" val="0"/>
+              </a:ext>
+            </a:extLst>
+          </a:blip>
+          <a:srcRect/>
+          <a:stretch>
+            <a:fillRect/>
+          </a:stretch>
+        </p:blipFill>
+        <p:spPr bwMode="auto">
+          <a:xfrm>
+            <a:off x="1428851" y="3528285"/>
+            <a:ext cx="6286298" cy="432048"/>
+          </a:xfrm>
+          <a:prstGeom prst="rect">
+            <a:avLst/>
+          </a:prstGeom>
+          <a:noFill/>
+          <a:extLst>
+            <a:ext uri="{909E8E84-426E-40DD-AFC4-6F175D3DCCD1}">
+              <a14:hiddenFill xmlns:a14="http://schemas.microsoft.com/office/drawing/2010/main">
+                <a:solidFill>
+                  <a:srgbClr val="FFFFFF"/>
+                </a:solidFill>
+              </a14:hiddenFill>
+            </a:ext>
+          </a:extLst>
+        </p:spPr>
+      </p:pic>
+    </p:spTree>
+    <p:extLst>
+      <p:ext uri="{BB962C8B-B14F-4D97-AF65-F5344CB8AC3E}">
+        <p14:creationId xmlns:p14="http://schemas.microsoft.com/office/powerpoint/2010/main" val="2846558535"/>
+      </p:ext>
+    </p:extLst>
+  </p:cSld>
+  <p:clrMapOvr>
+    <a:masterClrMapping/>
+  </p:clrMapOvr>
+</p:sld>
+</file>
+
+<file path=ppt/slides/slide52.xml><?xml version="1.0" encoding="utf-8"?>
+<p:sld xmlns:a="http://schemas.openxmlformats.org/drawingml/2006/main" xmlns:r="http://schemas.openxmlformats.org/officeDocument/2006/relationships" xmlns:p="http://schemas.openxmlformats.org/presentationml/2006/main">
+  <p:cSld>
+    <p:spTree>
+      <p:nvGrpSpPr>
+        <p:cNvPr id="1" name=""/>
+        <p:cNvGrpSpPr/>
+        <p:nvPr/>
+      </p:nvGrpSpPr>
+      <p:grpSpPr>
+        <a:xfrm>
+          <a:off x="0" y="0"/>
+          <a:ext cx="0" cy="0"/>
+          <a:chOff x="0" y="0"/>
+          <a:chExt cx="0" cy="0"/>
+        </a:xfrm>
+      </p:grpSpPr>
+      <p:sp>
+        <p:nvSpPr>
+          <p:cNvPr id="2" name="1 Marcador de contenido"/>
+          <p:cNvSpPr>
+            <a:spLocks noGrp="1"/>
+          </p:cNvSpPr>
+          <p:nvPr>
+            <p:ph idx="1"/>
+          </p:nvPr>
+        </p:nvSpPr>
+        <p:spPr/>
+        <p:txBody>
+          <a:bodyPr>
+            <a:normAutofit/>
+          </a:bodyPr>
+          <a:lstStyle/>
+          <a:p>
+            <a:r>
+              <a:rPr lang="es-ES" dirty="0"/>
+              <a:t>En este caso, compararemos el rendimiento del clasificador en SGDC y </a:t>
+            </a:r>
+            <a:r>
+              <a:rPr lang="es-ES" dirty="0" err="1"/>
+              <a:t>LinearSVC</a:t>
+            </a:r>
+            <a:r>
+              <a:rPr lang="es-ES" dirty="0"/>
+              <a:t>.</a:t>
+            </a:r>
+          </a:p>
+          <a:p>
+            <a:r>
+              <a:rPr lang="es-ES" dirty="0"/>
+              <a:t>En el caso de SGDC se han usado los mismos valores para los parámetros que los casos anteriores.</a:t>
+            </a:r>
+          </a:p>
+          <a:p>
+            <a:r>
+              <a:rPr lang="es-ES" dirty="0"/>
+              <a:t>Para </a:t>
+            </a:r>
+            <a:r>
+              <a:rPr lang="es-ES" dirty="0" err="1"/>
+              <a:t>LinearSVC</a:t>
+            </a:r>
+            <a:r>
+              <a:rPr lang="es-ES" dirty="0"/>
+              <a:t> se han considerado los parámetros </a:t>
+            </a:r>
+            <a:r>
+              <a:rPr lang="es-ES" dirty="0" err="1"/>
+              <a:t>epoch</a:t>
+            </a:r>
+            <a:r>
+              <a:rPr lang="es-ES" dirty="0"/>
+              <a:t>, </a:t>
+            </a:r>
+            <a:r>
+              <a:rPr lang="es-ES" dirty="0" err="1"/>
+              <a:t>loss</a:t>
+            </a:r>
+            <a:r>
+              <a:rPr lang="es-ES" dirty="0"/>
+              <a:t> (si se usa “</a:t>
+            </a:r>
+            <a:r>
+              <a:rPr lang="es-ES" dirty="0" err="1"/>
+              <a:t>hinge</a:t>
+            </a:r>
+            <a:r>
+              <a:rPr lang="es-ES" dirty="0"/>
+              <a:t>” o “</a:t>
+            </a:r>
+            <a:r>
+              <a:rPr lang="es-ES" dirty="0" err="1"/>
+              <a:t>squared</a:t>
+            </a:r>
+            <a:r>
+              <a:rPr lang="es-ES" dirty="0"/>
+              <a:t> </a:t>
+            </a:r>
+            <a:r>
+              <a:rPr lang="es-ES" dirty="0" err="1"/>
+              <a:t>hinge</a:t>
+            </a:r>
+            <a:r>
+              <a:rPr lang="es-ES" dirty="0"/>
+              <a:t>”) y valor de C.</a:t>
+            </a:r>
+          </a:p>
+          <a:p>
+            <a:pPr marL="109728" indent="0">
+              <a:buNone/>
+            </a:pPr>
+            <a:r>
+              <a:rPr lang="es-ES" dirty="0"/>
+              <a:t>Para </a:t>
+            </a:r>
+            <a:r>
+              <a:rPr lang="es-ES" dirty="0" err="1"/>
+              <a:t>LinearSVC</a:t>
+            </a:r>
+            <a:r>
+              <a:rPr lang="es-ES" dirty="0"/>
+              <a:t> se han realizado 60 pruebas, más las 720 de SGDC.</a:t>
+            </a:r>
+          </a:p>
+        </p:txBody>
+      </p:sp>
+      <p:sp>
+        <p:nvSpPr>
+          <p:cNvPr id="3" name="2 Título"/>
+          <p:cNvSpPr>
+            <a:spLocks noGrp="1"/>
+          </p:cNvSpPr>
+          <p:nvPr>
+            <p:ph type="title"/>
+          </p:nvPr>
+        </p:nvSpPr>
+        <p:spPr/>
+        <p:txBody>
+          <a:bodyPr/>
+          <a:lstStyle/>
+          <a:p>
+            <a:r>
+              <a:rPr lang="es-ES" dirty="0"/>
+              <a:t>2ª Parte – Vectores soporte</a:t>
+            </a:r>
+          </a:p>
+        </p:txBody>
+      </p:sp>
+      <p:pic>
+        <p:nvPicPr>
+          <p:cNvPr id="8194" name="Picture 2" descr="https://i.gyazo.com/3224969d1f3cd620a3aadbee6ef9bdef.png">
+            <a:extLst>
+              <a:ext uri="{FF2B5EF4-FFF2-40B4-BE49-F238E27FC236}">
+                <a16:creationId xmlns:a16="http://schemas.microsoft.com/office/drawing/2014/main" xmlns="" id="{10D7FDE3-D778-46A2-9749-D63C49B41804}"/>
+              </a:ext>
+            </a:extLst>
+          </p:cNvPr>
+          <p:cNvPicPr>
+            <a:picLocks noChangeAspect="1" noChangeArrowheads="1"/>
+          </p:cNvPicPr>
+          <p:nvPr/>
+        </p:nvPicPr>
+        <p:blipFill>
+          <a:blip r:embed="rId2">
+            <a:extLst>
+              <a:ext uri="{28A0092B-C50C-407E-A947-70E740481C1C}">
+                <a14:useLocalDpi xmlns:a14="http://schemas.microsoft.com/office/drawing/2010/main" val="0"/>
+              </a:ext>
+            </a:extLst>
+          </a:blip>
+          <a:srcRect/>
+          <a:stretch>
+            <a:fillRect/>
+          </a:stretch>
+        </p:blipFill>
+        <p:spPr bwMode="auto">
+          <a:xfrm>
+            <a:off x="4171419" y="5781849"/>
+            <a:ext cx="4515381" cy="578264"/>
+          </a:xfrm>
+          <a:prstGeom prst="rect">
+            <a:avLst/>
+          </a:prstGeom>
+          <a:noFill/>
+          <a:extLst>
+            <a:ext uri="{909E8E84-426E-40DD-AFC4-6F175D3DCCD1}">
+              <a14:hiddenFill xmlns:a14="http://schemas.microsoft.com/office/drawing/2010/main">
+                <a:solidFill>
+                  <a:srgbClr val="FFFFFF"/>
+                </a:solidFill>
+              </a14:hiddenFill>
+            </a:ext>
+          </a:extLst>
+        </p:spPr>
+      </p:pic>
+    </p:spTree>
+    <p:extLst>
+      <p:ext uri="{BB962C8B-B14F-4D97-AF65-F5344CB8AC3E}">
+        <p14:creationId xmlns:p14="http://schemas.microsoft.com/office/powerpoint/2010/main" val="1102303139"/>
+      </p:ext>
+    </p:extLst>
+  </p:cSld>
+  <p:clrMapOvr>
+    <a:masterClrMapping/>
+  </p:clrMapOvr>
+</p:sld>
+</file>
+
+<file path=ppt/slides/slide53.xml><?xml version="1.0" encoding="utf-8"?>
+<p:sld xmlns:a="http://schemas.openxmlformats.org/drawingml/2006/main" xmlns:r="http://schemas.openxmlformats.org/officeDocument/2006/relationships" xmlns:p="http://schemas.openxmlformats.org/presentationml/2006/main">
+  <p:cSld>
+    <p:spTree>
+      <p:nvGrpSpPr>
+        <p:cNvPr id="1" name=""/>
+        <p:cNvGrpSpPr/>
+        <p:nvPr/>
+      </p:nvGrpSpPr>
+      <p:grpSpPr>
+        <a:xfrm>
+          <a:off x="0" y="0"/>
+          <a:ext cx="0" cy="0"/>
+          <a:chOff x="0" y="0"/>
+          <a:chExt cx="0" cy="0"/>
+        </a:xfrm>
+      </p:grpSpPr>
+      <p:sp>
+        <p:nvSpPr>
+          <p:cNvPr id="2" name="1 Marcador de contenido"/>
+          <p:cNvSpPr>
+            <a:spLocks noGrp="1"/>
+          </p:cNvSpPr>
+          <p:nvPr>
+            <p:ph idx="1"/>
+          </p:nvPr>
+        </p:nvSpPr>
+        <p:spPr>
+          <a:xfrm>
+            <a:off x="457200" y="1481328"/>
+            <a:ext cx="8229600" cy="4525963"/>
+          </a:xfrm>
+        </p:spPr>
+        <p:txBody>
+          <a:bodyPr>
+            <a:normAutofit/>
+          </a:bodyPr>
+          <a:lstStyle/>
+          <a:p>
+            <a:pPr marL="109728" indent="0">
+              <a:buNone/>
+            </a:pPr>
+            <a:endParaRPr lang="es-ES" dirty="0"/>
+          </a:p>
+          <a:p>
+            <a:r>
+              <a:rPr lang="es-ES" dirty="0"/>
+              <a:t>Para SGDC se ha obtenido el siguiente rendimiento con </a:t>
+            </a:r>
+            <a:r>
+              <a:rPr lang="es-ES" dirty="0" err="1"/>
+              <a:t>epoch</a:t>
+            </a:r>
+            <a:r>
+              <a:rPr lang="es-ES" dirty="0"/>
+              <a:t> = 500, sin regularización, con </a:t>
+            </a:r>
+            <a:r>
+              <a:rPr lang="es-ES" dirty="0" err="1"/>
+              <a:t>alpha</a:t>
+            </a:r>
+            <a:r>
+              <a:rPr lang="es-ES" dirty="0"/>
+              <a:t> = 0.7 y aplicando una tasa de aprendizaje de 0.1.</a:t>
+            </a:r>
+          </a:p>
+          <a:p>
+            <a:endParaRPr lang="es-ES" dirty="0"/>
+          </a:p>
+          <a:p>
+            <a:endParaRPr lang="es-ES" dirty="0"/>
+          </a:p>
+          <a:p>
+            <a:endParaRPr lang="es-ES" dirty="0"/>
+          </a:p>
+        </p:txBody>
+      </p:sp>
+      <p:sp>
+        <p:nvSpPr>
+          <p:cNvPr id="3" name="2 Título"/>
+          <p:cNvSpPr>
+            <a:spLocks noGrp="1"/>
+          </p:cNvSpPr>
+          <p:nvPr>
+            <p:ph type="title"/>
+          </p:nvPr>
+        </p:nvSpPr>
+        <p:spPr/>
+        <p:txBody>
+          <a:bodyPr/>
+          <a:lstStyle/>
+          <a:p>
+            <a:r>
+              <a:rPr lang="es-ES" dirty="0"/>
+              <a:t>2ª Parte – Vectores soporte</a:t>
+            </a:r>
+          </a:p>
+        </p:txBody>
+      </p:sp>
+      <p:pic>
+        <p:nvPicPr>
+          <p:cNvPr id="9218" name="Picture 2" descr="https://i.gyazo.com/038bf56eeb676f102694f99d2be40fd2.png">
+            <a:extLst>
+              <a:ext uri="{FF2B5EF4-FFF2-40B4-BE49-F238E27FC236}">
+                <a16:creationId xmlns:a16="http://schemas.microsoft.com/office/drawing/2014/main" xmlns="" id="{276C68D6-AFD4-41F5-9192-4BE871601669}"/>
+              </a:ext>
+            </a:extLst>
+          </p:cNvPr>
+          <p:cNvPicPr>
+            <a:picLocks noChangeAspect="1" noChangeArrowheads="1"/>
+          </p:cNvPicPr>
+          <p:nvPr/>
+        </p:nvPicPr>
+        <p:blipFill>
+          <a:blip r:embed="rId2">
+            <a:extLst>
+              <a:ext uri="{28A0092B-C50C-407E-A947-70E740481C1C}">
+                <a14:useLocalDpi xmlns:a14="http://schemas.microsoft.com/office/drawing/2010/main" val="0"/>
+              </a:ext>
+            </a:extLst>
+          </a:blip>
+          <a:srcRect/>
+          <a:stretch>
+            <a:fillRect/>
+          </a:stretch>
+        </p:blipFill>
+        <p:spPr bwMode="auto">
+          <a:xfrm>
+            <a:off x="567667" y="4509120"/>
+            <a:ext cx="8008665" cy="378519"/>
+          </a:xfrm>
+          <a:prstGeom prst="rect">
+            <a:avLst/>
+          </a:prstGeom>
+          <a:noFill/>
+          <a:extLst>
+            <a:ext uri="{909E8E84-426E-40DD-AFC4-6F175D3DCCD1}">
+              <a14:hiddenFill xmlns:a14="http://schemas.microsoft.com/office/drawing/2010/main">
+                <a:solidFill>
+                  <a:srgbClr val="FFFFFF"/>
+                </a:solidFill>
+              </a14:hiddenFill>
+            </a:ext>
+          </a:extLst>
+        </p:spPr>
+      </p:pic>
+    </p:spTree>
+    <p:extLst>
+      <p:ext uri="{BB962C8B-B14F-4D97-AF65-F5344CB8AC3E}">
+        <p14:creationId xmlns:p14="http://schemas.microsoft.com/office/powerpoint/2010/main" val="2700253837"/>
+      </p:ext>
+    </p:extLst>
+  </p:cSld>
+  <p:clrMapOvr>
+    <a:masterClrMapping/>
+  </p:clrMapOvr>
+</p:sld>
+</file>
+
+<file path=ppt/slides/slide54.xml><?xml version="1.0" encoding="utf-8"?>
+<p:sld xmlns:a="http://schemas.openxmlformats.org/drawingml/2006/main" xmlns:r="http://schemas.openxmlformats.org/officeDocument/2006/relationships" xmlns:p="http://schemas.openxmlformats.org/presentationml/2006/main">
+  <p:cSld>
+    <p:spTree>
+      <p:nvGrpSpPr>
+        <p:cNvPr id="1" name=""/>
+        <p:cNvGrpSpPr/>
+        <p:nvPr/>
+      </p:nvGrpSpPr>
+      <p:grpSpPr>
+        <a:xfrm>
+          <a:off x="0" y="0"/>
+          <a:ext cx="0" cy="0"/>
+          <a:chOff x="0" y="0"/>
+          <a:chExt cx="0" cy="0"/>
+        </a:xfrm>
+      </p:grpSpPr>
+      <p:sp>
+        <p:nvSpPr>
+          <p:cNvPr id="2" name="1 Marcador de contenido"/>
+          <p:cNvSpPr>
+            <a:spLocks noGrp="1"/>
+          </p:cNvSpPr>
+          <p:nvPr>
+            <p:ph idx="1"/>
+          </p:nvPr>
+        </p:nvSpPr>
+        <p:spPr>
+          <a:xfrm>
+            <a:off x="457200" y="1481328"/>
+            <a:ext cx="8229600" cy="4525963"/>
+          </a:xfrm>
+        </p:spPr>
+        <p:txBody>
+          <a:bodyPr>
+            <a:normAutofit/>
+          </a:bodyPr>
+          <a:lstStyle/>
+          <a:p>
+            <a:pPr marL="109728" indent="0">
+              <a:buNone/>
+            </a:pPr>
+            <a:endParaRPr lang="es-ES" dirty="0"/>
+          </a:p>
+          <a:p>
+            <a:r>
+              <a:rPr lang="es-ES" dirty="0"/>
+              <a:t>Para </a:t>
+            </a:r>
+            <a:r>
+              <a:rPr lang="es-ES" dirty="0" err="1"/>
+              <a:t>LinearSVC</a:t>
+            </a:r>
+            <a:r>
+              <a:rPr lang="es-ES" dirty="0"/>
+              <a:t> se ha obtenido el siguiente rendimiento con </a:t>
+            </a:r>
+            <a:r>
+              <a:rPr lang="es-ES" dirty="0" err="1"/>
+              <a:t>epoch</a:t>
+            </a:r>
+            <a:r>
+              <a:rPr lang="es-ES" dirty="0"/>
+              <a:t> = 100, aplicando </a:t>
+            </a:r>
+            <a:r>
+              <a:rPr lang="es-ES" dirty="0" err="1"/>
+              <a:t>squared</a:t>
+            </a:r>
+            <a:r>
+              <a:rPr lang="es-ES" dirty="0"/>
+              <a:t> </a:t>
+            </a:r>
+            <a:r>
+              <a:rPr lang="es-ES" dirty="0" err="1"/>
+              <a:t>hinge</a:t>
+            </a:r>
+            <a:r>
+              <a:rPr lang="es-ES" dirty="0"/>
+              <a:t> con C= 0.0001.</a:t>
+            </a:r>
+          </a:p>
+          <a:p>
+            <a:endParaRPr lang="es-ES" dirty="0"/>
+          </a:p>
+          <a:p>
+            <a:endParaRPr lang="es-ES" dirty="0"/>
+          </a:p>
+          <a:p>
+            <a:r>
+              <a:rPr lang="es-ES" dirty="0"/>
+              <a:t>Se aprecia un mayor rendimiento en SGDC pero no por mucho, considerando el número de pruebas en </a:t>
+            </a:r>
+            <a:r>
+              <a:rPr lang="es-ES" dirty="0" err="1"/>
+              <a:t>LinearSVC</a:t>
+            </a:r>
+            <a:r>
+              <a:rPr lang="es-ES" dirty="0"/>
+              <a:t> y el menor número de </a:t>
+            </a:r>
+            <a:r>
+              <a:rPr lang="es-ES" dirty="0" err="1"/>
+              <a:t>epoch</a:t>
+            </a:r>
+            <a:r>
+              <a:rPr lang="es-ES" dirty="0"/>
+              <a:t>.</a:t>
+            </a:r>
+          </a:p>
+          <a:p>
+            <a:endParaRPr lang="es-ES" dirty="0"/>
+          </a:p>
+          <a:p>
+            <a:endParaRPr lang="es-ES" dirty="0"/>
+          </a:p>
+          <a:p>
+            <a:endParaRPr lang="es-ES" dirty="0"/>
+          </a:p>
+        </p:txBody>
+      </p:sp>
+      <p:sp>
+        <p:nvSpPr>
+          <p:cNvPr id="3" name="2 Título"/>
+          <p:cNvSpPr>
+            <a:spLocks noGrp="1"/>
+          </p:cNvSpPr>
+          <p:nvPr>
+            <p:ph type="title"/>
+          </p:nvPr>
+        </p:nvSpPr>
+        <p:spPr/>
+        <p:txBody>
+          <a:bodyPr/>
+          <a:lstStyle/>
+          <a:p>
+            <a:r>
+              <a:rPr lang="es-ES" dirty="0"/>
+              <a:t>2ª Parte – Vectores soporte</a:t>
+            </a:r>
+          </a:p>
+        </p:txBody>
+      </p:sp>
+      <p:pic>
+        <p:nvPicPr>
+          <p:cNvPr id="10242" name="Picture 2" descr="https://i.gyazo.com/c9be7d9b51ab1b88ead29dda1fde3e55.png">
+            <a:extLst>
+              <a:ext uri="{FF2B5EF4-FFF2-40B4-BE49-F238E27FC236}">
+                <a16:creationId xmlns:a16="http://schemas.microsoft.com/office/drawing/2014/main" xmlns="" id="{F285D455-0AB3-41BF-BAB4-33B02D3E5615}"/>
+              </a:ext>
+            </a:extLst>
+          </p:cNvPr>
+          <p:cNvPicPr>
+            <a:picLocks noChangeAspect="1" noChangeArrowheads="1"/>
+          </p:cNvPicPr>
+          <p:nvPr/>
+        </p:nvPicPr>
+        <p:blipFill>
+          <a:blip r:embed="rId2">
+            <a:extLst>
+              <a:ext uri="{28A0092B-C50C-407E-A947-70E740481C1C}">
+                <a14:useLocalDpi xmlns:a14="http://schemas.microsoft.com/office/drawing/2010/main" val="0"/>
+              </a:ext>
+            </a:extLst>
+          </a:blip>
+          <a:srcRect/>
+          <a:stretch>
+            <a:fillRect/>
+          </a:stretch>
+        </p:blipFill>
+        <p:spPr bwMode="auto">
+          <a:xfrm>
+            <a:off x="1218177" y="3541047"/>
+            <a:ext cx="6707646" cy="406524"/>
+          </a:xfrm>
+          <a:prstGeom prst="rect">
+            <a:avLst/>
+          </a:prstGeom>
+          <a:noFill/>
+          <a:extLst>
+            <a:ext uri="{909E8E84-426E-40DD-AFC4-6F175D3DCCD1}">
+              <a14:hiddenFill xmlns:a14="http://schemas.microsoft.com/office/drawing/2010/main">
+                <a:solidFill>
+                  <a:srgbClr val="FFFFFF"/>
+                </a:solidFill>
+              </a14:hiddenFill>
+            </a:ext>
+          </a:extLst>
+        </p:spPr>
+      </p:pic>
+    </p:spTree>
+    <p:extLst>
+      <p:ext uri="{BB962C8B-B14F-4D97-AF65-F5344CB8AC3E}">
+        <p14:creationId xmlns:p14="http://schemas.microsoft.com/office/powerpoint/2010/main" val="1790143386"/>
+      </p:ext>
+    </p:extLst>
+  </p:cSld>
+  <p:clrMapOvr>
+    <a:masterClrMapping/>
+  </p:clrMapOvr>
+</p:sld>
+</file>
+
+<file path=ppt/slides/slide55.xml><?xml version="1.0" encoding="utf-8"?>
+<p:sld xmlns:a="http://schemas.openxmlformats.org/drawingml/2006/main" xmlns:r="http://schemas.openxmlformats.org/officeDocument/2006/relationships" xmlns:p="http://schemas.openxmlformats.org/presentationml/2006/main">
+  <p:cSld>
+    <p:spTree>
+      <p:nvGrpSpPr>
+        <p:cNvPr id="1" name=""/>
+        <p:cNvGrpSpPr/>
+        <p:nvPr/>
+      </p:nvGrpSpPr>
+      <p:grpSpPr>
+        <a:xfrm>
+          <a:off x="0" y="0"/>
+          <a:ext cx="0" cy="0"/>
+          <a:chOff x="0" y="0"/>
+          <a:chExt cx="0" cy="0"/>
+        </a:xfrm>
+      </p:grpSpPr>
+      <p:sp>
+        <p:nvSpPr>
+          <p:cNvPr id="2" name="1 Marcador de contenido"/>
+          <p:cNvSpPr>
+            <a:spLocks noGrp="1"/>
+          </p:cNvSpPr>
+          <p:nvPr>
+            <p:ph idx="1"/>
+          </p:nvPr>
+        </p:nvSpPr>
         <p:spPr/>
         <p:txBody>
           <a:bodyPr>
@@ -13681,7 +14730,7 @@
           <p:cNvPr id="11266" name="Picture 2" descr="https://i.gyazo.com/66cd4565a6be0cdc11691dd3ae45d36d.png">
             <a:extLst>
               <a:ext uri="{FF2B5EF4-FFF2-40B4-BE49-F238E27FC236}">
-                <a16:creationId xmlns:a16="http://schemas.microsoft.com/office/drawing/2014/main" id="{CF78C64C-223C-4660-ABB5-C72FF4BCE523}"/>
+                <a16:creationId xmlns:a16="http://schemas.microsoft.com/office/drawing/2014/main" xmlns="" id="{CF78C64C-223C-4660-ABB5-C72FF4BCE523}"/>
               </a:ext>
             </a:extLst>
           </p:cNvPr>
@@ -13736,7 +14785,7 @@
 </p:sld>
 </file>
 
-<file path=ppt/slides/slide51.xml><?xml version="1.0" encoding="utf-8"?>
+<file path=ppt/slides/slide56.xml><?xml version="1.0" encoding="utf-8"?>
 <p:sld xmlns:a="http://schemas.openxmlformats.org/drawingml/2006/main" xmlns:r="http://schemas.openxmlformats.org/officeDocument/2006/relationships" xmlns:p="http://schemas.openxmlformats.org/presentationml/2006/main">
   <p:cSld>
     <p:spTree>
@@ -13804,7 +14853,7 @@
           <p:cNvPr id="12290" name="Picture 2" descr="https://i.gyazo.com/e5e3fd68fcb8e1a35f6c86696d22e780.png">
             <a:extLst>
               <a:ext uri="{FF2B5EF4-FFF2-40B4-BE49-F238E27FC236}">
-                <a16:creationId xmlns:a16="http://schemas.microsoft.com/office/drawing/2014/main" id="{C338F5DA-8EF1-472A-A0BD-51A58C9909CD}"/>
+                <a16:creationId xmlns:a16="http://schemas.microsoft.com/office/drawing/2014/main" xmlns="" id="{C338F5DA-8EF1-472A-A0BD-51A58C9909CD}"/>
               </a:ext>
             </a:extLst>
           </p:cNvPr>
@@ -13859,7 +14908,7 @@
 </p:sld>
 </file>
 
-<file path=ppt/slides/slide52.xml><?xml version="1.0" encoding="utf-8"?>
+<file path=ppt/slides/slide57.xml><?xml version="1.0" encoding="utf-8"?>
 <p:sld xmlns:a="http://schemas.openxmlformats.org/drawingml/2006/main" xmlns:r="http://schemas.openxmlformats.org/officeDocument/2006/relationships" xmlns:p="http://schemas.openxmlformats.org/presentationml/2006/main">
   <p:cSld>
     <p:spTree>
@@ -13948,7 +14997,7 @@
           <p:cNvPr id="13314" name="Picture 2" descr="https://i.gyazo.com/583587992d46203e6efc862c9cc01d6f.png">
             <a:extLst>
               <a:ext uri="{FF2B5EF4-FFF2-40B4-BE49-F238E27FC236}">
-                <a16:creationId xmlns:a16="http://schemas.microsoft.com/office/drawing/2014/main" id="{52FB9BA7-7DD4-473F-9E84-505FF690D86B}"/>
+                <a16:creationId xmlns:a16="http://schemas.microsoft.com/office/drawing/2014/main" xmlns="" id="{52FB9BA7-7DD4-473F-9E84-505FF690D86B}"/>
               </a:ext>
             </a:extLst>
           </p:cNvPr>
@@ -14003,7 +15052,7 @@
 </p:sld>
 </file>
 
-<file path=ppt/slides/slide53.xml><?xml version="1.0" encoding="utf-8"?>
+<file path=ppt/slides/slide58.xml><?xml version="1.0" encoding="utf-8"?>
 <p:sld xmlns:a="http://schemas.openxmlformats.org/drawingml/2006/main" xmlns:r="http://schemas.openxmlformats.org/officeDocument/2006/relationships" xmlns:p="http://schemas.openxmlformats.org/presentationml/2006/main">
   <p:cSld>
     <p:spTree>
@@ -14084,7 +15133,7 @@
           <p:cNvPr id="14338" name="Picture 2" descr="https://i.gyazo.com/0e6df658ca89316ec5e0cfc11c29887c.png">
             <a:extLst>
               <a:ext uri="{FF2B5EF4-FFF2-40B4-BE49-F238E27FC236}">
-                <a16:creationId xmlns:a16="http://schemas.microsoft.com/office/drawing/2014/main" id="{1336A713-00B8-4A34-BE3E-1493C394EC2A}"/>
+                <a16:creationId xmlns:a16="http://schemas.microsoft.com/office/drawing/2014/main" xmlns="" id="{1336A713-00B8-4A34-BE3E-1493C394EC2A}"/>
               </a:ext>
             </a:extLst>
           </p:cNvPr>
